--- a/Poster.pptx
+++ b/Poster.pptx
@@ -15,7 +15,7 @@
 </p:presentation>
 </file>
 
-<file path=ppt/charts/chart25.xml><?xml version="1.0" encoding="utf-8"?>
+<file path=ppt/charts/chart28.xml><?xml version="1.0" encoding="utf-8"?>
 <c:chartSpace xmlns:c="http://schemas.openxmlformats.org/drawingml/2006/chart" xmlns:a="http://schemas.openxmlformats.org/drawingml/2006/main" xmlns:r="http://schemas.openxmlformats.org/officeDocument/2006/relationships">
   <c:lang val="en-US"/>
   <c:roundedCorners val="0"/>
@@ -249,11 +249,11 @@
         </c:ser>
         <c:gapWidth val="150"/>
         <c:overlap val="0"/>
-        <c:axId val="22977391"/>
-        <c:axId val="55701302"/>
+        <c:axId val="50924228"/>
+        <c:axId val="98556566"/>
       </c:barChart>
       <c:catAx>
-        <c:axId val="22977391"/>
+        <c:axId val="50924228"/>
         <c:scaling>
           <c:orientation val="minMax"/>
         </c:scaling>
@@ -290,14 +290,14 @@
             </a:pPr>
           </a:p>
         </c:txPr>
-        <c:crossAx val="55701302"/>
+        <c:crossAx val="98556566"/>
         <c:crosses val="autoZero"/>
         <c:auto val="1"/>
         <c:lblAlgn val="ctr"/>
         <c:lblOffset val="100"/>
       </c:catAx>
       <c:valAx>
-        <c:axId val="55701302"/>
+        <c:axId val="98556566"/>
         <c:scaling>
           <c:orientation val="minMax"/>
         </c:scaling>
@@ -344,7 +344,7 @@
             </a:pPr>
           </a:p>
         </c:txPr>
-        <c:crossAx val="22977391"/>
+        <c:crossAx val="50924228"/>
         <c:crosses val="autoZero"/>
         <c:crossBetween val="midCat"/>
       </c:valAx>
@@ -379,7 +379,7 @@
 </c:chartSpace>
 </file>
 
-<file path=ppt/charts/chart26.xml><?xml version="1.0" encoding="utf-8"?>
+<file path=ppt/charts/chart29.xml><?xml version="1.0" encoding="utf-8"?>
 <c:chartSpace xmlns:c="http://schemas.openxmlformats.org/drawingml/2006/chart" xmlns:a="http://schemas.openxmlformats.org/drawingml/2006/main" xmlns:r="http://schemas.openxmlformats.org/officeDocument/2006/relationships">
   <c:lang val="en-US"/>
   <c:roundedCorners val="0"/>
@@ -653,11 +653,11 @@
           </c:spPr>
         </c:hiLowLines>
         <c:marker val="1"/>
-        <c:axId val="5010899"/>
-        <c:axId val="79013544"/>
+        <c:axId val="27704884"/>
+        <c:axId val="18484371"/>
       </c:lineChart>
       <c:catAx>
-        <c:axId val="5010899"/>
+        <c:axId val="27704884"/>
         <c:scaling>
           <c:orientation val="minMax"/>
         </c:scaling>
@@ -694,14 +694,14 @@
             </a:pPr>
           </a:p>
         </c:txPr>
-        <c:crossAx val="79013544"/>
+        <c:crossAx val="18484371"/>
         <c:crosses val="autoZero"/>
         <c:auto val="1"/>
         <c:lblAlgn val="ctr"/>
         <c:lblOffset val="100"/>
       </c:catAx>
       <c:valAx>
-        <c:axId val="79013544"/>
+        <c:axId val="18484371"/>
         <c:scaling>
           <c:orientation val="minMax"/>
         </c:scaling>
@@ -748,7 +748,7 @@
             </a:pPr>
           </a:p>
         </c:txPr>
-        <c:crossAx val="5010899"/>
+        <c:crossAx val="27704884"/>
         <c:crosses val="autoZero"/>
         <c:crossBetween val="midCat"/>
       </c:valAx>
@@ -783,7 +783,7 @@
 </c:chartSpace>
 </file>
 
-<file path=ppt/charts/chart27.xml><?xml version="1.0" encoding="utf-8"?>
+<file path=ppt/charts/chart30.xml><?xml version="1.0" encoding="utf-8"?>
 <c:chartSpace xmlns:c="http://schemas.openxmlformats.org/drawingml/2006/chart" xmlns:a="http://schemas.openxmlformats.org/drawingml/2006/main" xmlns:r="http://schemas.openxmlformats.org/officeDocument/2006/relationships">
   <c:lang val="en-US"/>
   <c:roundedCorners val="0"/>
@@ -1578,7 +1578,7 @@
           <a:bodyPr lIns="0" rIns="0" tIns="0" bIns="0" anchor="b"/>
           <a:p>
             <a:pPr algn="r"/>
-            <a:fld id="{F2A95DE3-CC22-445E-8A46-ECCE01C900F5}" type="slidenum">
+            <a:fld id="{5ED335FC-53E8-4260-9FE7-4A814D0AB2A1}" type="slidenum">
               <a:rPr b="0" lang="de-DE" sz="1400" spc="-1" strike="noStrike">
                 <a:solidFill>
                   <a:srgbClr val="000000"/>
@@ -1656,7 +1656,7 @@
                 <a:spcPct val="100000"/>
               </a:lnSpc>
             </a:pPr>
-            <a:fld id="{D040C9B6-19EC-40A4-9D06-70610362AABE}" type="slidenum">
+            <a:fld id="{6A00CA97-B501-40B2-A8D6-A2FA9FB98CC5}" type="slidenum">
               <a:rPr b="0" lang="de-DE" sz="1500" spc="-1" strike="noStrike">
                 <a:solidFill>
                   <a:srgbClr val="000000"/>
@@ -3379,651 +3379,7 @@
                 </a:uFill>
                 <a:latin typeface="Times New Roman"/>
               </a:rPr>
-              <a:t>F</a:t>
-            </a:r>
-            <a:r>
-              <a:rPr b="0" lang="en-US" sz="2160" spc="-1" strike="noStrike">
-                <a:solidFill>
-                  <a:srgbClr val="000000"/>
-                </a:solidFill>
-                <a:uFill>
-                  <a:solidFill>
-                    <a:srgbClr val="ffffff"/>
-                  </a:solidFill>
-                </a:uFill>
-                <a:latin typeface="Times New Roman"/>
-              </a:rPr>
-              <a:t>o</a:t>
-            </a:r>
-            <a:r>
-              <a:rPr b="0" lang="en-US" sz="2160" spc="-1" strike="noStrike">
-                <a:solidFill>
-                  <a:srgbClr val="000000"/>
-                </a:solidFill>
-                <a:uFill>
-                  <a:solidFill>
-                    <a:srgbClr val="ffffff"/>
-                  </a:solidFill>
-                </a:uFill>
-                <a:latin typeface="Times New Roman"/>
-              </a:rPr>
-              <a:t>r</a:t>
-            </a:r>
-            <a:r>
-              <a:rPr b="0" lang="en-US" sz="2160" spc="-1" strike="noStrike">
-                <a:solidFill>
-                  <a:srgbClr val="000000"/>
-                </a:solidFill>
-                <a:uFill>
-                  <a:solidFill>
-                    <a:srgbClr val="ffffff"/>
-                  </a:solidFill>
-                </a:uFill>
-                <a:latin typeface="Times New Roman"/>
-              </a:rPr>
-              <a:t>m</a:t>
-            </a:r>
-            <a:r>
-              <a:rPr b="0" lang="en-US" sz="2160" spc="-1" strike="noStrike">
-                <a:solidFill>
-                  <a:srgbClr val="000000"/>
-                </a:solidFill>
-                <a:uFill>
-                  <a:solidFill>
-                    <a:srgbClr val="ffffff"/>
-                  </a:solidFill>
-                </a:uFill>
-                <a:latin typeface="Times New Roman"/>
-              </a:rPr>
-              <a:t>a</a:t>
-            </a:r>
-            <a:r>
-              <a:rPr b="0" lang="en-US" sz="2160" spc="-1" strike="noStrike">
-                <a:solidFill>
-                  <a:srgbClr val="000000"/>
-                </a:solidFill>
-                <a:uFill>
-                  <a:solidFill>
-                    <a:srgbClr val="ffffff"/>
-                  </a:solidFill>
-                </a:uFill>
-                <a:latin typeface="Times New Roman"/>
-              </a:rPr>
-              <a:t>t</a:t>
-            </a:r>
-            <a:r>
-              <a:rPr b="0" lang="en-US" sz="2160" spc="-1" strike="noStrike">
-                <a:solidFill>
-                  <a:srgbClr val="000000"/>
-                </a:solidFill>
-                <a:uFill>
-                  <a:solidFill>
-                    <a:srgbClr val="ffffff"/>
-                  </a:solidFill>
-                </a:uFill>
-                <a:latin typeface="Times New Roman"/>
-              </a:rPr>
-              <a:t> </a:t>
-            </a:r>
-            <a:r>
-              <a:rPr b="0" lang="en-US" sz="2160" spc="-1" strike="noStrike">
-                <a:solidFill>
-                  <a:srgbClr val="000000"/>
-                </a:solidFill>
-                <a:uFill>
-                  <a:solidFill>
-                    <a:srgbClr val="ffffff"/>
-                  </a:solidFill>
-                </a:uFill>
-                <a:latin typeface="Times New Roman"/>
-              </a:rPr>
-              <a:t>d</a:t>
-            </a:r>
-            <a:r>
-              <a:rPr b="0" lang="en-US" sz="2160" spc="-1" strike="noStrike">
-                <a:solidFill>
-                  <a:srgbClr val="000000"/>
-                </a:solidFill>
-                <a:uFill>
-                  <a:solidFill>
-                    <a:srgbClr val="ffffff"/>
-                  </a:solidFill>
-                </a:uFill>
-                <a:latin typeface="Times New Roman"/>
-              </a:rPr>
-              <a:t>e</a:t>
-            </a:r>
-            <a:r>
-              <a:rPr b="0" lang="en-US" sz="2160" spc="-1" strike="noStrike">
-                <a:solidFill>
-                  <a:srgbClr val="000000"/>
-                </a:solidFill>
-                <a:uFill>
-                  <a:solidFill>
-                    <a:srgbClr val="ffffff"/>
-                  </a:solidFill>
-                </a:uFill>
-                <a:latin typeface="Times New Roman"/>
-              </a:rPr>
-              <a:t>s</a:t>
-            </a:r>
-            <a:r>
-              <a:rPr b="0" lang="en-US" sz="2160" spc="-1" strike="noStrike">
-                <a:solidFill>
-                  <a:srgbClr val="000000"/>
-                </a:solidFill>
-                <a:uFill>
-                  <a:solidFill>
-                    <a:srgbClr val="ffffff"/>
-                  </a:solidFill>
-                </a:uFill>
-                <a:latin typeface="Times New Roman"/>
-              </a:rPr>
-              <a:t> </a:t>
-            </a:r>
-            <a:r>
-              <a:rPr b="0" lang="en-US" sz="2160" spc="-1" strike="noStrike">
-                <a:solidFill>
-                  <a:srgbClr val="000000"/>
-                </a:solidFill>
-                <a:uFill>
-                  <a:solidFill>
-                    <a:srgbClr val="ffffff"/>
-                  </a:solidFill>
-                </a:uFill>
-                <a:latin typeface="Times New Roman"/>
-              </a:rPr>
-              <a:t>T</a:t>
-            </a:r>
-            <a:r>
-              <a:rPr b="0" lang="en-US" sz="2160" spc="-1" strike="noStrike">
-                <a:solidFill>
-                  <a:srgbClr val="000000"/>
-                </a:solidFill>
-                <a:uFill>
-                  <a:solidFill>
-                    <a:srgbClr val="ffffff"/>
-                  </a:solidFill>
-                </a:uFill>
-                <a:latin typeface="Times New Roman"/>
-              </a:rPr>
-              <a:t>i</a:t>
-            </a:r>
-            <a:r>
-              <a:rPr b="0" lang="en-US" sz="2160" spc="-1" strike="noStrike">
-                <a:solidFill>
-                  <a:srgbClr val="000000"/>
-                </a:solidFill>
-                <a:uFill>
-                  <a:solidFill>
-                    <a:srgbClr val="ffffff"/>
-                  </a:solidFill>
-                </a:uFill>
-                <a:latin typeface="Times New Roman"/>
-              </a:rPr>
-              <a:t>t</a:t>
-            </a:r>
-            <a:r>
-              <a:rPr b="0" lang="en-US" sz="2160" spc="-1" strike="noStrike">
-                <a:solidFill>
-                  <a:srgbClr val="000000"/>
-                </a:solidFill>
-                <a:uFill>
-                  <a:solidFill>
-                    <a:srgbClr val="ffffff"/>
-                  </a:solidFill>
-                </a:uFill>
-                <a:latin typeface="Times New Roman"/>
-              </a:rPr>
-              <a:t>e</a:t>
-            </a:r>
-            <a:r>
-              <a:rPr b="0" lang="en-US" sz="2160" spc="-1" strike="noStrike">
-                <a:solidFill>
-                  <a:srgbClr val="000000"/>
-                </a:solidFill>
-                <a:uFill>
-                  <a:solidFill>
-                    <a:srgbClr val="ffffff"/>
-                  </a:solidFill>
-                </a:uFill>
-                <a:latin typeface="Times New Roman"/>
-              </a:rPr>
-              <a:t>l</a:t>
-            </a:r>
-            <a:r>
-              <a:rPr b="0" lang="en-US" sz="2160" spc="-1" strike="noStrike">
-                <a:solidFill>
-                  <a:srgbClr val="000000"/>
-                </a:solidFill>
-                <a:uFill>
-                  <a:solidFill>
-                    <a:srgbClr val="ffffff"/>
-                  </a:solidFill>
-                </a:uFill>
-                <a:latin typeface="Times New Roman"/>
-              </a:rPr>
-              <a:t>t</a:t>
-            </a:r>
-            <a:r>
-              <a:rPr b="0" lang="en-US" sz="2160" spc="-1" strike="noStrike">
-                <a:solidFill>
-                  <a:srgbClr val="000000"/>
-                </a:solidFill>
-                <a:uFill>
-                  <a:solidFill>
-                    <a:srgbClr val="ffffff"/>
-                  </a:solidFill>
-                </a:uFill>
-                <a:latin typeface="Times New Roman"/>
-              </a:rPr>
-              <a:t>e</a:t>
-            </a:r>
-            <a:r>
-              <a:rPr b="0" lang="en-US" sz="2160" spc="-1" strike="noStrike">
-                <a:solidFill>
-                  <a:srgbClr val="000000"/>
-                </a:solidFill>
-                <a:uFill>
-                  <a:solidFill>
-                    <a:srgbClr val="ffffff"/>
-                  </a:solidFill>
-                </a:uFill>
-                <a:latin typeface="Times New Roman"/>
-              </a:rPr>
-              <a:t>x</a:t>
-            </a:r>
-            <a:r>
-              <a:rPr b="0" lang="en-US" sz="2160" spc="-1" strike="noStrike">
-                <a:solidFill>
-                  <a:srgbClr val="000000"/>
-                </a:solidFill>
-                <a:uFill>
-                  <a:solidFill>
-                    <a:srgbClr val="ffffff"/>
-                  </a:solidFill>
-                </a:uFill>
-                <a:latin typeface="Times New Roman"/>
-              </a:rPr>
-              <a:t>t</a:t>
-            </a:r>
-            <a:r>
-              <a:rPr b="0" lang="en-US" sz="2160" spc="-1" strike="noStrike">
-                <a:solidFill>
-                  <a:srgbClr val="000000"/>
-                </a:solidFill>
-                <a:uFill>
-                  <a:solidFill>
-                    <a:srgbClr val="ffffff"/>
-                  </a:solidFill>
-                </a:uFill>
-                <a:latin typeface="Times New Roman"/>
-              </a:rPr>
-              <a:t>e</a:t>
-            </a:r>
-            <a:r>
-              <a:rPr b="0" lang="en-US" sz="2160" spc="-1" strike="noStrike">
-                <a:solidFill>
-                  <a:srgbClr val="000000"/>
-                </a:solidFill>
-                <a:uFill>
-                  <a:solidFill>
-                    <a:srgbClr val="ffffff"/>
-                  </a:solidFill>
-                </a:uFill>
-                <a:latin typeface="Times New Roman"/>
-              </a:rPr>
-              <a:t>s</a:t>
-            </a:r>
-            <a:r>
-              <a:rPr b="0" lang="en-US" sz="2160" spc="-1" strike="noStrike">
-                <a:solidFill>
-                  <a:srgbClr val="000000"/>
-                </a:solidFill>
-                <a:uFill>
-                  <a:solidFill>
-                    <a:srgbClr val="ffffff"/>
-                  </a:solidFill>
-                </a:uFill>
-                <a:latin typeface="Times New Roman"/>
-              </a:rPr>
-              <a:t> </a:t>
-            </a:r>
-            <a:r>
-              <a:rPr b="0" lang="en-US" sz="2160" spc="-1" strike="noStrike">
-                <a:solidFill>
-                  <a:srgbClr val="000000"/>
-                </a:solidFill>
-                <a:uFill>
-                  <a:solidFill>
-                    <a:srgbClr val="ffffff"/>
-                  </a:solidFill>
-                </a:uFill>
-                <a:latin typeface="Times New Roman"/>
-              </a:rPr>
-              <a:t>d</a:t>
-            </a:r>
-            <a:r>
-              <a:rPr b="0" lang="en-US" sz="2160" spc="-1" strike="noStrike">
-                <a:solidFill>
-                  <a:srgbClr val="000000"/>
-                </a:solidFill>
-                <a:uFill>
-                  <a:solidFill>
-                    <a:srgbClr val="ffffff"/>
-                  </a:solidFill>
-                </a:uFill>
-                <a:latin typeface="Times New Roman"/>
-              </a:rPr>
-              <a:t>u</a:t>
-            </a:r>
-            <a:r>
-              <a:rPr b="0" lang="en-US" sz="2160" spc="-1" strike="noStrike">
-                <a:solidFill>
-                  <a:srgbClr val="000000"/>
-                </a:solidFill>
-                <a:uFill>
-                  <a:solidFill>
-                    <a:srgbClr val="ffffff"/>
-                  </a:solidFill>
-                </a:uFill>
-                <a:latin typeface="Times New Roman"/>
-              </a:rPr>
-              <a:t>r</a:t>
-            </a:r>
-            <a:r>
-              <a:rPr b="0" lang="en-US" sz="2160" spc="-1" strike="noStrike">
-                <a:solidFill>
-                  <a:srgbClr val="000000"/>
-                </a:solidFill>
-                <a:uFill>
-                  <a:solidFill>
-                    <a:srgbClr val="ffffff"/>
-                  </a:solidFill>
-                </a:uFill>
-                <a:latin typeface="Times New Roman"/>
-              </a:rPr>
-              <a:t>c</a:t>
-            </a:r>
-            <a:r>
-              <a:rPr b="0" lang="en-US" sz="2160" spc="-1" strike="noStrike">
-                <a:solidFill>
-                  <a:srgbClr val="000000"/>
-                </a:solidFill>
-                <a:uFill>
-                  <a:solidFill>
-                    <a:srgbClr val="ffffff"/>
-                  </a:solidFill>
-                </a:uFill>
-                <a:latin typeface="Times New Roman"/>
-              </a:rPr>
-              <a:t>h</a:t>
-            </a:r>
-            <a:r>
-              <a:rPr b="0" lang="en-US" sz="2160" spc="-1" strike="noStrike">
-                <a:solidFill>
-                  <a:srgbClr val="000000"/>
-                </a:solidFill>
-                <a:uFill>
-                  <a:solidFill>
-                    <a:srgbClr val="ffffff"/>
-                  </a:solidFill>
-                </a:uFill>
-                <a:latin typeface="Times New Roman"/>
-              </a:rPr>
-              <a:t> </a:t>
-            </a:r>
-            <a:r>
-              <a:rPr b="0" lang="en-US" sz="2160" spc="-1" strike="noStrike">
-                <a:solidFill>
-                  <a:srgbClr val="000000"/>
-                </a:solidFill>
-                <a:uFill>
-                  <a:solidFill>
-                    <a:srgbClr val="ffffff"/>
-                  </a:solidFill>
-                </a:uFill>
-                <a:latin typeface="Times New Roman"/>
-              </a:rPr>
-              <a:t>K</a:t>
-            </a:r>
-            <a:r>
-              <a:rPr b="0" lang="en-US" sz="2160" spc="-1" strike="noStrike">
-                <a:solidFill>
-                  <a:srgbClr val="000000"/>
-                </a:solidFill>
-                <a:uFill>
-                  <a:solidFill>
-                    <a:srgbClr val="ffffff"/>
-                  </a:solidFill>
-                </a:uFill>
-                <a:latin typeface="Times New Roman"/>
-              </a:rPr>
-              <a:t>l</a:t>
-            </a:r>
-            <a:r>
-              <a:rPr b="0" lang="en-US" sz="2160" spc="-1" strike="noStrike">
-                <a:solidFill>
-                  <a:srgbClr val="000000"/>
-                </a:solidFill>
-                <a:uFill>
-                  <a:solidFill>
-                    <a:srgbClr val="ffffff"/>
-                  </a:solidFill>
-                </a:uFill>
-                <a:latin typeface="Times New Roman"/>
-              </a:rPr>
-              <a:t>i</a:t>
-            </a:r>
-            <a:r>
-              <a:rPr b="0" lang="en-US" sz="2160" spc="-1" strike="noStrike">
-                <a:solidFill>
-                  <a:srgbClr val="000000"/>
-                </a:solidFill>
-                <a:uFill>
-                  <a:solidFill>
-                    <a:srgbClr val="ffffff"/>
-                  </a:solidFill>
-                </a:uFill>
-                <a:latin typeface="Times New Roman"/>
-              </a:rPr>
-              <a:t>c</a:t>
-            </a:r>
-            <a:r>
-              <a:rPr b="0" lang="en-US" sz="2160" spc="-1" strike="noStrike">
-                <a:solidFill>
-                  <a:srgbClr val="000000"/>
-                </a:solidFill>
-                <a:uFill>
-                  <a:solidFill>
-                    <a:srgbClr val="ffffff"/>
-                  </a:solidFill>
-                </a:uFill>
-                <a:latin typeface="Times New Roman"/>
-              </a:rPr>
-              <a:t>k</a:t>
-            </a:r>
-            <a:r>
-              <a:rPr b="0" lang="en-US" sz="2160" spc="-1" strike="noStrike">
-                <a:solidFill>
-                  <a:srgbClr val="000000"/>
-                </a:solidFill>
-                <a:uFill>
-                  <a:solidFill>
-                    <a:srgbClr val="ffffff"/>
-                  </a:solidFill>
-                </a:uFill>
-                <a:latin typeface="Times New Roman"/>
-              </a:rPr>
-              <a:t>e</a:t>
-            </a:r>
-            <a:r>
-              <a:rPr b="0" lang="en-US" sz="2160" spc="-1" strike="noStrike">
-                <a:solidFill>
-                  <a:srgbClr val="000000"/>
-                </a:solidFill>
-                <a:uFill>
-                  <a:solidFill>
-                    <a:srgbClr val="ffffff"/>
-                  </a:solidFill>
-                </a:uFill>
-                <a:latin typeface="Times New Roman"/>
-              </a:rPr>
-              <a:t>n</a:t>
-            </a:r>
-            <a:r>
-              <a:rPr b="0" lang="en-US" sz="2160" spc="-1" strike="noStrike">
-                <a:solidFill>
-                  <a:srgbClr val="000000"/>
-                </a:solidFill>
-                <a:uFill>
-                  <a:solidFill>
-                    <a:srgbClr val="ffffff"/>
-                  </a:solidFill>
-                </a:uFill>
-                <a:latin typeface="Times New Roman"/>
-              </a:rPr>
-              <a:t> </a:t>
-            </a:r>
-            <a:r>
-              <a:rPr b="0" lang="en-US" sz="2160" spc="-1" strike="noStrike">
-                <a:solidFill>
-                  <a:srgbClr val="000000"/>
-                </a:solidFill>
-                <a:uFill>
-                  <a:solidFill>
-                    <a:srgbClr val="ffffff"/>
-                  </a:solidFill>
-                </a:uFill>
-                <a:latin typeface="Times New Roman"/>
-              </a:rPr>
-              <a:t>b</a:t>
-            </a:r>
-            <a:r>
-              <a:rPr b="0" lang="en-US" sz="2160" spc="-1" strike="noStrike">
-                <a:solidFill>
-                  <a:srgbClr val="000000"/>
-                </a:solidFill>
-                <a:uFill>
-                  <a:solidFill>
-                    <a:srgbClr val="ffffff"/>
-                  </a:solidFill>
-                </a:uFill>
-                <a:latin typeface="Times New Roman"/>
-              </a:rPr>
-              <a:t>e</a:t>
-            </a:r>
-            <a:r>
-              <a:rPr b="0" lang="en-US" sz="2160" spc="-1" strike="noStrike">
-                <a:solidFill>
-                  <a:srgbClr val="000000"/>
-                </a:solidFill>
-                <a:uFill>
-                  <a:solidFill>
-                    <a:srgbClr val="ffffff"/>
-                  </a:solidFill>
-                </a:uFill>
-                <a:latin typeface="Times New Roman"/>
-              </a:rPr>
-              <a:t>a</a:t>
-            </a:r>
-            <a:r>
-              <a:rPr b="0" lang="en-US" sz="2160" spc="-1" strike="noStrike">
-                <a:solidFill>
-                  <a:srgbClr val="000000"/>
-                </a:solidFill>
-                <a:uFill>
-                  <a:solidFill>
-                    <a:srgbClr val="ffffff"/>
-                  </a:solidFill>
-                </a:uFill>
-                <a:latin typeface="Times New Roman"/>
-              </a:rPr>
-              <a:t>r</a:t>
-            </a:r>
-            <a:r>
-              <a:rPr b="0" lang="en-US" sz="2160" spc="-1" strike="noStrike">
-                <a:solidFill>
-                  <a:srgbClr val="000000"/>
-                </a:solidFill>
-                <a:uFill>
-                  <a:solidFill>
-                    <a:srgbClr val="ffffff"/>
-                  </a:solidFill>
-                </a:uFill>
-                <a:latin typeface="Times New Roman"/>
-              </a:rPr>
-              <a:t>b</a:t>
-            </a:r>
-            <a:r>
-              <a:rPr b="0" lang="en-US" sz="2160" spc="-1" strike="noStrike">
-                <a:solidFill>
-                  <a:srgbClr val="000000"/>
-                </a:solidFill>
-                <a:uFill>
-                  <a:solidFill>
-                    <a:srgbClr val="ffffff"/>
-                  </a:solidFill>
-                </a:uFill>
-                <a:latin typeface="Times New Roman"/>
-              </a:rPr>
-              <a:t>e</a:t>
-            </a:r>
-            <a:r>
-              <a:rPr b="0" lang="en-US" sz="2160" spc="-1" strike="noStrike">
-                <a:solidFill>
-                  <a:srgbClr val="000000"/>
-                </a:solidFill>
-                <a:uFill>
-                  <a:solidFill>
-                    <a:srgbClr val="ffffff"/>
-                  </a:solidFill>
-                </a:uFill>
-                <a:latin typeface="Times New Roman"/>
-              </a:rPr>
-              <a:t>i</a:t>
-            </a:r>
-            <a:r>
-              <a:rPr b="0" lang="en-US" sz="2160" spc="-1" strike="noStrike">
-                <a:solidFill>
-                  <a:srgbClr val="000000"/>
-                </a:solidFill>
-                <a:uFill>
-                  <a:solidFill>
-                    <a:srgbClr val="ffffff"/>
-                  </a:solidFill>
-                </a:uFill>
-                <a:latin typeface="Times New Roman"/>
-              </a:rPr>
-              <a:t>t</a:t>
-            </a:r>
-            <a:r>
-              <a:rPr b="0" lang="en-US" sz="2160" spc="-1" strike="noStrike">
-                <a:solidFill>
-                  <a:srgbClr val="000000"/>
-                </a:solidFill>
-                <a:uFill>
-                  <a:solidFill>
-                    <a:srgbClr val="ffffff"/>
-                  </a:solidFill>
-                </a:uFill>
-                <a:latin typeface="Times New Roman"/>
-              </a:rPr>
-              <a:t>e</a:t>
-            </a:r>
-            <a:r>
-              <a:rPr b="0" lang="en-US" sz="2160" spc="-1" strike="noStrike">
-                <a:solidFill>
-                  <a:srgbClr val="000000"/>
-                </a:solidFill>
-                <a:uFill>
-                  <a:solidFill>
-                    <a:srgbClr val="ffffff"/>
-                  </a:solidFill>
-                </a:uFill>
-                <a:latin typeface="Times New Roman"/>
-              </a:rPr>
-              <a:t>n</a:t>
+              <a:t>Format des Titeltextes durch Klicken bearbeiten</a:t>
             </a:r>
             <a:endParaRPr b="0" lang="en-US" sz="2160" spc="-1" strike="noStrike">
               <a:solidFill>
@@ -4358,9 +3714,17 @@
           <a:prstGeom prst="rect">
             <a:avLst/>
           </a:prstGeom>
-          <a:solidFill>
-            <a:srgbClr val="009999"/>
-          </a:solidFill>
+          <a:gradFill>
+            <a:gsLst>
+              <a:gs pos="0">
+                <a:srgbClr val="006666"/>
+              </a:gs>
+              <a:gs pos="100000">
+                <a:srgbClr val="00cccc"/>
+              </a:gs>
+            </a:gsLst>
+            <a:path path="circle"/>
+          </a:gradFill>
           <a:ln w="25560">
             <a:noFill/>
           </a:ln>
@@ -4386,11 +3750,17 @@
           <a:prstGeom prst="rect">
             <a:avLst/>
           </a:prstGeom>
-          <a:solidFill>
-            <a:srgbClr val="009999">
-              <a:alpha val="20000"/>
-            </a:srgbClr>
-          </a:solidFill>
+          <a:gradFill>
+            <a:gsLst>
+              <a:gs pos="0">
+                <a:srgbClr val="006666"/>
+              </a:gs>
+              <a:gs pos="100000">
+                <a:srgbClr val="00cccc"/>
+              </a:gs>
+            </a:gsLst>
+            <a:path path="circle"/>
+          </a:gradFill>
           <a:ln w="25560">
             <a:noFill/>
           </a:ln>

--- a/Poster.pptx
+++ b/Poster.pptx
@@ -55,7 +55,7 @@
           <a:bodyPr lIns="0" rIns="0" tIns="0" bIns="0"/>
           <a:p>
             <a:r>
-              <a:rPr b="0" lang="en-US" sz="2000" spc="-1" strike="noStrike">
+              <a:rPr b="0" lang="de-DE" sz="2000" spc="-1" strike="noStrike">
                 <a:solidFill>
                   <a:srgbClr val="000000"/>
                 </a:solidFill>
@@ -68,7 +68,7 @@
               </a:rPr>
               <a:t>Format der Notizen mittels Klicken bearbeiten</a:t>
             </a:r>
-            <a:endParaRPr b="0" lang="en-US" sz="2000" spc="-1" strike="noStrike">
+            <a:endParaRPr b="0" lang="de-DE" sz="2000" spc="-1" strike="noStrike">
               <a:solidFill>
                 <a:srgbClr val="000000"/>
               </a:solidFill>
@@ -105,7 +105,7 @@
           <a:bodyPr lIns="0" rIns="0" tIns="0" bIns="0"/>
           <a:p>
             <a:r>
-              <a:rPr b="0" lang="en-US" sz="1400" spc="-1" strike="noStrike">
+              <a:rPr b="0" lang="de-DE" sz="1400" spc="-1" strike="noStrike">
                 <a:solidFill>
                   <a:srgbClr val="000000"/>
                 </a:solidFill>
@@ -118,7 +118,7 @@
               </a:rPr>
               <a:t> </a:t>
             </a:r>
-            <a:endParaRPr b="0" lang="en-US" sz="1400" spc="-1" strike="noStrike">
+            <a:endParaRPr b="0" lang="de-DE" sz="1400" spc="-1" strike="noStrike">
               <a:solidFill>
                 <a:srgbClr val="000000"/>
               </a:solidFill>
@@ -156,7 +156,7 @@
           <a:p>
             <a:pPr algn="r"/>
             <a:r>
-              <a:rPr b="0" lang="en-US" sz="1400" spc="-1" strike="noStrike">
+              <a:rPr b="0" lang="de-DE" sz="1400" spc="-1" strike="noStrike">
                 <a:solidFill>
                   <a:srgbClr val="000000"/>
                 </a:solidFill>
@@ -169,7 +169,7 @@
               </a:rPr>
               <a:t> </a:t>
             </a:r>
-            <a:endParaRPr b="0" lang="en-US" sz="1400" spc="-1" strike="noStrike">
+            <a:endParaRPr b="0" lang="de-DE" sz="1400" spc="-1" strike="noStrike">
               <a:solidFill>
                 <a:srgbClr val="000000"/>
               </a:solidFill>
@@ -206,7 +206,7 @@
           <a:bodyPr lIns="0" rIns="0" tIns="0" bIns="0" anchor="b"/>
           <a:p>
             <a:r>
-              <a:rPr b="0" lang="en-US" sz="1400" spc="-1" strike="noStrike">
+              <a:rPr b="0" lang="de-DE" sz="1400" spc="-1" strike="noStrike">
                 <a:solidFill>
                   <a:srgbClr val="000000"/>
                 </a:solidFill>
@@ -219,7 +219,7 @@
               </a:rPr>
               <a:t> </a:t>
             </a:r>
-            <a:endParaRPr b="0" lang="en-US" sz="1400" spc="-1" strike="noStrike">
+            <a:endParaRPr b="0" lang="de-DE" sz="1400" spc="-1" strike="noStrike">
               <a:solidFill>
                 <a:srgbClr val="000000"/>
               </a:solidFill>
@@ -256,8 +256,8 @@
           <a:bodyPr lIns="0" rIns="0" tIns="0" bIns="0" anchor="b"/>
           <a:p>
             <a:pPr algn="r"/>
-            <a:fld id="{60BF2C83-D287-4409-AE7C-1C2E19D33FA7}" type="slidenum">
-              <a:rPr b="0" lang="en-US" sz="1400" spc="-1" strike="noStrike">
+            <a:fld id="{755BB9F7-7CC2-40DA-984A-13F0672E3022}" type="slidenum">
+              <a:rPr b="0" lang="de-DE" sz="1400" spc="-1" strike="noStrike">
                 <a:solidFill>
                   <a:srgbClr val="000000"/>
                 </a:solidFill>
@@ -270,7 +270,7 @@
               </a:rPr>
               <a:t>1</a:t>
             </a:fld>
-            <a:endParaRPr b="0" lang="en-US" sz="1400" spc="-1" strike="noStrike">
+            <a:endParaRPr b="0" lang="de-DE" sz="1400" spc="-1" strike="noStrike">
               <a:solidFill>
                 <a:srgbClr val="000000"/>
               </a:solidFill>
@@ -309,14 +309,14 @@
       </p:grpSpPr>
       <p:sp>
         <p:nvSpPr>
-          <p:cNvPr id="69" name="CustomShape 1"/>
+          <p:cNvPr id="70" name="CustomShape 1"/>
           <p:cNvSpPr/>
           <p:nvPr/>
         </p:nvSpPr>
         <p:spPr>
           <a:xfrm>
             <a:off x="5241960" y="11363400"/>
-            <a:ext cx="3982320" cy="592920"/>
+            <a:ext cx="3981960" cy="592560"/>
           </a:xfrm>
           <a:prstGeom prst="rect">
             <a:avLst/>
@@ -340,8 +340,8 @@
                 <a:spcPct val="100000"/>
               </a:lnSpc>
             </a:pPr>
-            <a:fld id="{16B56F56-C2DC-4BBA-A079-B3319476B4B9}" type="slidenum">
-              <a:rPr b="0" lang="en-US" sz="1500" spc="-1" strike="noStrike">
+            <a:fld id="{737723BB-8101-455C-BC37-8D991B2012EC}" type="slidenum">
+              <a:rPr b="0" lang="de-DE" sz="1500" spc="-1" strike="noStrike">
                 <a:solidFill>
                   <a:srgbClr val="000000"/>
                 </a:solidFill>
@@ -355,7 +355,7 @@
               </a:rPr>
               <a:t>1</a:t>
             </a:fld>
-            <a:endParaRPr b="0" lang="en-US" sz="1800" spc="-1" strike="noStrike">
+            <a:endParaRPr b="0" lang="de-DE" sz="1800" spc="-1" strike="noStrike">
               <a:solidFill>
                 <a:srgbClr val="000000"/>
               </a:solidFill>
@@ -371,7 +371,7 @@
       </p:sp>
       <p:sp>
         <p:nvSpPr>
-          <p:cNvPr id="70" name="PlaceHolder 2"/>
+          <p:cNvPr id="71" name="PlaceHolder 2"/>
           <p:cNvSpPr>
             <a:spLocks noGrp="1"/>
           </p:cNvSpPr>
@@ -382,7 +382,7 @@
         <p:spPr>
           <a:xfrm>
             <a:off x="1257480" y="5732640"/>
-            <a:ext cx="6707880" cy="5334840"/>
+            <a:ext cx="6707520" cy="5334480"/>
           </a:xfrm>
           <a:prstGeom prst="rect">
             <a:avLst/>
@@ -391,7 +391,7 @@
         <p:txBody>
           <a:bodyPr lIns="114840" rIns="114840" tIns="57600" bIns="57600"/>
           <a:p>
-            <a:endParaRPr b="0" lang="en-US" sz="2000" spc="-1" strike="noStrike">
+            <a:endParaRPr b="0" lang="de-DE" sz="2000" spc="-1" strike="noStrike">
               <a:solidFill>
                 <a:srgbClr val="000000"/>
               </a:solidFill>
@@ -462,7 +462,7 @@
         <p:spPr>
           <a:xfrm>
             <a:off x="2139840" y="1207800"/>
-            <a:ext cx="38522880" cy="5055480"/>
+            <a:ext cx="38522520" cy="5055120"/>
           </a:xfrm>
           <a:prstGeom prst="rect">
             <a:avLst/>
@@ -471,7 +471,8 @@
         <p:txBody>
           <a:bodyPr lIns="0" rIns="0" tIns="0" bIns="0" anchor="ctr"/>
           <a:p>
-            <a:endParaRPr b="0" lang="de-DE" sz="1800" spc="-1" strike="noStrike">
+            <a:pPr algn="ctr"/>
+            <a:endParaRPr b="0" lang="de-DE" sz="4400" spc="-1" strike="noStrike">
               <a:solidFill>
                 <a:srgbClr val="000000"/>
               </a:solidFill>
@@ -507,7 +508,7 @@
         <p:txBody>
           <a:bodyPr lIns="0" rIns="0" tIns="0" bIns="0"/>
           <a:p>
-            <a:endParaRPr b="0" lang="de-DE" sz="2800" spc="-1" strike="noStrike">
+            <a:endParaRPr b="0" lang="de-DE" sz="3200" spc="-1" strike="noStrike">
               <a:solidFill>
                 <a:srgbClr val="000000"/>
               </a:solidFill>
@@ -543,7 +544,7 @@
         <p:txBody>
           <a:bodyPr lIns="0" rIns="0" tIns="0" bIns="0"/>
           <a:p>
-            <a:endParaRPr b="0" lang="de-DE" sz="2800" spc="-1" strike="noStrike">
+            <a:endParaRPr b="0" lang="de-DE" sz="3200" spc="-1" strike="noStrike">
               <a:solidFill>
                 <a:srgbClr val="000000"/>
               </a:solidFill>
@@ -592,7 +593,7 @@
         <p:spPr>
           <a:xfrm>
             <a:off x="2139840" y="1207800"/>
-            <a:ext cx="38522880" cy="5055480"/>
+            <a:ext cx="38522520" cy="5055120"/>
           </a:xfrm>
           <a:prstGeom prst="rect">
             <a:avLst/>
@@ -601,7 +602,8 @@
         <p:txBody>
           <a:bodyPr lIns="0" rIns="0" tIns="0" bIns="0" anchor="ctr"/>
           <a:p>
-            <a:endParaRPr b="0" lang="de-DE" sz="1800" spc="-1" strike="noStrike">
+            <a:pPr algn="ctr"/>
+            <a:endParaRPr b="0" lang="de-DE" sz="4400" spc="-1" strike="noStrike">
               <a:solidFill>
                 <a:srgbClr val="000000"/>
               </a:solidFill>
@@ -637,7 +639,7 @@
         <p:txBody>
           <a:bodyPr lIns="0" rIns="0" tIns="0" bIns="0"/>
           <a:p>
-            <a:endParaRPr b="0" lang="de-DE" sz="2800" spc="-1" strike="noStrike">
+            <a:endParaRPr b="0" lang="de-DE" sz="3200" spc="-1" strike="noStrike">
               <a:solidFill>
                 <a:srgbClr val="000000"/>
               </a:solidFill>
@@ -673,7 +675,7 @@
         <p:txBody>
           <a:bodyPr lIns="0" rIns="0" tIns="0" bIns="0"/>
           <a:p>
-            <a:endParaRPr b="0" lang="de-DE" sz="2800" spc="-1" strike="noStrike">
+            <a:endParaRPr b="0" lang="de-DE" sz="3200" spc="-1" strike="noStrike">
               <a:solidFill>
                 <a:srgbClr val="000000"/>
               </a:solidFill>
@@ -709,7 +711,7 @@
         <p:txBody>
           <a:bodyPr lIns="0" rIns="0" tIns="0" bIns="0"/>
           <a:p>
-            <a:endParaRPr b="0" lang="de-DE" sz="2800" spc="-1" strike="noStrike">
+            <a:endParaRPr b="0" lang="de-DE" sz="3200" spc="-1" strike="noStrike">
               <a:solidFill>
                 <a:srgbClr val="000000"/>
               </a:solidFill>
@@ -745,7 +747,7 @@
         <p:txBody>
           <a:bodyPr lIns="0" rIns="0" tIns="0" bIns="0"/>
           <a:p>
-            <a:endParaRPr b="0" lang="de-DE" sz="2800" spc="-1" strike="noStrike">
+            <a:endParaRPr b="0" lang="de-DE" sz="3200" spc="-1" strike="noStrike">
               <a:solidFill>
                 <a:srgbClr val="000000"/>
               </a:solidFill>
@@ -794,7 +796,7 @@
         <p:spPr>
           <a:xfrm>
             <a:off x="2139840" y="1207800"/>
-            <a:ext cx="38522880" cy="5055480"/>
+            <a:ext cx="38522520" cy="5055120"/>
           </a:xfrm>
           <a:prstGeom prst="rect">
             <a:avLst/>
@@ -803,7 +805,8 @@
         <p:txBody>
           <a:bodyPr lIns="0" rIns="0" tIns="0" bIns="0" anchor="ctr"/>
           <a:p>
-            <a:endParaRPr b="0" lang="de-DE" sz="1800" spc="-1" strike="noStrike">
+            <a:pPr algn="ctr"/>
+            <a:endParaRPr b="0" lang="de-DE" sz="4400" spc="-1" strike="noStrike">
               <a:solidFill>
                 <a:srgbClr val="000000"/>
               </a:solidFill>
@@ -839,7 +842,7 @@
         <p:txBody>
           <a:bodyPr lIns="0" rIns="0" tIns="0" bIns="0"/>
           <a:p>
-            <a:endParaRPr b="0" lang="de-DE" sz="2800" spc="-1" strike="noStrike">
+            <a:endParaRPr b="0" lang="de-DE" sz="3200" spc="-1" strike="noStrike">
               <a:solidFill>
                 <a:srgbClr val="000000"/>
               </a:solidFill>
@@ -875,7 +878,7 @@
         <p:txBody>
           <a:bodyPr lIns="0" rIns="0" tIns="0" bIns="0"/>
           <a:p>
-            <a:endParaRPr b="0" lang="de-DE" sz="2800" spc="-1" strike="noStrike">
+            <a:endParaRPr b="0" lang="de-DE" sz="3200" spc="-1" strike="noStrike">
               <a:solidFill>
                 <a:srgbClr val="000000"/>
               </a:solidFill>
@@ -970,7 +973,7 @@
         <p:spPr>
           <a:xfrm>
             <a:off x="2139840" y="1207800"/>
-            <a:ext cx="38522880" cy="5055480"/>
+            <a:ext cx="38522520" cy="5055120"/>
           </a:xfrm>
           <a:prstGeom prst="rect">
             <a:avLst/>
@@ -979,7 +982,8 @@
         <p:txBody>
           <a:bodyPr lIns="0" rIns="0" tIns="0" bIns="0" anchor="ctr"/>
           <a:p>
-            <a:endParaRPr b="0" lang="de-DE" sz="1800" spc="-1" strike="noStrike">
+            <a:pPr algn="ctr"/>
+            <a:endParaRPr b="0" lang="de-DE" sz="4400" spc="-1" strike="noStrike">
               <a:solidFill>
                 <a:srgbClr val="000000"/>
               </a:solidFill>
@@ -1016,7 +1020,7 @@
           <a:bodyPr lIns="0" rIns="0" tIns="0" bIns="0" anchor="ctr"/>
           <a:p>
             <a:pPr algn="ctr"/>
-            <a:endParaRPr b="0" lang="en-US" sz="3200" spc="-1" strike="noStrike">
+            <a:endParaRPr b="0" lang="de-DE" sz="3200" spc="-1" strike="noStrike">
               <a:solidFill>
                 <a:srgbClr val="000000"/>
               </a:solidFill>
@@ -1065,7 +1069,7 @@
         <p:spPr>
           <a:xfrm>
             <a:off x="2139840" y="1207800"/>
-            <a:ext cx="38522880" cy="5055480"/>
+            <a:ext cx="38522520" cy="5055120"/>
           </a:xfrm>
           <a:prstGeom prst="rect">
             <a:avLst/>
@@ -1074,7 +1078,8 @@
         <p:txBody>
           <a:bodyPr lIns="0" rIns="0" tIns="0" bIns="0" anchor="ctr"/>
           <a:p>
-            <a:endParaRPr b="0" lang="de-DE" sz="1800" spc="-1" strike="noStrike">
+            <a:pPr algn="ctr"/>
+            <a:endParaRPr b="0" lang="de-DE" sz="4400" spc="-1" strike="noStrike">
               <a:solidFill>
                 <a:srgbClr val="000000"/>
               </a:solidFill>
@@ -1110,7 +1115,7 @@
         <p:txBody>
           <a:bodyPr lIns="0" rIns="0" tIns="0" bIns="0"/>
           <a:p>
-            <a:endParaRPr b="0" lang="de-DE" sz="2800" spc="-1" strike="noStrike">
+            <a:endParaRPr b="0" lang="de-DE" sz="3200" spc="-1" strike="noStrike">
               <a:solidFill>
                 <a:srgbClr val="000000"/>
               </a:solidFill>
@@ -1159,7 +1164,7 @@
         <p:spPr>
           <a:xfrm>
             <a:off x="2139840" y="1207800"/>
-            <a:ext cx="38522880" cy="5055480"/>
+            <a:ext cx="38522520" cy="5055120"/>
           </a:xfrm>
           <a:prstGeom prst="rect">
             <a:avLst/>
@@ -1168,7 +1173,8 @@
         <p:txBody>
           <a:bodyPr lIns="0" rIns="0" tIns="0" bIns="0" anchor="ctr"/>
           <a:p>
-            <a:endParaRPr b="0" lang="de-DE" sz="1800" spc="-1" strike="noStrike">
+            <a:pPr algn="ctr"/>
+            <a:endParaRPr b="0" lang="de-DE" sz="4400" spc="-1" strike="noStrike">
               <a:solidFill>
                 <a:srgbClr val="000000"/>
               </a:solidFill>
@@ -1204,7 +1210,7 @@
         <p:txBody>
           <a:bodyPr lIns="0" rIns="0" tIns="0" bIns="0"/>
           <a:p>
-            <a:endParaRPr b="0" lang="de-DE" sz="2800" spc="-1" strike="noStrike">
+            <a:endParaRPr b="0" lang="de-DE" sz="3200" spc="-1" strike="noStrike">
               <a:solidFill>
                 <a:srgbClr val="000000"/>
               </a:solidFill>
@@ -1240,7 +1246,7 @@
         <p:txBody>
           <a:bodyPr lIns="0" rIns="0" tIns="0" bIns="0"/>
           <a:p>
-            <a:endParaRPr b="0" lang="de-DE" sz="2800" spc="-1" strike="noStrike">
+            <a:endParaRPr b="0" lang="de-DE" sz="3200" spc="-1" strike="noStrike">
               <a:solidFill>
                 <a:srgbClr val="000000"/>
               </a:solidFill>
@@ -1289,7 +1295,7 @@
         <p:spPr>
           <a:xfrm>
             <a:off x="2139840" y="1207800"/>
-            <a:ext cx="38522880" cy="5055480"/>
+            <a:ext cx="38522520" cy="5055120"/>
           </a:xfrm>
           <a:prstGeom prst="rect">
             <a:avLst/>
@@ -1298,7 +1304,8 @@
         <p:txBody>
           <a:bodyPr lIns="0" rIns="0" tIns="0" bIns="0" anchor="ctr"/>
           <a:p>
-            <a:endParaRPr b="0" lang="de-DE" sz="1800" spc="-1" strike="noStrike">
+            <a:pPr algn="ctr"/>
+            <a:endParaRPr b="0" lang="de-DE" sz="4400" spc="-1" strike="noStrike">
               <a:solidFill>
                 <a:srgbClr val="000000"/>
               </a:solidFill>
@@ -1347,7 +1354,7 @@
         <p:spPr>
           <a:xfrm>
             <a:off x="2139840" y="1207800"/>
-            <a:ext cx="38522880" cy="23435640"/>
+            <a:ext cx="38522520" cy="23433840"/>
           </a:xfrm>
           <a:prstGeom prst="rect">
             <a:avLst/>
@@ -1357,7 +1364,7 @@
           <a:bodyPr lIns="0" rIns="0" tIns="0" bIns="0" anchor="ctr"/>
           <a:p>
             <a:pPr algn="ctr"/>
-            <a:endParaRPr b="0" lang="en-US" sz="3200" spc="-1" strike="noStrike">
+            <a:endParaRPr b="0" lang="de-DE" sz="3200" spc="-1" strike="noStrike">
               <a:solidFill>
                 <a:srgbClr val="000000"/>
               </a:solidFill>
@@ -1406,7 +1413,7 @@
         <p:spPr>
           <a:xfrm>
             <a:off x="2139840" y="1207800"/>
-            <a:ext cx="38522880" cy="5055480"/>
+            <a:ext cx="38522520" cy="5055120"/>
           </a:xfrm>
           <a:prstGeom prst="rect">
             <a:avLst/>
@@ -1415,7 +1422,8 @@
         <p:txBody>
           <a:bodyPr lIns="0" rIns="0" tIns="0" bIns="0" anchor="ctr"/>
           <a:p>
-            <a:endParaRPr b="0" lang="de-DE" sz="1800" spc="-1" strike="noStrike">
+            <a:pPr algn="ctr"/>
+            <a:endParaRPr b="0" lang="de-DE" sz="4400" spc="-1" strike="noStrike">
               <a:solidFill>
                 <a:srgbClr val="000000"/>
               </a:solidFill>
@@ -1451,7 +1459,7 @@
         <p:txBody>
           <a:bodyPr lIns="0" rIns="0" tIns="0" bIns="0"/>
           <a:p>
-            <a:endParaRPr b="0" lang="de-DE" sz="2800" spc="-1" strike="noStrike">
+            <a:endParaRPr b="0" lang="de-DE" sz="3200" spc="-1" strike="noStrike">
               <a:solidFill>
                 <a:srgbClr val="000000"/>
               </a:solidFill>
@@ -1487,7 +1495,7 @@
         <p:txBody>
           <a:bodyPr lIns="0" rIns="0" tIns="0" bIns="0"/>
           <a:p>
-            <a:endParaRPr b="0" lang="de-DE" sz="2800" spc="-1" strike="noStrike">
+            <a:endParaRPr b="0" lang="de-DE" sz="3200" spc="-1" strike="noStrike">
               <a:solidFill>
                 <a:srgbClr val="000000"/>
               </a:solidFill>
@@ -1523,7 +1531,7 @@
         <p:txBody>
           <a:bodyPr lIns="0" rIns="0" tIns="0" bIns="0"/>
           <a:p>
-            <a:endParaRPr b="0" lang="de-DE" sz="2800" spc="-1" strike="noStrike">
+            <a:endParaRPr b="0" lang="de-DE" sz="3200" spc="-1" strike="noStrike">
               <a:solidFill>
                 <a:srgbClr val="000000"/>
               </a:solidFill>
@@ -1572,7 +1580,7 @@
         <p:spPr>
           <a:xfrm>
             <a:off x="2139840" y="1207800"/>
-            <a:ext cx="38522880" cy="5055480"/>
+            <a:ext cx="38522520" cy="5055120"/>
           </a:xfrm>
           <a:prstGeom prst="rect">
             <a:avLst/>
@@ -1581,7 +1589,8 @@
         <p:txBody>
           <a:bodyPr lIns="0" rIns="0" tIns="0" bIns="0" anchor="ctr"/>
           <a:p>
-            <a:endParaRPr b="0" lang="de-DE" sz="1800" spc="-1" strike="noStrike">
+            <a:pPr algn="ctr"/>
+            <a:endParaRPr b="0" lang="de-DE" sz="4400" spc="-1" strike="noStrike">
               <a:solidFill>
                 <a:srgbClr val="000000"/>
               </a:solidFill>
@@ -1617,7 +1626,7 @@
         <p:txBody>
           <a:bodyPr lIns="0" rIns="0" tIns="0" bIns="0"/>
           <a:p>
-            <a:endParaRPr b="0" lang="de-DE" sz="2800" spc="-1" strike="noStrike">
+            <a:endParaRPr b="0" lang="de-DE" sz="3200" spc="-1" strike="noStrike">
               <a:solidFill>
                 <a:srgbClr val="000000"/>
               </a:solidFill>
@@ -1653,7 +1662,7 @@
         <p:txBody>
           <a:bodyPr lIns="0" rIns="0" tIns="0" bIns="0"/>
           <a:p>
-            <a:endParaRPr b="0" lang="de-DE" sz="2800" spc="-1" strike="noStrike">
+            <a:endParaRPr b="0" lang="de-DE" sz="3200" spc="-1" strike="noStrike">
               <a:solidFill>
                 <a:srgbClr val="000000"/>
               </a:solidFill>
@@ -1689,7 +1698,7 @@
         <p:txBody>
           <a:bodyPr lIns="0" rIns="0" tIns="0" bIns="0"/>
           <a:p>
-            <a:endParaRPr b="0" lang="de-DE" sz="2800" spc="-1" strike="noStrike">
+            <a:endParaRPr b="0" lang="de-DE" sz="3200" spc="-1" strike="noStrike">
               <a:solidFill>
                 <a:srgbClr val="000000"/>
               </a:solidFill>
@@ -1738,7 +1747,7 @@
         <p:spPr>
           <a:xfrm>
             <a:off x="2139840" y="1207800"/>
-            <a:ext cx="38522880" cy="5055480"/>
+            <a:ext cx="38522520" cy="5055120"/>
           </a:xfrm>
           <a:prstGeom prst="rect">
             <a:avLst/>
@@ -1747,7 +1756,8 @@
         <p:txBody>
           <a:bodyPr lIns="0" rIns="0" tIns="0" bIns="0" anchor="ctr"/>
           <a:p>
-            <a:endParaRPr b="0" lang="de-DE" sz="1800" spc="-1" strike="noStrike">
+            <a:pPr algn="ctr"/>
+            <a:endParaRPr b="0" lang="de-DE" sz="4400" spc="-1" strike="noStrike">
               <a:solidFill>
                 <a:srgbClr val="000000"/>
               </a:solidFill>
@@ -1783,7 +1793,7 @@
         <p:txBody>
           <a:bodyPr lIns="0" rIns="0" tIns="0" bIns="0"/>
           <a:p>
-            <a:endParaRPr b="0" lang="de-DE" sz="2800" spc="-1" strike="noStrike">
+            <a:endParaRPr b="0" lang="de-DE" sz="3200" spc="-1" strike="noStrike">
               <a:solidFill>
                 <a:srgbClr val="000000"/>
               </a:solidFill>
@@ -1819,7 +1829,7 @@
         <p:txBody>
           <a:bodyPr lIns="0" rIns="0" tIns="0" bIns="0"/>
           <a:p>
-            <a:endParaRPr b="0" lang="de-DE" sz="2800" spc="-1" strike="noStrike">
+            <a:endParaRPr b="0" lang="de-DE" sz="3200" spc="-1" strike="noStrike">
               <a:solidFill>
                 <a:srgbClr val="000000"/>
               </a:solidFill>
@@ -1855,7 +1865,7 @@
         <p:txBody>
           <a:bodyPr lIns="0" rIns="0" tIns="0" bIns="0"/>
           <a:p>
-            <a:endParaRPr b="0" lang="de-DE" sz="2800" spc="-1" strike="noStrike">
+            <a:endParaRPr b="0" lang="de-DE" sz="3200" spc="-1" strike="noStrike">
               <a:solidFill>
                 <a:srgbClr val="000000"/>
               </a:solidFill>
@@ -1910,8 +1920,8 @@
         </p:blipFill>
         <p:spPr>
           <a:xfrm rot="16200000">
-            <a:off x="-10834920" y="14706000"/>
-            <a:ext cx="12816000" cy="4786920"/>
+            <a:off x="-10834920" y="14706360"/>
+            <a:ext cx="12815640" cy="4786560"/>
           </a:xfrm>
           <a:prstGeom prst="rect">
             <a:avLst/>
@@ -1933,8 +1943,8 @@
         </p:blipFill>
         <p:spPr>
           <a:xfrm rot="5400000">
-            <a:off x="40823280" y="14705280"/>
-            <a:ext cx="12816000" cy="4786920"/>
+            <a:off x="40823640" y="14705280"/>
+            <a:ext cx="12815640" cy="4786560"/>
           </a:xfrm>
           <a:prstGeom prst="rect">
             <a:avLst/>
@@ -1957,7 +1967,7 @@
         <p:spPr>
           <a:xfrm>
             <a:off x="4653000" y="30371760"/>
-            <a:ext cx="33496920" cy="1390320"/>
+            <a:ext cx="33496560" cy="1389960"/>
           </a:xfrm>
           <a:prstGeom prst="rect">
             <a:avLst/>
@@ -1976,7 +1986,7 @@
         <p:spPr>
           <a:xfrm>
             <a:off x="4653000" y="30885120"/>
-            <a:ext cx="21041280" cy="1139760"/>
+            <a:ext cx="21040920" cy="1139400"/>
           </a:xfrm>
           <a:prstGeom prst="rect">
             <a:avLst/>
@@ -2001,7 +2011,7 @@
               </a:lnSpc>
             </a:pPr>
             <a:r>
-              <a:rPr b="0" lang="en-US" sz="4880" spc="-1" strike="noStrike">
+              <a:rPr b="0" lang="de-DE" sz="4880" spc="-1" strike="noStrike">
                 <a:solidFill>
                   <a:srgbClr val="808080"/>
                 </a:solidFill>
@@ -2015,7 +2025,7 @@
               </a:rPr>
               <a:t>Template ID: multicolorgradients  Size: 42x36</a:t>
             </a:r>
-            <a:endParaRPr b="0" lang="en-US" sz="1800" spc="-1" strike="noStrike">
+            <a:endParaRPr b="0" lang="de-DE" sz="1800" spc="-1" strike="noStrike">
               <a:solidFill>
                 <a:srgbClr val="000000"/>
               </a:solidFill>
@@ -2042,7 +2052,7 @@
         <p:spPr>
           <a:xfrm>
             <a:off x="2139840" y="1207800"/>
-            <a:ext cx="38522880" cy="5055480"/>
+            <a:ext cx="38522520" cy="5055120"/>
           </a:xfrm>
           <a:prstGeom prst="rect">
             <a:avLst/>
@@ -2051,21 +2061,8 @@
         <p:txBody>
           <a:bodyPr lIns="0" rIns="0" tIns="0" bIns="0" anchor="ctr"/>
           <a:p>
-            <a:r>
-              <a:rPr b="0" lang="de-DE" sz="1800" spc="-1" strike="noStrike">
-                <a:solidFill>
-                  <a:srgbClr val="000000"/>
-                </a:solidFill>
-                <a:uFill>
-                  <a:solidFill>
-                    <a:srgbClr val="ffffff"/>
-                  </a:solidFill>
-                </a:uFill>
-                <a:latin typeface="Arial"/>
-              </a:rPr>
-              <a:t>Format des Titeltextes durch Klicken bearbeiten</a:t>
-            </a:r>
-            <a:endParaRPr b="0" lang="de-DE" sz="1800" spc="-1" strike="noStrike">
+            <a:pPr algn="ctr"/>
+            <a:endParaRPr b="0" lang="de-DE" sz="4400" spc="-1" strike="noStrike">
               <a:solidFill>
                 <a:srgbClr val="000000"/>
               </a:solidFill>
@@ -2110,7 +2107,7 @@
               <a:buChar char=""/>
             </a:pPr>
             <a:r>
-              <a:rPr b="0" lang="de-DE" sz="2800" spc="-1" strike="noStrike">
+              <a:rPr b="0" lang="de-DE" sz="3200" spc="-1" strike="noStrike">
                 <a:solidFill>
                   <a:srgbClr val="000000"/>
                 </a:solidFill>
@@ -2123,7 +2120,7 @@
               </a:rPr>
               <a:t>Format des Gliederungstextes durch Klicken bearbeiten</a:t>
             </a:r>
-            <a:endParaRPr b="0" lang="de-DE" sz="2800" spc="-1" strike="noStrike">
+            <a:endParaRPr b="0" lang="de-DE" sz="3200" spc="-1" strike="noStrike">
               <a:solidFill>
                 <a:srgbClr val="000000"/>
               </a:solidFill>
@@ -2145,7 +2142,7 @@
               <a:buChar char=""/>
             </a:pPr>
             <a:r>
-              <a:rPr b="0" lang="de-DE" sz="2000" spc="-1" strike="noStrike">
+              <a:rPr b="0" lang="de-DE" sz="2800" spc="-1" strike="noStrike">
                 <a:solidFill>
                   <a:srgbClr val="000000"/>
                 </a:solidFill>
@@ -2158,7 +2155,7 @@
               </a:rPr>
               <a:t>Zweite Gliederungsebene</a:t>
             </a:r>
-            <a:endParaRPr b="0" lang="de-DE" sz="2000" spc="-1" strike="noStrike">
+            <a:endParaRPr b="0" lang="de-DE" sz="2800" spc="-1" strike="noStrike">
               <a:solidFill>
                 <a:srgbClr val="000000"/>
               </a:solidFill>
@@ -2180,7 +2177,7 @@
               <a:buChar char=""/>
             </a:pPr>
             <a:r>
-              <a:rPr b="0" lang="de-DE" sz="1800" spc="-1" strike="noStrike">
+              <a:rPr b="0" lang="de-DE" sz="2400" spc="-1" strike="noStrike">
                 <a:solidFill>
                   <a:srgbClr val="000000"/>
                 </a:solidFill>
@@ -2193,7 +2190,7 @@
               </a:rPr>
               <a:t>Dritte Gliederungsebene</a:t>
             </a:r>
-            <a:endParaRPr b="0" lang="de-DE" sz="1800" spc="-1" strike="noStrike">
+            <a:endParaRPr b="0" lang="de-DE" sz="2400" spc="-1" strike="noStrike">
               <a:solidFill>
                 <a:srgbClr val="000000"/>
               </a:solidFill>
@@ -2215,7 +2212,7 @@
               <a:buChar char=""/>
             </a:pPr>
             <a:r>
-              <a:rPr b="0" lang="de-DE" sz="1800" spc="-1" strike="noStrike">
+              <a:rPr b="0" lang="de-DE" sz="2000" spc="-1" strike="noStrike">
                 <a:solidFill>
                   <a:srgbClr val="000000"/>
                 </a:solidFill>
@@ -2228,7 +2225,7 @@
               </a:rPr>
               <a:t>Vierte Gliederungsebene</a:t>
             </a:r>
-            <a:endParaRPr b="0" lang="de-DE" sz="1800" spc="-1" strike="noStrike">
+            <a:endParaRPr b="0" lang="de-DE" sz="2000" spc="-1" strike="noStrike">
               <a:solidFill>
                 <a:srgbClr val="000000"/>
               </a:solidFill>
@@ -2393,7 +2390,7 @@
         <p:spPr>
           <a:xfrm>
             <a:off x="1370880" y="804600"/>
-            <a:ext cx="40061160" cy="4138560"/>
+            <a:ext cx="40060800" cy="4138200"/>
           </a:xfrm>
           <a:prstGeom prst="rect">
             <a:avLst/>
@@ -2407,7 +2404,7 @@
                 <a:srgbClr val="00cccc"/>
               </a:gs>
             </a:gsLst>
-            <a:path path="circle"/>
+            <a:lin ang="0"/>
           </a:gradFill>
           <a:ln w="25560">
             <a:noFill/>
@@ -2429,7 +2426,7 @@
         <p:spPr>
           <a:xfrm>
             <a:off x="1382760" y="804600"/>
-            <a:ext cx="40061160" cy="4138560"/>
+            <a:ext cx="40060800" cy="4138200"/>
           </a:xfrm>
           <a:prstGeom prst="rect">
             <a:avLst/>
@@ -2443,7 +2440,7 @@
                 <a:srgbClr val="00cccc"/>
               </a:gs>
             </a:gsLst>
-            <a:path path="circle"/>
+            <a:lin ang="0"/>
           </a:gradFill>
           <a:ln w="25560">
             <a:noFill/>
@@ -2465,7 +2462,7 @@
         <p:spPr>
           <a:xfrm>
             <a:off x="6862680" y="1140480"/>
-            <a:ext cx="28932120" cy="3338280"/>
+            <a:ext cx="28931760" cy="3337920"/>
           </a:xfrm>
           <a:prstGeom prst="rect">
             <a:avLst/>
@@ -2490,7 +2487,7 @@
               </a:lnSpc>
             </a:pPr>
             <a:r>
-              <a:rPr b="1" lang="en-US" sz="7200" spc="-1" strike="noStrike">
+              <a:rPr b="1" lang="de-DE" sz="7200" spc="-1" strike="noStrike">
                 <a:solidFill>
                   <a:srgbClr val="ffffff"/>
                 </a:solidFill>
@@ -2504,7 +2501,7 @@
               </a:rPr>
               <a:t>INSERT YOUR POSTER TITLE ON THIS LINE HERE</a:t>
             </a:r>
-            <a:endParaRPr b="0" lang="en-US" sz="1800" spc="-1" strike="noStrike">
+            <a:endParaRPr b="0" lang="de-DE" sz="1800" spc="-1" strike="noStrike">
               <a:solidFill>
                 <a:srgbClr val="000000"/>
               </a:solidFill>
@@ -2523,7 +2520,7 @@
               </a:lnSpc>
             </a:pPr>
             <a:r>
-              <a:rPr b="1" lang="en-US" sz="5600" spc="-1" strike="noStrike">
+              <a:rPr b="1" lang="de-DE" sz="5600" spc="-1" strike="noStrike">
                 <a:solidFill>
                   <a:srgbClr val="ffffff"/>
                 </a:solidFill>
@@ -2537,7 +2534,7 @@
               </a:rPr>
               <a:t>Dominique Cheray &amp; Manuel Krämer</a:t>
             </a:r>
-            <a:endParaRPr b="0" lang="en-US" sz="1800" spc="-1" strike="noStrike">
+            <a:endParaRPr b="0" lang="de-DE" sz="1800" spc="-1" strike="noStrike">
               <a:solidFill>
                 <a:srgbClr val="000000"/>
               </a:solidFill>
@@ -2556,7 +2553,7 @@
               </a:lnSpc>
             </a:pPr>
             <a:r>
-              <a:rPr b="1" lang="en-US" sz="4200" spc="-1" strike="noStrike">
+              <a:rPr b="1" lang="de-DE" sz="4200" spc="-1" strike="noStrike">
                 <a:solidFill>
                   <a:srgbClr val="ffffff"/>
                 </a:solidFill>
@@ -2570,7 +2567,7 @@
               </a:rPr>
               <a:t>	</a:t>
             </a:r>
-            <a:endParaRPr b="0" lang="en-US" sz="1800" spc="-1" strike="noStrike">
+            <a:endParaRPr b="0" lang="de-DE" sz="1800" spc="-1" strike="noStrike">
               <a:solidFill>
                 <a:srgbClr val="000000"/>
               </a:solidFill>
@@ -2592,8 +2589,80 @@
         </p:nvSpPr>
         <p:spPr>
           <a:xfrm>
-            <a:off x="1382760" y="6483600"/>
-            <a:ext cx="10553760" cy="12718800"/>
+            <a:off x="1382760" y="5618880"/>
+            <a:ext cx="10551960" cy="854280"/>
+          </a:xfrm>
+          <a:prstGeom prst="rect">
+            <a:avLst/>
+          </a:prstGeom>
+          <a:gradFill>
+            <a:gsLst>
+              <a:gs pos="0">
+                <a:srgbClr val="003333"/>
+              </a:gs>
+              <a:gs pos="100000">
+                <a:srgbClr val="009999"/>
+              </a:gs>
+            </a:gsLst>
+            <a:lin ang="0"/>
+          </a:gradFill>
+          <a:ln w="19080">
+            <a:noFill/>
+          </a:ln>
+        </p:spPr>
+        <p:style>
+          <a:lnRef idx="0"/>
+          <a:fillRef idx="0"/>
+          <a:effectRef idx="0"/>
+          <a:fontRef idx="minor"/>
+        </p:style>
+        <p:txBody>
+          <a:bodyPr lIns="90000" rIns="90000" tIns="45000" bIns="45000"/>
+          <a:p>
+            <a:pPr>
+              <a:lnSpc>
+                <a:spcPct val="100000"/>
+              </a:lnSpc>
+            </a:pPr>
+            <a:r>
+              <a:rPr b="1" lang="de-DE" sz="4400" spc="-1" strike="noStrike">
+                <a:solidFill>
+                  <a:srgbClr val="ffffff"/>
+                </a:solidFill>
+                <a:uFill>
+                  <a:solidFill>
+                    <a:srgbClr val="ffffff"/>
+                  </a:solidFill>
+                </a:uFill>
+                <a:latin typeface="Lucida Sans"/>
+                <a:ea typeface="SimSun"/>
+              </a:rPr>
+              <a:t>Motivation</a:t>
+            </a:r>
+            <a:endParaRPr b="0" lang="de-DE" sz="1800" spc="-1" strike="noStrike">
+              <a:solidFill>
+                <a:srgbClr val="000000"/>
+              </a:solidFill>
+              <a:uFill>
+                <a:solidFill>
+                  <a:srgbClr val="ffffff"/>
+                </a:solidFill>
+              </a:uFill>
+              <a:latin typeface="Arial"/>
+            </a:endParaRPr>
+          </a:p>
+        </p:txBody>
+      </p:sp>
+      <p:sp>
+        <p:nvSpPr>
+          <p:cNvPr id="49" name="CustomShape 5"/>
+          <p:cNvSpPr/>
+          <p:nvPr/>
+        </p:nvSpPr>
+        <p:spPr>
+          <a:xfrm>
+            <a:off x="13083480" y="6852600"/>
+            <a:ext cx="16819200" cy="16331040"/>
           </a:xfrm>
           <a:prstGeom prst="rect">
             <a:avLst/>
@@ -2614,20 +2683,15 @@
         <p:txBody>
           <a:bodyPr lIns="182880" rIns="182880" tIns="91440" bIns="182880"/>
           <a:p>
-            <a:pPr marL="228600" indent="-227880" algn="just">
-              <a:lnSpc>
-                <a:spcPct val="120000"/>
-              </a:lnSpc>
-              <a:buClr>
-                <a:srgbClr val="404040"/>
-              </a:buClr>
-              <a:buFont typeface="Symbol"/>
-              <a:buChar char=""/>
+            <a:pPr>
+              <a:lnSpc>
+                <a:spcPct val="125000"/>
+              </a:lnSpc>
             </a:pPr>
             <a:r>
-              <a:rPr b="0" lang="en-US" sz="2800" spc="-1" strike="noStrike">
-                <a:solidFill>
-                  <a:srgbClr val="404040"/>
+              <a:rPr b="1" lang="de-DE" sz="2800" spc="-1" strike="noStrike">
+                <a:solidFill>
+                  <a:srgbClr val="000000"/>
                 </a:solidFill>
                 <a:uFill>
                   <a:solidFill>
@@ -2637,81 +2701,659 @@
                 <a:latin typeface="Arial"/>
                 <a:ea typeface="ＭＳ Ｐゴシック"/>
               </a:rPr>
-              <a:t>  </a:t>
+              <a:t>GoogLeNet</a:t>
             </a:r>
-            <a:endParaRPr b="0" lang="en-US" sz="1800" spc="-1" strike="noStrike">
-              <a:solidFill>
-                <a:srgbClr val="000000"/>
-              </a:solidFill>
-              <a:uFill>
-                <a:solidFill>
-                  <a:srgbClr val="ffffff"/>
-                </a:solidFill>
-              </a:uFill>
-              <a:latin typeface="Arial"/>
-            </a:endParaRPr>
-          </a:p>
-        </p:txBody>
-      </p:sp>
-      <p:sp>
-        <p:nvSpPr>
-          <p:cNvPr id="49" name="CustomShape 5"/>
-          <p:cNvSpPr/>
-          <p:nvPr/>
-        </p:nvSpPr>
-        <p:spPr>
-          <a:xfrm>
-            <a:off x="1382760" y="5618880"/>
-            <a:ext cx="10552320" cy="854640"/>
-          </a:xfrm>
-          <a:prstGeom prst="rect">
-            <a:avLst/>
-          </a:prstGeom>
-          <a:gradFill>
-            <a:gsLst>
-              <a:gs pos="0">
-                <a:srgbClr val="003333"/>
-              </a:gs>
-              <a:gs pos="100000">
-                <a:srgbClr val="009999"/>
-              </a:gs>
-            </a:gsLst>
-            <a:path path="circle"/>
-          </a:gradFill>
-          <a:ln w="19080">
-            <a:noFill/>
-          </a:ln>
-        </p:spPr>
-        <p:style>
-          <a:lnRef idx="0"/>
-          <a:fillRef idx="0"/>
-          <a:effectRef idx="0"/>
-          <a:fontRef idx="minor"/>
-        </p:style>
-        <p:txBody>
-          <a:bodyPr lIns="90000" rIns="90000" tIns="45000" bIns="45000"/>
-          <a:p>
-            <a:pPr>
-              <a:lnSpc>
-                <a:spcPct val="100000"/>
-              </a:lnSpc>
+            <a:endParaRPr b="0" lang="de-DE" sz="1800" spc="-1" strike="noStrike">
+              <a:solidFill>
+                <a:srgbClr val="000000"/>
+              </a:solidFill>
+              <a:uFill>
+                <a:solidFill>
+                  <a:srgbClr val="ffffff"/>
+                </a:solidFill>
+              </a:uFill>
+              <a:latin typeface="Arial"/>
+            </a:endParaRPr>
+          </a:p>
+          <a:p>
+            <a:pPr marL="216000" indent="-215640">
+              <a:lnSpc>
+                <a:spcPct val="125000"/>
+              </a:lnSpc>
+              <a:buClr>
+                <a:srgbClr val="000000"/>
+              </a:buClr>
+              <a:buFont typeface="Symbol"/>
+              <a:buChar char=""/>
             </a:pPr>
             <a:r>
-              <a:rPr b="1" lang="en-US" sz="4400" spc="-1" strike="noStrike">
-                <a:solidFill>
-                  <a:srgbClr val="ffffff"/>
+              <a:rPr b="0" lang="de-DE" sz="2800" spc="-1" strike="noStrike">
+                <a:solidFill>
+                  <a:srgbClr val="000000"/>
                 </a:solidFill>
                 <a:uFill>
                   <a:solidFill>
                     <a:srgbClr val="ffffff"/>
                   </a:solidFill>
                 </a:uFill>
-                <a:latin typeface="Lucida Sans"/>
-                <a:ea typeface="SimSun"/>
+                <a:latin typeface="Arial"/>
+                <a:ea typeface="ＭＳ Ｐゴシック"/>
               </a:rPr>
-              <a:t>Motivation</a:t>
+              <a:t>27 layers deep network</a:t>
             </a:r>
-            <a:endParaRPr b="0" lang="en-US" sz="1800" spc="-1" strike="noStrike">
+            <a:endParaRPr b="0" lang="de-DE" sz="1800" spc="-1" strike="noStrike">
+              <a:solidFill>
+                <a:srgbClr val="000000"/>
+              </a:solidFill>
+              <a:uFill>
+                <a:solidFill>
+                  <a:srgbClr val="ffffff"/>
+                </a:solidFill>
+              </a:uFill>
+              <a:latin typeface="Arial"/>
+            </a:endParaRPr>
+          </a:p>
+          <a:p>
+            <a:pPr marL="216000" indent="-215640">
+              <a:lnSpc>
+                <a:spcPct val="125000"/>
+              </a:lnSpc>
+              <a:buClr>
+                <a:srgbClr val="000000"/>
+              </a:buClr>
+              <a:buFont typeface="Symbol"/>
+              <a:buChar char=""/>
+            </a:pPr>
+            <a:r>
+              <a:rPr b="0" lang="de-DE" sz="2800" spc="-1" strike="noStrike">
+                <a:solidFill>
+                  <a:srgbClr val="000000"/>
+                </a:solidFill>
+                <a:uFill>
+                  <a:solidFill>
+                    <a:srgbClr val="ffffff"/>
+                  </a:solidFill>
+                </a:uFill>
+                <a:latin typeface="Arial"/>
+                <a:ea typeface="ＭＳ Ｐゴシック"/>
+              </a:rPr>
+              <a:t>9 Inception modules → reduce the number of </a:t>
+            </a:r>
+            <a:endParaRPr b="0" lang="de-DE" sz="1800" spc="-1" strike="noStrike">
+              <a:solidFill>
+                <a:srgbClr val="000000"/>
+              </a:solidFill>
+              <a:uFill>
+                <a:solidFill>
+                  <a:srgbClr val="ffffff"/>
+                </a:solidFill>
+              </a:uFill>
+              <a:latin typeface="Arial"/>
+            </a:endParaRPr>
+          </a:p>
+          <a:p>
+            <a:pPr marL="216000" indent="-215640">
+              <a:lnSpc>
+                <a:spcPct val="125000"/>
+              </a:lnSpc>
+              <a:buClr>
+                <a:srgbClr val="000000"/>
+              </a:buClr>
+              <a:buFont typeface="Symbol"/>
+              <a:buChar char=""/>
+            </a:pPr>
+            <a:r>
+              <a:rPr b="0" lang="de-DE" sz="2800" spc="-1" strike="noStrike">
+                <a:solidFill>
+                  <a:srgbClr val="000000"/>
+                </a:solidFill>
+                <a:uFill>
+                  <a:solidFill>
+                    <a:srgbClr val="ffffff"/>
+                  </a:solidFill>
+                </a:uFill>
+                <a:latin typeface="Arial"/>
+                <a:ea typeface="ＭＳ Ｐゴシック"/>
+              </a:rPr>
+              <a:t>parameters, create a deeper and wider topology</a:t>
+            </a:r>
+            <a:endParaRPr b="0" lang="de-DE" sz="1800" spc="-1" strike="noStrike">
+              <a:solidFill>
+                <a:srgbClr val="000000"/>
+              </a:solidFill>
+              <a:uFill>
+                <a:solidFill>
+                  <a:srgbClr val="ffffff"/>
+                </a:solidFill>
+              </a:uFill>
+              <a:latin typeface="Arial"/>
+            </a:endParaRPr>
+          </a:p>
+          <a:p>
+            <a:pPr marL="216000" indent="-215640">
+              <a:lnSpc>
+                <a:spcPct val="125000"/>
+              </a:lnSpc>
+              <a:buClr>
+                <a:srgbClr val="000000"/>
+              </a:buClr>
+              <a:buFont typeface="Symbol"/>
+              <a:buChar char=""/>
+            </a:pPr>
+            <a:r>
+              <a:rPr b="0" lang="de-DE" sz="2800" spc="-1" strike="noStrike">
+                <a:solidFill>
+                  <a:srgbClr val="000000"/>
+                </a:solidFill>
+                <a:uFill>
+                  <a:solidFill>
+                    <a:srgbClr val="ffffff"/>
+                  </a:solidFill>
+                </a:uFill>
+                <a:latin typeface="Arial"/>
+                <a:ea typeface="ＭＳ Ｐゴシック"/>
+              </a:rPr>
+              <a:t>Softmax Loss as the classifier</a:t>
+            </a:r>
+            <a:endParaRPr b="0" lang="de-DE" sz="1800" spc="-1" strike="noStrike">
+              <a:solidFill>
+                <a:srgbClr val="000000"/>
+              </a:solidFill>
+              <a:uFill>
+                <a:solidFill>
+                  <a:srgbClr val="ffffff"/>
+                </a:solidFill>
+              </a:uFill>
+              <a:latin typeface="Arial"/>
+            </a:endParaRPr>
+          </a:p>
+          <a:p>
+            <a:pPr marL="216000" indent="-215640">
+              <a:lnSpc>
+                <a:spcPct val="125000"/>
+              </a:lnSpc>
+              <a:buClr>
+                <a:srgbClr val="000000"/>
+              </a:buClr>
+              <a:buFont typeface="Symbol"/>
+              <a:buChar char=""/>
+            </a:pPr>
+            <a:r>
+              <a:rPr b="0" lang="de-DE" sz="2800" spc="-1" strike="noStrike">
+                <a:solidFill>
+                  <a:srgbClr val="000000"/>
+                </a:solidFill>
+                <a:uFill>
+                  <a:solidFill>
+                    <a:srgbClr val="ffffff"/>
+                  </a:solidFill>
+                </a:uFill>
+                <a:latin typeface="Arial"/>
+                <a:ea typeface="ＭＳ Ｐゴシック"/>
+              </a:rPr>
+              <a:t>Trained for 200 Epochs using Stochastic Gradient </a:t>
+            </a:r>
+            <a:endParaRPr b="0" lang="de-DE" sz="1800" spc="-1" strike="noStrike">
+              <a:solidFill>
+                <a:srgbClr val="000000"/>
+              </a:solidFill>
+              <a:uFill>
+                <a:solidFill>
+                  <a:srgbClr val="ffffff"/>
+                </a:solidFill>
+              </a:uFill>
+              <a:latin typeface="Arial"/>
+            </a:endParaRPr>
+          </a:p>
+          <a:p>
+            <a:pPr marL="216000" indent="-215640">
+              <a:lnSpc>
+                <a:spcPct val="125000"/>
+              </a:lnSpc>
+              <a:buClr>
+                <a:srgbClr val="000000"/>
+              </a:buClr>
+              <a:buFont typeface="Symbol"/>
+              <a:buChar char=""/>
+            </a:pPr>
+            <a:r>
+              <a:rPr b="0" lang="de-DE" sz="2800" spc="-1" strike="noStrike">
+                <a:solidFill>
+                  <a:srgbClr val="000000"/>
+                </a:solidFill>
+                <a:uFill>
+                  <a:solidFill>
+                    <a:srgbClr val="ffffff"/>
+                  </a:solidFill>
+                </a:uFill>
+                <a:latin typeface="Arial"/>
+                <a:ea typeface="ＭＳ Ｐゴシック"/>
+              </a:rPr>
+              <a:t>Descent with 0.9 Momentum, 0.001 Learning Rate</a:t>
+            </a:r>
+            <a:r>
+              <a:rPr b="0" lang="de-DE" sz="2800" spc="-1" strike="noStrike">
+                <a:solidFill>
+                  <a:srgbClr val="000000"/>
+                </a:solidFill>
+                <a:uFill>
+                  <a:solidFill>
+                    <a:srgbClr val="ffffff"/>
+                  </a:solidFill>
+                </a:uFill>
+                <a:latin typeface="Arial"/>
+                <a:ea typeface="ＭＳ Ｐゴシック"/>
+              </a:rPr>
+              <a:t>
+</a:t>
+            </a:r>
+            <a:r>
+              <a:rPr b="0" lang="de-DE" sz="2800" spc="-1" strike="noStrike">
+                <a:solidFill>
+                  <a:srgbClr val="000000"/>
+                </a:solidFill>
+                <a:uFill>
+                  <a:solidFill>
+                    <a:srgbClr val="ffffff"/>
+                  </a:solidFill>
+                </a:uFill>
+                <a:latin typeface="Arial"/>
+                <a:ea typeface="ＭＳ Ｐゴシック"/>
+              </a:rPr>
+              <a:t>and a fixed Learning Rate schedule (decrease Learning</a:t>
+            </a:r>
+            <a:endParaRPr b="0" lang="de-DE" sz="1800" spc="-1" strike="noStrike">
+              <a:solidFill>
+                <a:srgbClr val="000000"/>
+              </a:solidFill>
+              <a:uFill>
+                <a:solidFill>
+                  <a:srgbClr val="ffffff"/>
+                </a:solidFill>
+              </a:uFill>
+              <a:latin typeface="Arial"/>
+            </a:endParaRPr>
+          </a:p>
+          <a:p>
+            <a:pPr marL="216000" indent="-215640">
+              <a:lnSpc>
+                <a:spcPct val="125000"/>
+              </a:lnSpc>
+              <a:buClr>
+                <a:srgbClr val="000000"/>
+              </a:buClr>
+              <a:buFont typeface="Symbol"/>
+              <a:buChar char=""/>
+            </a:pPr>
+            <a:r>
+              <a:rPr b="0" lang="de-DE" sz="2800" spc="-1" strike="noStrike">
+                <a:solidFill>
+                  <a:srgbClr val="000000"/>
+                </a:solidFill>
+                <a:uFill>
+                  <a:solidFill>
+                    <a:srgbClr val="ffffff"/>
+                  </a:solidFill>
+                </a:uFill>
+                <a:latin typeface="Arial"/>
+                <a:ea typeface="ＭＳ Ｐゴシック"/>
+              </a:rPr>
+              <a:t>Rate by 4% every 8 epochs)</a:t>
+            </a:r>
+            <a:endParaRPr b="0" lang="de-DE" sz="1800" spc="-1" strike="noStrike">
+              <a:solidFill>
+                <a:srgbClr val="000000"/>
+              </a:solidFill>
+              <a:uFill>
+                <a:solidFill>
+                  <a:srgbClr val="ffffff"/>
+                </a:solidFill>
+              </a:uFill>
+              <a:latin typeface="Arial"/>
+            </a:endParaRPr>
+          </a:p>
+          <a:p>
+            <a:pPr marL="216000" indent="-215640">
+              <a:lnSpc>
+                <a:spcPct val="125000"/>
+              </a:lnSpc>
+              <a:buClr>
+                <a:srgbClr val="000000"/>
+              </a:buClr>
+              <a:buFont typeface="Symbol"/>
+              <a:buChar char=""/>
+            </a:pPr>
+            <a:r>
+              <a:rPr b="0" lang="de-DE" sz="2800" spc="-1" strike="noStrike">
+                <a:solidFill>
+                  <a:srgbClr val="000000"/>
+                </a:solidFill>
+                <a:uFill>
+                  <a:solidFill>
+                    <a:srgbClr val="ffffff"/>
+                  </a:solidFill>
+                </a:uFill>
+                <a:latin typeface="Arial"/>
+                <a:ea typeface="ＭＳ Ｐゴシック"/>
+              </a:rPr>
+              <a:t>Split training images into training and validation set</a:t>
+            </a:r>
+            <a:endParaRPr b="0" lang="de-DE" sz="1800" spc="-1" strike="noStrike">
+              <a:solidFill>
+                <a:srgbClr val="000000"/>
+              </a:solidFill>
+              <a:uFill>
+                <a:solidFill>
+                  <a:srgbClr val="ffffff"/>
+                </a:solidFill>
+              </a:uFill>
+              <a:latin typeface="Arial"/>
+            </a:endParaRPr>
+          </a:p>
+          <a:p>
+            <a:pPr marL="216000" indent="-215640">
+              <a:lnSpc>
+                <a:spcPct val="125000"/>
+              </a:lnSpc>
+              <a:buClr>
+                <a:srgbClr val="000000"/>
+              </a:buClr>
+              <a:buFont typeface="Symbol"/>
+              <a:buChar char=""/>
+            </a:pPr>
+            <a:r>
+              <a:rPr b="0" lang="de-DE" sz="2800" spc="-1" strike="noStrike">
+                <a:solidFill>
+                  <a:srgbClr val="000000"/>
+                </a:solidFill>
+                <a:uFill>
+                  <a:solidFill>
+                    <a:srgbClr val="ffffff"/>
+                  </a:solidFill>
+                </a:uFill>
+                <a:latin typeface="Arial"/>
+                <a:ea typeface="ＭＳ Ｐゴシック"/>
+              </a:rPr>
+              <a:t>Performed data augmentation on the training images</a:t>
+            </a:r>
+            <a:endParaRPr b="0" lang="de-DE" sz="1800" spc="-1" strike="noStrike">
+              <a:solidFill>
+                <a:srgbClr val="000000"/>
+              </a:solidFill>
+              <a:uFill>
+                <a:solidFill>
+                  <a:srgbClr val="ffffff"/>
+                </a:solidFill>
+              </a:uFill>
+              <a:latin typeface="Arial"/>
+            </a:endParaRPr>
+          </a:p>
+          <a:p>
+            <a:pPr marL="216000" indent="-215640">
+              <a:lnSpc>
+                <a:spcPct val="125000"/>
+              </a:lnSpc>
+              <a:buClr>
+                <a:srgbClr val="000000"/>
+              </a:buClr>
+              <a:buFont typeface="Symbol"/>
+              <a:buChar char=""/>
+            </a:pPr>
+            <a:r>
+              <a:rPr b="0" lang="de-DE" sz="2800" spc="-1" strike="noStrike">
+                <a:solidFill>
+                  <a:srgbClr val="000000"/>
+                </a:solidFill>
+                <a:uFill>
+                  <a:solidFill>
+                    <a:srgbClr val="ffffff"/>
+                  </a:solidFill>
+                </a:uFill>
+                <a:latin typeface="Arial"/>
+                <a:ea typeface="ＭＳ Ｐゴシック"/>
+              </a:rPr>
+              <a:t>Final testing was done on the test images </a:t>
+            </a:r>
+            <a:endParaRPr b="0" lang="de-DE" sz="1800" spc="-1" strike="noStrike">
+              <a:solidFill>
+                <a:srgbClr val="000000"/>
+              </a:solidFill>
+              <a:uFill>
+                <a:solidFill>
+                  <a:srgbClr val="ffffff"/>
+                </a:solidFill>
+              </a:uFill>
+              <a:latin typeface="Arial"/>
+            </a:endParaRPr>
+          </a:p>
+          <a:p>
+            <a:pPr>
+              <a:lnSpc>
+                <a:spcPct val="125000"/>
+              </a:lnSpc>
+            </a:pPr>
+            <a:endParaRPr b="0" lang="de-DE" sz="1800" spc="-1" strike="noStrike">
+              <a:solidFill>
+                <a:srgbClr val="000000"/>
+              </a:solidFill>
+              <a:uFill>
+                <a:solidFill>
+                  <a:srgbClr val="ffffff"/>
+                </a:solidFill>
+              </a:uFill>
+              <a:latin typeface="Arial"/>
+            </a:endParaRPr>
+          </a:p>
+          <a:p>
+            <a:pPr>
+              <a:lnSpc>
+                <a:spcPct val="125000"/>
+              </a:lnSpc>
+            </a:pPr>
+            <a:r>
+              <a:rPr b="1" lang="de-DE" sz="2800" spc="-1" strike="noStrike">
+                <a:solidFill>
+                  <a:srgbClr val="000000"/>
+                </a:solidFill>
+                <a:uFill>
+                  <a:solidFill>
+                    <a:srgbClr val="ffffff"/>
+                  </a:solidFill>
+                </a:uFill>
+                <a:latin typeface="Arial"/>
+                <a:ea typeface="ＭＳ Ｐゴシック"/>
+              </a:rPr>
+              <a:t>Class Activation Mapping</a:t>
+            </a:r>
+            <a:endParaRPr b="0" lang="de-DE" sz="1800" spc="-1" strike="noStrike">
+              <a:solidFill>
+                <a:srgbClr val="000000"/>
+              </a:solidFill>
+              <a:uFill>
+                <a:solidFill>
+                  <a:srgbClr val="ffffff"/>
+                </a:solidFill>
+              </a:uFill>
+              <a:latin typeface="Arial"/>
+            </a:endParaRPr>
+          </a:p>
+          <a:p>
+            <a:pPr marL="216000" indent="-215640">
+              <a:lnSpc>
+                <a:spcPct val="125000"/>
+              </a:lnSpc>
+              <a:buClr>
+                <a:srgbClr val="000000"/>
+              </a:buClr>
+              <a:buFont typeface="Symbol"/>
+              <a:buChar char=""/>
+            </a:pPr>
+            <a:r>
+              <a:rPr b="0" lang="de-DE" sz="2800" spc="-1" strike="noStrike">
+                <a:solidFill>
+                  <a:srgbClr val="000000"/>
+                </a:solidFill>
+                <a:uFill>
+                  <a:solidFill>
+                    <a:srgbClr val="ffffff"/>
+                  </a:solidFill>
+                </a:uFill>
+                <a:latin typeface="Arial"/>
+                <a:ea typeface="ＭＳ Ｐゴシック"/>
+              </a:rPr>
+              <a:t>Indicates the discriminative image regions used by the CNN to identify that class</a:t>
+            </a:r>
+            <a:endParaRPr b="0" lang="de-DE" sz="1800" spc="-1" strike="noStrike">
+              <a:solidFill>
+                <a:srgbClr val="000000"/>
+              </a:solidFill>
+              <a:uFill>
+                <a:solidFill>
+                  <a:srgbClr val="ffffff"/>
+                </a:solidFill>
+              </a:uFill>
+              <a:latin typeface="Arial"/>
+            </a:endParaRPr>
+          </a:p>
+          <a:p>
+            <a:pPr marL="216000" indent="-215640">
+              <a:lnSpc>
+                <a:spcPct val="125000"/>
+              </a:lnSpc>
+              <a:buClr>
+                <a:srgbClr val="000000"/>
+              </a:buClr>
+              <a:buFont typeface="Symbol"/>
+              <a:buChar char=""/>
+            </a:pPr>
+            <a:r>
+              <a:rPr b="0" lang="de-DE" sz="2800" spc="-1" strike="noStrike">
+                <a:solidFill>
+                  <a:srgbClr val="000000"/>
+                </a:solidFill>
+                <a:uFill>
+                  <a:solidFill>
+                    <a:srgbClr val="ffffff"/>
+                  </a:solidFill>
+                </a:uFill>
+                <a:latin typeface="Arial"/>
+                <a:ea typeface="ＭＳ Ｐゴシック"/>
+              </a:rPr>
+              <a:t>Perform Global average pooling on the convolutional feature maps</a:t>
+            </a:r>
+            <a:endParaRPr b="0" lang="de-DE" sz="1800" spc="-1" strike="noStrike">
+              <a:solidFill>
+                <a:srgbClr val="000000"/>
+              </a:solidFill>
+              <a:uFill>
+                <a:solidFill>
+                  <a:srgbClr val="ffffff"/>
+                </a:solidFill>
+              </a:uFill>
+              <a:latin typeface="Arial"/>
+            </a:endParaRPr>
+          </a:p>
+          <a:p>
+            <a:pPr marL="216000" indent="-215640">
+              <a:lnSpc>
+                <a:spcPct val="125000"/>
+              </a:lnSpc>
+              <a:buClr>
+                <a:srgbClr val="000000"/>
+              </a:buClr>
+              <a:buFont typeface="Symbol"/>
+              <a:buChar char=""/>
+            </a:pPr>
+            <a:r>
+              <a:rPr b="0" lang="de-DE" sz="2800" spc="-1" strike="noStrike">
+                <a:solidFill>
+                  <a:srgbClr val="000000"/>
+                </a:solidFill>
+                <a:uFill>
+                  <a:solidFill>
+                    <a:srgbClr val="ffffff"/>
+                  </a:solidFill>
+                </a:uFill>
+                <a:latin typeface="Arial"/>
+                <a:ea typeface="ＭＳ Ｐゴシック"/>
+              </a:rPr>
+              <a:t>Use those features for a fully connected layer that produces the desired output</a:t>
+            </a:r>
+            <a:endParaRPr b="0" lang="de-DE" sz="1800" spc="-1" strike="noStrike">
+              <a:solidFill>
+                <a:srgbClr val="000000"/>
+              </a:solidFill>
+              <a:uFill>
+                <a:solidFill>
+                  <a:srgbClr val="ffffff"/>
+                </a:solidFill>
+              </a:uFill>
+              <a:latin typeface="Arial"/>
+            </a:endParaRPr>
+          </a:p>
+          <a:p>
+            <a:pPr marL="216000" indent="-215640">
+              <a:lnSpc>
+                <a:spcPct val="125000"/>
+              </a:lnSpc>
+              <a:buClr>
+                <a:srgbClr val="000000"/>
+              </a:buClr>
+              <a:buFont typeface="Symbol"/>
+              <a:buChar char=""/>
+            </a:pPr>
+            <a:r>
+              <a:rPr b="0" lang="de-DE" sz="2800" spc="-1" strike="noStrike">
+                <a:solidFill>
+                  <a:srgbClr val="000000"/>
+                </a:solidFill>
+                <a:uFill>
+                  <a:solidFill>
+                    <a:srgbClr val="ffffff"/>
+                  </a:solidFill>
+                </a:uFill>
+                <a:latin typeface="Arial"/>
+                <a:ea typeface="ＭＳ Ｐゴシック"/>
+              </a:rPr>
+              <a:t>By projecting back the weights of the output layer onto the convolutional feature maps the importance of the image regions can be identified</a:t>
+            </a:r>
+            <a:endParaRPr b="0" lang="de-DE" sz="1800" spc="-1" strike="noStrike">
+              <a:solidFill>
+                <a:srgbClr val="000000"/>
+              </a:solidFill>
+              <a:uFill>
+                <a:solidFill>
+                  <a:srgbClr val="ffffff"/>
+                </a:solidFill>
+              </a:uFill>
+              <a:latin typeface="Arial"/>
+            </a:endParaRPr>
+          </a:p>
+          <a:p>
+            <a:pPr>
+              <a:lnSpc>
+                <a:spcPct val="125000"/>
+              </a:lnSpc>
+            </a:pPr>
+            <a:endParaRPr b="0" lang="de-DE" sz="1800" spc="-1" strike="noStrike">
+              <a:solidFill>
+                <a:srgbClr val="000000"/>
+              </a:solidFill>
+              <a:uFill>
+                <a:solidFill>
+                  <a:srgbClr val="ffffff"/>
+                </a:solidFill>
+              </a:uFill>
+              <a:latin typeface="Arial"/>
+            </a:endParaRPr>
+          </a:p>
+          <a:p>
+            <a:pPr>
+              <a:lnSpc>
+                <a:spcPct val="125000"/>
+              </a:lnSpc>
+            </a:pPr>
+            <a:endParaRPr b="0" lang="de-DE" sz="1800" spc="-1" strike="noStrike">
               <a:solidFill>
                 <a:srgbClr val="000000"/>
               </a:solidFill>
@@ -2733,8 +3375,8 @@
         </p:nvSpPr>
         <p:spPr>
           <a:xfrm>
-            <a:off x="13083480" y="6852600"/>
-            <a:ext cx="16819560" cy="16331400"/>
+            <a:off x="1512000" y="25056000"/>
+            <a:ext cx="10630800" cy="4607640"/>
           </a:xfrm>
           <a:prstGeom prst="rect">
             <a:avLst/>
@@ -2755,13 +3397,19 @@
         <p:txBody>
           <a:bodyPr lIns="182880" rIns="182880" tIns="91440" bIns="182880"/>
           <a:p>
-            <a:pPr>
-              <a:lnSpc>
-                <a:spcPct val="125000"/>
-              </a:lnSpc>
+            <a:pPr marL="216000" indent="-215640">
+              <a:lnSpc>
+                <a:spcPct val="120000"/>
+              </a:lnSpc>
+              <a:buClr>
+                <a:srgbClr val="000000"/>
+              </a:buClr>
+              <a:buSzPct val="45000"/>
+              <a:buFont typeface="Wingdings" charset="2"/>
+              <a:buChar char=""/>
             </a:pPr>
             <a:r>
-              <a:rPr b="1" lang="en-US" sz="2800" spc="-1" strike="noStrike">
+              <a:rPr b="0" lang="de-DE" sz="2000" spc="-1" strike="noStrike">
                 <a:solidFill>
                   <a:srgbClr val="000000"/>
                 </a:solidFill>
@@ -2770,13 +3418,37 @@
                     <a:srgbClr val="ffffff"/>
                   </a:solidFill>
                 </a:uFill>
-                <a:latin typeface="Arial"/>
+                <a:latin typeface="Times New Roman"/>
                 <a:ea typeface="ＭＳ Ｐゴシック"/>
               </a:rPr>
-              <a:t>Data</a:t>
+              <a:t>Andriluka, M., Pishchulin, L., Gehler, P. and Schiele, B., 2014. 2d human pose estimation: New benchmark and state of the art analysis. In Proceedings of the IEEE Conference on computer Vision and Pattern Recognition (pp. 3686-3693).</a:t>
             </a:r>
+            <a:endParaRPr b="0" lang="de-DE" sz="1800" spc="-1" strike="noStrike">
+              <a:solidFill>
+                <a:srgbClr val="000000"/>
+              </a:solidFill>
+              <a:uFill>
+                <a:solidFill>
+                  <a:srgbClr val="ffffff"/>
+                </a:solidFill>
+              </a:uFill>
+              <a:latin typeface="Arial"/>
+            </a:endParaRPr>
+          </a:p>
+          <a:p>
+            <a:pPr marL="216000" indent="-215640">
+              <a:lnSpc>
+                <a:spcPct val="120000"/>
+              </a:lnSpc>
+              <a:buClr>
+                <a:srgbClr val="000000"/>
+              </a:buClr>
+              <a:buSzPct val="45000"/>
+              <a:buFont typeface="Wingdings" charset="2"/>
+              <a:buChar char=""/>
+            </a:pPr>
             <a:r>
-              <a:rPr b="1" lang="en-US" sz="2800" spc="-1" strike="noStrike">
+              <a:rPr b="0" lang="de-DE" sz="2000" spc="-1" strike="noStrike">
                 <a:solidFill>
                   <a:srgbClr val="000000"/>
                 </a:solidFill>
@@ -2785,36 +3457,37 @@
                     <a:srgbClr val="ffffff"/>
                   </a:solidFill>
                 </a:uFill>
-                <a:latin typeface="Arial"/>
+                <a:latin typeface="Times New Roman"/>
                 <a:ea typeface="ＭＳ Ｐゴシック"/>
               </a:rPr>
-              <a:t> Set</a:t>
+              <a:t>Szegedy, C., Liu, W., Jia, Y., Sermanet, P., Reed, S., Anguelov, D., Erhan, D., Vanhoucke, V. and Rabinovich, A., 2015. Going deeper with convolutions. In Proceedings of the IEEE conference on computer vision and pattern recognition (pp. 1-9).</a:t>
             </a:r>
-            <a:endParaRPr b="0" lang="en-US" sz="1800" spc="-1" strike="noStrike">
-              <a:solidFill>
-                <a:srgbClr val="000000"/>
-              </a:solidFill>
-              <a:uFill>
-                <a:solidFill>
-                  <a:srgbClr val="ffffff"/>
-                </a:solidFill>
-              </a:uFill>
-              <a:latin typeface="Arial"/>
-            </a:endParaRPr>
-          </a:p>
-          <a:p>
-            <a:pPr marL="216000" indent="-216000">
-              <a:lnSpc>
-                <a:spcPct val="125000"/>
+            <a:endParaRPr b="0" lang="de-DE" sz="1800" spc="-1" strike="noStrike">
+              <a:solidFill>
+                <a:srgbClr val="000000"/>
+              </a:solidFill>
+              <a:uFill>
+                <a:solidFill>
+                  <a:srgbClr val="ffffff"/>
+                </a:solidFill>
+              </a:uFill>
+              <a:latin typeface="Arial"/>
+            </a:endParaRPr>
+          </a:p>
+          <a:p>
+            <a:pPr marL="216000" indent="-215640">
+              <a:lnSpc>
+                <a:spcPct val="120000"/>
               </a:lnSpc>
               <a:buClr>
                 <a:srgbClr val="000000"/>
               </a:buClr>
-              <a:buFont typeface="Symbol" charset="2"/>
-              <a:buChar char=""/>
+              <a:buSzPct val="45000"/>
+              <a:buFont typeface="Wingdings" charset="2"/>
+              <a:buChar char=""/>
             </a:pPr>
             <a:r>
-              <a:rPr b="0" lang="en-US" sz="2800" spc="-1" strike="noStrike">
+              <a:rPr b="0" lang="de-DE" sz="2000" spc="-1" strike="noStrike">
                 <a:solidFill>
                   <a:srgbClr val="000000"/>
                 </a:solidFill>
@@ -2823,730 +3496,12 @@
                     <a:srgbClr val="ffffff"/>
                   </a:solidFill>
                 </a:uFill>
-                <a:latin typeface="Arial"/>
+                <a:latin typeface="Times New Roman"/>
                 <a:ea typeface="ＭＳ Ｐゴシック"/>
               </a:rPr>
-              <a:t>Subset of MPII Human Pose Dataset → 10 sports: Basketball, Horseback riding, Martial Arts, Paddelball, Rock climbing, Rope skipping, Skateboarding, Softball, Tennis, Golf</a:t>
+              <a:t>Zhou, B., Khosla, A., Lapedriza, A., Oliva, A. and Torralba, A., 2016. Learning deep features for discriminative localization. In Proceedings of the IEEE Conference on Computer Vision and Pattern Recognition (pp. 2921-2929).</a:t>
             </a:r>
-            <a:endParaRPr b="0" lang="en-US" sz="1800" spc="-1" strike="noStrike">
-              <a:solidFill>
-                <a:srgbClr val="000000"/>
-              </a:solidFill>
-              <a:uFill>
-                <a:solidFill>
-                  <a:srgbClr val="ffffff"/>
-                </a:solidFill>
-              </a:uFill>
-              <a:latin typeface="Arial"/>
-            </a:endParaRPr>
-          </a:p>
-          <a:p>
-            <a:pPr marL="216000" indent="-216000">
-              <a:lnSpc>
-                <a:spcPct val="125000"/>
-              </a:lnSpc>
-              <a:buClr>
-                <a:srgbClr val="000000"/>
-              </a:buClr>
-              <a:buFont typeface="Symbol" charset="2"/>
-              <a:buChar char=""/>
-            </a:pPr>
-            <a:r>
-              <a:rPr b="0" lang="en-US" sz="2800" spc="-1" strike="noStrike">
-                <a:solidFill>
-                  <a:srgbClr val="000000"/>
-                </a:solidFill>
-                <a:uFill>
-                  <a:solidFill>
-                    <a:srgbClr val="ffffff"/>
-                  </a:solidFill>
-                </a:uFill>
-                <a:latin typeface="Arial"/>
-                <a:ea typeface="ＭＳ Ｐゴシック"/>
-              </a:rPr>
-              <a:t>1576 images total, 1266 training images, 310 test images</a:t>
-            </a:r>
-            <a:endParaRPr b="0" lang="en-US" sz="1800" spc="-1" strike="noStrike">
-              <a:solidFill>
-                <a:srgbClr val="000000"/>
-              </a:solidFill>
-              <a:uFill>
-                <a:solidFill>
-                  <a:srgbClr val="ffffff"/>
-                </a:solidFill>
-              </a:uFill>
-              <a:latin typeface="Arial"/>
-            </a:endParaRPr>
-          </a:p>
-          <a:p>
-            <a:pPr>
-              <a:lnSpc>
-                <a:spcPct val="125000"/>
-              </a:lnSpc>
-            </a:pPr>
-            <a:endParaRPr b="0" lang="en-US" sz="1800" spc="-1" strike="noStrike">
-              <a:solidFill>
-                <a:srgbClr val="000000"/>
-              </a:solidFill>
-              <a:uFill>
-                <a:solidFill>
-                  <a:srgbClr val="ffffff"/>
-                </a:solidFill>
-              </a:uFill>
-              <a:latin typeface="Arial"/>
-            </a:endParaRPr>
-          </a:p>
-          <a:p>
-            <a:pPr>
-              <a:lnSpc>
-                <a:spcPct val="125000"/>
-              </a:lnSpc>
-            </a:pPr>
-            <a:r>
-              <a:rPr b="1" lang="en-US" sz="2800" spc="-1" strike="noStrike">
-                <a:solidFill>
-                  <a:srgbClr val="000000"/>
-                </a:solidFill>
-                <a:uFill>
-                  <a:solidFill>
-                    <a:srgbClr val="ffffff"/>
-                  </a:solidFill>
-                </a:uFill>
-                <a:latin typeface="Arial"/>
-                <a:ea typeface="ＭＳ Ｐゴシック"/>
-              </a:rPr>
-              <a:t>GoogLeNet</a:t>
-            </a:r>
-            <a:endParaRPr b="0" lang="en-US" sz="1800" spc="-1" strike="noStrike">
-              <a:solidFill>
-                <a:srgbClr val="000000"/>
-              </a:solidFill>
-              <a:uFill>
-                <a:solidFill>
-                  <a:srgbClr val="ffffff"/>
-                </a:solidFill>
-              </a:uFill>
-              <a:latin typeface="Arial"/>
-            </a:endParaRPr>
-          </a:p>
-          <a:p>
-            <a:pPr marL="216000" indent="-216000">
-              <a:lnSpc>
-                <a:spcPct val="125000"/>
-              </a:lnSpc>
-              <a:buClr>
-                <a:srgbClr val="000000"/>
-              </a:buClr>
-              <a:buFont typeface="Symbol" charset="2"/>
-              <a:buChar char=""/>
-            </a:pPr>
-            <a:r>
-              <a:rPr b="0" lang="en-US" sz="2800" spc="-1" strike="noStrike">
-                <a:solidFill>
-                  <a:srgbClr val="000000"/>
-                </a:solidFill>
-                <a:uFill>
-                  <a:solidFill>
-                    <a:srgbClr val="ffffff"/>
-                  </a:solidFill>
-                </a:uFill>
-                <a:latin typeface="Arial"/>
-                <a:ea typeface="ＭＳ Ｐゴシック"/>
-              </a:rPr>
-              <a:t>27 layers deep network</a:t>
-            </a:r>
-            <a:endParaRPr b="0" lang="en-US" sz="1800" spc="-1" strike="noStrike">
-              <a:solidFill>
-                <a:srgbClr val="000000"/>
-              </a:solidFill>
-              <a:uFill>
-                <a:solidFill>
-                  <a:srgbClr val="ffffff"/>
-                </a:solidFill>
-              </a:uFill>
-              <a:latin typeface="Arial"/>
-            </a:endParaRPr>
-          </a:p>
-          <a:p>
-            <a:pPr marL="216000" indent="-216000">
-              <a:lnSpc>
-                <a:spcPct val="125000"/>
-              </a:lnSpc>
-              <a:buClr>
-                <a:srgbClr val="000000"/>
-              </a:buClr>
-              <a:buFont typeface="Symbol" charset="2"/>
-              <a:buChar char=""/>
-            </a:pPr>
-            <a:r>
-              <a:rPr b="0" lang="en-US" sz="2800" spc="-1" strike="noStrike">
-                <a:solidFill>
-                  <a:srgbClr val="000000"/>
-                </a:solidFill>
-                <a:uFill>
-                  <a:solidFill>
-                    <a:srgbClr val="ffffff"/>
-                  </a:solidFill>
-                </a:uFill>
-                <a:latin typeface="Arial"/>
-                <a:ea typeface="ＭＳ Ｐゴシック"/>
-              </a:rPr>
-              <a:t>9 Inception modules → reduce the number of </a:t>
-            </a:r>
-            <a:r>
-              <a:rPr b="0" lang="en-US" sz="2800" spc="-1" strike="noStrike">
-                <a:solidFill>
-                  <a:srgbClr val="000000"/>
-                </a:solidFill>
-                <a:uFill>
-                  <a:solidFill>
-                    <a:srgbClr val="ffffff"/>
-                  </a:solidFill>
-                </a:uFill>
-                <a:latin typeface="Arial"/>
-                <a:ea typeface="ＭＳ Ｐゴシック"/>
-              </a:rPr>
-              <a:t>
-</a:t>
-            </a:r>
-            <a:r>
-              <a:rPr b="0" lang="en-US" sz="2800" spc="-1" strike="noStrike">
-                <a:solidFill>
-                  <a:srgbClr val="000000"/>
-                </a:solidFill>
-                <a:uFill>
-                  <a:solidFill>
-                    <a:srgbClr val="ffffff"/>
-                  </a:solidFill>
-                </a:uFill>
-                <a:latin typeface="Arial"/>
-                <a:ea typeface="ＭＳ Ｐゴシック"/>
-              </a:rPr>
-              <a:t>parameters, create a deeper and wider topology</a:t>
-            </a:r>
-            <a:endParaRPr b="0" lang="en-US" sz="1800" spc="-1" strike="noStrike">
-              <a:solidFill>
-                <a:srgbClr val="000000"/>
-              </a:solidFill>
-              <a:uFill>
-                <a:solidFill>
-                  <a:srgbClr val="ffffff"/>
-                </a:solidFill>
-              </a:uFill>
-              <a:latin typeface="Arial"/>
-            </a:endParaRPr>
-          </a:p>
-          <a:p>
-            <a:pPr marL="216000" indent="-216000">
-              <a:lnSpc>
-                <a:spcPct val="125000"/>
-              </a:lnSpc>
-              <a:buClr>
-                <a:srgbClr val="000000"/>
-              </a:buClr>
-              <a:buFont typeface="Symbol" charset="2"/>
-              <a:buChar char=""/>
-            </a:pPr>
-            <a:r>
-              <a:rPr b="0" lang="en-US" sz="2800" spc="-1" strike="noStrike">
-                <a:solidFill>
-                  <a:srgbClr val="000000"/>
-                </a:solidFill>
-                <a:uFill>
-                  <a:solidFill>
-                    <a:srgbClr val="ffffff"/>
-                  </a:solidFill>
-                </a:uFill>
-                <a:latin typeface="Arial"/>
-                <a:ea typeface="ＭＳ Ｐゴシック"/>
-              </a:rPr>
-              <a:t>Softmax Loss as the classifier</a:t>
-            </a:r>
-            <a:endParaRPr b="0" lang="en-US" sz="1800" spc="-1" strike="noStrike">
-              <a:solidFill>
-                <a:srgbClr val="000000"/>
-              </a:solidFill>
-              <a:uFill>
-                <a:solidFill>
-                  <a:srgbClr val="ffffff"/>
-                </a:solidFill>
-              </a:uFill>
-              <a:latin typeface="Arial"/>
-            </a:endParaRPr>
-          </a:p>
-          <a:p>
-            <a:pPr marL="216000" indent="-216000">
-              <a:lnSpc>
-                <a:spcPct val="125000"/>
-              </a:lnSpc>
-              <a:buClr>
-                <a:srgbClr val="000000"/>
-              </a:buClr>
-              <a:buFont typeface="Symbol" charset="2"/>
-              <a:buChar char=""/>
-            </a:pPr>
-            <a:r>
-              <a:rPr b="0" lang="en-US" sz="2800" spc="-1" strike="noStrike">
-                <a:solidFill>
-                  <a:srgbClr val="000000"/>
-                </a:solidFill>
-                <a:uFill>
-                  <a:solidFill>
-                    <a:srgbClr val="ffffff"/>
-                  </a:solidFill>
-                </a:uFill>
-                <a:latin typeface="Arial"/>
-                <a:ea typeface="ＭＳ Ｐゴシック"/>
-              </a:rPr>
-              <a:t>Trained for 200 Epochs using Stochastic Gradient </a:t>
-            </a:r>
-            <a:r>
-              <a:rPr b="0" lang="en-US" sz="2800" spc="-1" strike="noStrike">
-                <a:solidFill>
-                  <a:srgbClr val="000000"/>
-                </a:solidFill>
-                <a:uFill>
-                  <a:solidFill>
-                    <a:srgbClr val="ffffff"/>
-                  </a:solidFill>
-                </a:uFill>
-                <a:latin typeface="Arial"/>
-                <a:ea typeface="ＭＳ Ｐゴシック"/>
-              </a:rPr>
-              <a:t>
-</a:t>
-            </a:r>
-            <a:r>
-              <a:rPr b="0" lang="en-US" sz="2800" spc="-1" strike="noStrike">
-                <a:solidFill>
-                  <a:srgbClr val="000000"/>
-                </a:solidFill>
-                <a:uFill>
-                  <a:solidFill>
-                    <a:srgbClr val="ffffff"/>
-                  </a:solidFill>
-                </a:uFill>
-                <a:latin typeface="Arial"/>
-                <a:ea typeface="ＭＳ Ｐゴシック"/>
-              </a:rPr>
-              <a:t>Descent with 0.9 Momentum, 0.001 Learning Rate and </a:t>
-            </a:r>
-            <a:r>
-              <a:rPr b="0" lang="en-US" sz="2800" spc="-1" strike="noStrike">
-                <a:solidFill>
-                  <a:srgbClr val="000000"/>
-                </a:solidFill>
-                <a:uFill>
-                  <a:solidFill>
-                    <a:srgbClr val="ffffff"/>
-                  </a:solidFill>
-                </a:uFill>
-                <a:latin typeface="Arial"/>
-                <a:ea typeface="ＭＳ Ｐゴシック"/>
-              </a:rPr>
-              <a:t>
-</a:t>
-            </a:r>
-            <a:r>
-              <a:rPr b="0" lang="en-US" sz="2800" spc="-1" strike="noStrike">
-                <a:solidFill>
-                  <a:srgbClr val="000000"/>
-                </a:solidFill>
-                <a:uFill>
-                  <a:solidFill>
-                    <a:srgbClr val="ffffff"/>
-                  </a:solidFill>
-                </a:uFill>
-                <a:latin typeface="Arial"/>
-                <a:ea typeface="ＭＳ Ｐゴシック"/>
-              </a:rPr>
-              <a:t>a fixed Learning Rate schedule (decrease Learning</a:t>
-            </a:r>
-            <a:r>
-              <a:rPr b="0" lang="en-US" sz="2800" spc="-1" strike="noStrike">
-                <a:solidFill>
-                  <a:srgbClr val="000000"/>
-                </a:solidFill>
-                <a:uFill>
-                  <a:solidFill>
-                    <a:srgbClr val="ffffff"/>
-                  </a:solidFill>
-                </a:uFill>
-                <a:latin typeface="Arial"/>
-                <a:ea typeface="ＭＳ Ｐゴシック"/>
-              </a:rPr>
-              <a:t>
-</a:t>
-            </a:r>
-            <a:r>
-              <a:rPr b="0" lang="en-US" sz="2800" spc="-1" strike="noStrike">
-                <a:solidFill>
-                  <a:srgbClr val="000000"/>
-                </a:solidFill>
-                <a:uFill>
-                  <a:solidFill>
-                    <a:srgbClr val="ffffff"/>
-                  </a:solidFill>
-                </a:uFill>
-                <a:latin typeface="Arial"/>
-                <a:ea typeface="ＭＳ Ｐゴシック"/>
-              </a:rPr>
-              <a:t>Rate by 4% every 8 epochs)</a:t>
-            </a:r>
-            <a:endParaRPr b="0" lang="en-US" sz="1800" spc="-1" strike="noStrike">
-              <a:solidFill>
-                <a:srgbClr val="000000"/>
-              </a:solidFill>
-              <a:uFill>
-                <a:solidFill>
-                  <a:srgbClr val="ffffff"/>
-                </a:solidFill>
-              </a:uFill>
-              <a:latin typeface="Arial"/>
-            </a:endParaRPr>
-          </a:p>
-          <a:p>
-            <a:pPr marL="216000" indent="-216000">
-              <a:lnSpc>
-                <a:spcPct val="125000"/>
-              </a:lnSpc>
-              <a:buClr>
-                <a:srgbClr val="000000"/>
-              </a:buClr>
-              <a:buFont typeface="Symbol" charset="2"/>
-              <a:buChar char=""/>
-            </a:pPr>
-            <a:r>
-              <a:rPr b="0" lang="en-US" sz="2800" spc="-1" strike="noStrike">
-                <a:solidFill>
-                  <a:srgbClr val="000000"/>
-                </a:solidFill>
-                <a:uFill>
-                  <a:solidFill>
-                    <a:srgbClr val="ffffff"/>
-                  </a:solidFill>
-                </a:uFill>
-                <a:latin typeface="Arial"/>
-                <a:ea typeface="ＭＳ Ｐゴシック"/>
-              </a:rPr>
-              <a:t>Split training images into training and validation set</a:t>
-            </a:r>
-            <a:endParaRPr b="0" lang="en-US" sz="1800" spc="-1" strike="noStrike">
-              <a:solidFill>
-                <a:srgbClr val="000000"/>
-              </a:solidFill>
-              <a:uFill>
-                <a:solidFill>
-                  <a:srgbClr val="ffffff"/>
-                </a:solidFill>
-              </a:uFill>
-              <a:latin typeface="Arial"/>
-            </a:endParaRPr>
-          </a:p>
-          <a:p>
-            <a:pPr marL="216000" indent="-216000">
-              <a:lnSpc>
-                <a:spcPct val="125000"/>
-              </a:lnSpc>
-              <a:buClr>
-                <a:srgbClr val="000000"/>
-              </a:buClr>
-              <a:buFont typeface="Symbol" charset="2"/>
-              <a:buChar char=""/>
-            </a:pPr>
-            <a:r>
-              <a:rPr b="0" lang="en-US" sz="2800" spc="-1" strike="noStrike">
-                <a:solidFill>
-                  <a:srgbClr val="000000"/>
-                </a:solidFill>
-                <a:uFill>
-                  <a:solidFill>
-                    <a:srgbClr val="ffffff"/>
-                  </a:solidFill>
-                </a:uFill>
-                <a:latin typeface="Arial"/>
-                <a:ea typeface="ＭＳ Ｐゴシック"/>
-              </a:rPr>
-              <a:t>Performed data augmentation on the training images</a:t>
-            </a:r>
-            <a:endParaRPr b="0" lang="en-US" sz="1800" spc="-1" strike="noStrike">
-              <a:solidFill>
-                <a:srgbClr val="000000"/>
-              </a:solidFill>
-              <a:uFill>
-                <a:solidFill>
-                  <a:srgbClr val="ffffff"/>
-                </a:solidFill>
-              </a:uFill>
-              <a:latin typeface="Arial"/>
-            </a:endParaRPr>
-          </a:p>
-          <a:p>
-            <a:pPr marL="216000" indent="-216000">
-              <a:lnSpc>
-                <a:spcPct val="125000"/>
-              </a:lnSpc>
-              <a:buClr>
-                <a:srgbClr val="000000"/>
-              </a:buClr>
-              <a:buFont typeface="Symbol" charset="2"/>
-              <a:buChar char=""/>
-            </a:pPr>
-            <a:r>
-              <a:rPr b="0" lang="en-US" sz="2800" spc="-1" strike="noStrike">
-                <a:solidFill>
-                  <a:srgbClr val="000000"/>
-                </a:solidFill>
-                <a:uFill>
-                  <a:solidFill>
-                    <a:srgbClr val="ffffff"/>
-                  </a:solidFill>
-                </a:uFill>
-                <a:latin typeface="Arial"/>
-                <a:ea typeface="ＭＳ Ｐゴシック"/>
-              </a:rPr>
-              <a:t>Final testing was done on the test images </a:t>
-            </a:r>
-            <a:endParaRPr b="0" lang="en-US" sz="1800" spc="-1" strike="noStrike">
-              <a:solidFill>
-                <a:srgbClr val="000000"/>
-              </a:solidFill>
-              <a:uFill>
-                <a:solidFill>
-                  <a:srgbClr val="ffffff"/>
-                </a:solidFill>
-              </a:uFill>
-              <a:latin typeface="Arial"/>
-            </a:endParaRPr>
-          </a:p>
-          <a:p>
-            <a:pPr>
-              <a:lnSpc>
-                <a:spcPct val="125000"/>
-              </a:lnSpc>
-            </a:pPr>
-            <a:endParaRPr b="0" lang="en-US" sz="1800" spc="-1" strike="noStrike">
-              <a:solidFill>
-                <a:srgbClr val="000000"/>
-              </a:solidFill>
-              <a:uFill>
-                <a:solidFill>
-                  <a:srgbClr val="ffffff"/>
-                </a:solidFill>
-              </a:uFill>
-              <a:latin typeface="Arial"/>
-            </a:endParaRPr>
-          </a:p>
-          <a:p>
-            <a:pPr>
-              <a:lnSpc>
-                <a:spcPct val="125000"/>
-              </a:lnSpc>
-            </a:pPr>
-            <a:r>
-              <a:rPr b="1" lang="en-US" sz="2800" spc="-1" strike="noStrike">
-                <a:solidFill>
-                  <a:srgbClr val="000000"/>
-                </a:solidFill>
-                <a:uFill>
-                  <a:solidFill>
-                    <a:srgbClr val="ffffff"/>
-                  </a:solidFill>
-                </a:uFill>
-                <a:latin typeface="Arial"/>
-                <a:ea typeface="ＭＳ Ｐゴシック"/>
-              </a:rPr>
-              <a:t>Class Activation Mapping</a:t>
-            </a:r>
-            <a:endParaRPr b="0" lang="en-US" sz="1800" spc="-1" strike="noStrike">
-              <a:solidFill>
-                <a:srgbClr val="000000"/>
-              </a:solidFill>
-              <a:uFill>
-                <a:solidFill>
-                  <a:srgbClr val="ffffff"/>
-                </a:solidFill>
-              </a:uFill>
-              <a:latin typeface="Arial"/>
-            </a:endParaRPr>
-          </a:p>
-          <a:p>
-            <a:pPr marL="216000" indent="-216000">
-              <a:lnSpc>
-                <a:spcPct val="125000"/>
-              </a:lnSpc>
-              <a:buClr>
-                <a:srgbClr val="000000"/>
-              </a:buClr>
-              <a:buFont typeface="Symbol" charset="2"/>
-              <a:buChar char=""/>
-            </a:pPr>
-            <a:r>
-              <a:rPr b="0" lang="en-US" sz="2800" spc="-1" strike="noStrike">
-                <a:solidFill>
-                  <a:srgbClr val="000000"/>
-                </a:solidFill>
-                <a:uFill>
-                  <a:solidFill>
-                    <a:srgbClr val="ffffff"/>
-                  </a:solidFill>
-                </a:uFill>
-                <a:latin typeface="Arial"/>
-                <a:ea typeface="ＭＳ Ｐゴシック"/>
-              </a:rPr>
-              <a:t>Indicates the discriminative image regions used by the CNN to identify that class</a:t>
-            </a:r>
-            <a:endParaRPr b="0" lang="en-US" sz="1800" spc="-1" strike="noStrike">
-              <a:solidFill>
-                <a:srgbClr val="000000"/>
-              </a:solidFill>
-              <a:uFill>
-                <a:solidFill>
-                  <a:srgbClr val="ffffff"/>
-                </a:solidFill>
-              </a:uFill>
-              <a:latin typeface="Arial"/>
-            </a:endParaRPr>
-          </a:p>
-          <a:p>
-            <a:pPr marL="216000" indent="-216000">
-              <a:lnSpc>
-                <a:spcPct val="125000"/>
-              </a:lnSpc>
-              <a:buClr>
-                <a:srgbClr val="000000"/>
-              </a:buClr>
-              <a:buFont typeface="Symbol" charset="2"/>
-              <a:buChar char=""/>
-            </a:pPr>
-            <a:r>
-              <a:rPr b="0" lang="en-US" sz="2800" spc="-1" strike="noStrike">
-                <a:solidFill>
-                  <a:srgbClr val="000000"/>
-                </a:solidFill>
-                <a:uFill>
-                  <a:solidFill>
-                    <a:srgbClr val="ffffff"/>
-                  </a:solidFill>
-                </a:uFill>
-                <a:latin typeface="Arial"/>
-                <a:ea typeface="ＭＳ Ｐゴシック"/>
-              </a:rPr>
-              <a:t>Perform Global average pooling on the convolutional feature maps</a:t>
-            </a:r>
-            <a:endParaRPr b="0" lang="en-US" sz="1800" spc="-1" strike="noStrike">
-              <a:solidFill>
-                <a:srgbClr val="000000"/>
-              </a:solidFill>
-              <a:uFill>
-                <a:solidFill>
-                  <a:srgbClr val="ffffff"/>
-                </a:solidFill>
-              </a:uFill>
-              <a:latin typeface="Arial"/>
-            </a:endParaRPr>
-          </a:p>
-          <a:p>
-            <a:pPr marL="216000" indent="-216000">
-              <a:lnSpc>
-                <a:spcPct val="125000"/>
-              </a:lnSpc>
-              <a:buClr>
-                <a:srgbClr val="000000"/>
-              </a:buClr>
-              <a:buFont typeface="Symbol" charset="2"/>
-              <a:buChar char=""/>
-            </a:pPr>
-            <a:r>
-              <a:rPr b="0" lang="en-US" sz="2800" spc="-1" strike="noStrike">
-                <a:solidFill>
-                  <a:srgbClr val="000000"/>
-                </a:solidFill>
-                <a:uFill>
-                  <a:solidFill>
-                    <a:srgbClr val="ffffff"/>
-                  </a:solidFill>
-                </a:uFill>
-                <a:latin typeface="Arial"/>
-                <a:ea typeface="ＭＳ Ｐゴシック"/>
-              </a:rPr>
-              <a:t>Use those features for a fully connected layer that produces the desired output</a:t>
-            </a:r>
-            <a:endParaRPr b="0" lang="en-US" sz="1800" spc="-1" strike="noStrike">
-              <a:solidFill>
-                <a:srgbClr val="000000"/>
-              </a:solidFill>
-              <a:uFill>
-                <a:solidFill>
-                  <a:srgbClr val="ffffff"/>
-                </a:solidFill>
-              </a:uFill>
-              <a:latin typeface="Arial"/>
-            </a:endParaRPr>
-          </a:p>
-          <a:p>
-            <a:pPr marL="216000" indent="-216000">
-              <a:lnSpc>
-                <a:spcPct val="125000"/>
-              </a:lnSpc>
-              <a:buClr>
-                <a:srgbClr val="000000"/>
-              </a:buClr>
-              <a:buFont typeface="Symbol" charset="2"/>
-              <a:buChar char=""/>
-            </a:pPr>
-            <a:r>
-              <a:rPr b="0" lang="en-US" sz="2800" spc="-1" strike="noStrike">
-                <a:solidFill>
-                  <a:srgbClr val="000000"/>
-                </a:solidFill>
-                <a:uFill>
-                  <a:solidFill>
-                    <a:srgbClr val="ffffff"/>
-                  </a:solidFill>
-                </a:uFill>
-                <a:latin typeface="Arial"/>
-                <a:ea typeface="ＭＳ Ｐゴシック"/>
-              </a:rPr>
-              <a:t>By projecting back the weights of the output layer onto the convolutional feature maps the importance of the image regions can be identified</a:t>
-            </a:r>
-            <a:endParaRPr b="0" lang="en-US" sz="1800" spc="-1" strike="noStrike">
-              <a:solidFill>
-                <a:srgbClr val="000000"/>
-              </a:solidFill>
-              <a:uFill>
-                <a:solidFill>
-                  <a:srgbClr val="ffffff"/>
-                </a:solidFill>
-              </a:uFill>
-              <a:latin typeface="Arial"/>
-            </a:endParaRPr>
-          </a:p>
-          <a:p>
-            <a:pPr>
-              <a:lnSpc>
-                <a:spcPct val="125000"/>
-              </a:lnSpc>
-            </a:pPr>
-            <a:endParaRPr b="0" lang="en-US" sz="1800" spc="-1" strike="noStrike">
-              <a:solidFill>
-                <a:srgbClr val="000000"/>
-              </a:solidFill>
-              <a:uFill>
-                <a:solidFill>
-                  <a:srgbClr val="ffffff"/>
-                </a:solidFill>
-              </a:uFill>
-              <a:latin typeface="Arial"/>
-            </a:endParaRPr>
-          </a:p>
-          <a:p>
-            <a:pPr>
-              <a:lnSpc>
-                <a:spcPct val="125000"/>
-              </a:lnSpc>
-            </a:pPr>
-            <a:endParaRPr b="0" lang="en-US" sz="1800" spc="-1" strike="noStrike">
+            <a:endParaRPr b="0" lang="de-DE" sz="1800" spc="-1" strike="noStrike">
               <a:solidFill>
                 <a:srgbClr val="000000"/>
               </a:solidFill>
@@ -3568,156 +3523,8 @@
         </p:nvSpPr>
         <p:spPr>
           <a:xfrm>
-            <a:off x="1512000" y="25056000"/>
-            <a:ext cx="10631160" cy="4608000"/>
-          </a:xfrm>
-          <a:prstGeom prst="rect">
-            <a:avLst/>
-          </a:prstGeom>
-          <a:solidFill>
-            <a:srgbClr val="ffffff"/>
-          </a:solidFill>
-          <a:ln w="57240">
-            <a:noFill/>
-          </a:ln>
-        </p:spPr>
-        <p:style>
-          <a:lnRef idx="0"/>
-          <a:fillRef idx="0"/>
-          <a:effectRef idx="0"/>
-          <a:fontRef idx="minor"/>
-        </p:style>
-        <p:txBody>
-          <a:bodyPr lIns="182880" rIns="182880" tIns="91440" bIns="182880"/>
-          <a:p>
-            <a:pPr marL="216000" indent="-216000">
-              <a:lnSpc>
-                <a:spcPct val="120000"/>
-              </a:lnSpc>
-              <a:buClr>
-                <a:srgbClr val="000000"/>
-              </a:buClr>
-              <a:buSzPct val="45000"/>
-              <a:buFont typeface="Wingdings" charset="2"/>
-              <a:buChar char=""/>
-            </a:pPr>
-            <a:r>
-              <a:rPr b="0" lang="en-US" sz="2000" spc="-1" strike="noStrike">
-                <a:solidFill>
-                  <a:srgbClr val="000000"/>
-                </a:solidFill>
-                <a:uFill>
-                  <a:solidFill>
-                    <a:srgbClr val="ffffff"/>
-                  </a:solidFill>
-                </a:uFill>
-                <a:latin typeface="Times New Roman"/>
-                <a:ea typeface="ＭＳ Ｐゴシック"/>
-              </a:rPr>
-              <a:t>Andriluka, M., Pishchulin, L., Gehler, P. and Schiele, B., 2014. 2d human pose estimation: New benchmark and state of the art analysis. In Proceedings of the IEEE Conference on computer Vision and Pattern Recognition (pp. 3686-3693).</a:t>
-            </a:r>
-            <a:endParaRPr b="0" lang="en-US" sz="2000" spc="-1" strike="noStrike">
-              <a:solidFill>
-                <a:srgbClr val="000000"/>
-              </a:solidFill>
-              <a:uFill>
-                <a:solidFill>
-                  <a:srgbClr val="ffffff"/>
-                </a:solidFill>
-              </a:uFill>
-              <a:latin typeface="Arial"/>
-            </a:endParaRPr>
-          </a:p>
-          <a:p>
-            <a:pPr marL="216000" indent="-216000">
-              <a:lnSpc>
-                <a:spcPct val="120000"/>
-              </a:lnSpc>
-              <a:buClr>
-                <a:srgbClr val="000000"/>
-              </a:buClr>
-              <a:buSzPct val="45000"/>
-              <a:buFont typeface="Wingdings" charset="2"/>
-              <a:buChar char=""/>
-            </a:pPr>
-            <a:r>
-              <a:rPr b="0" lang="en-US" sz="2000" spc="-1" strike="noStrike">
-                <a:solidFill>
-                  <a:srgbClr val="000000"/>
-                </a:solidFill>
-                <a:uFill>
-                  <a:solidFill>
-                    <a:srgbClr val="ffffff"/>
-                  </a:solidFill>
-                </a:uFill>
-                <a:latin typeface="Times New Roman"/>
-                <a:ea typeface="ＭＳ Ｐゴシック"/>
-              </a:rPr>
-              <a:t>Szegedy, C., Liu, W., Jia, Y., Sermanet, P., Reed, S., Anguelov, D., Erhan, D., Vanhoucke, V. and Rabinovich, A., 2015. Going deeper with convolutions. In Proceedings of the IEEE conference on computer vision and pattern recognition (pp. 1-9).</a:t>
-            </a:r>
-            <a:endParaRPr b="0" lang="en-US" sz="2000" spc="-1" strike="noStrike">
-              <a:solidFill>
-                <a:srgbClr val="000000"/>
-              </a:solidFill>
-              <a:uFill>
-                <a:solidFill>
-                  <a:srgbClr val="ffffff"/>
-                </a:solidFill>
-              </a:uFill>
-              <a:latin typeface="Arial"/>
-            </a:endParaRPr>
-          </a:p>
-          <a:p>
-            <a:pPr marL="216000" indent="-216000">
-              <a:lnSpc>
-                <a:spcPct val="120000"/>
-              </a:lnSpc>
-              <a:buClr>
-                <a:srgbClr val="000000"/>
-              </a:buClr>
-              <a:buSzPct val="45000"/>
-              <a:buFont typeface="Wingdings" charset="2"/>
-              <a:buChar char=""/>
-            </a:pPr>
-            <a:r>
-              <a:rPr b="0" lang="en-US" sz="2000" spc="-1" strike="noStrike">
-                <a:solidFill>
-                  <a:srgbClr val="000000"/>
-                </a:solidFill>
-                <a:uFill>
-                  <a:solidFill>
-                    <a:srgbClr val="ffffff"/>
-                  </a:solidFill>
-                </a:uFill>
-                <a:latin typeface="Times New Roman"/>
-                <a:ea typeface="ＭＳ Ｐゴシック"/>
-              </a:rPr>
-              <a:t>Zhou, B., Khosla, A., Lapedriza, A., Oliva, A. and Torralba, A., 2016. Learning deep features for discriminative localization. In Proceedings of the IEEE Conference on Computer Vision and Pattern Recognition (pp. 2921-2929).</a:t>
-            </a:r>
-            <a:endParaRPr b="0" lang="en-US" sz="2000" spc="-1" strike="noStrike">
-              <a:solidFill>
-                <a:srgbClr val="000000"/>
-              </a:solidFill>
-              <a:uFill>
-                <a:solidFill>
-                  <a:srgbClr val="ffffff"/>
-                </a:solidFill>
-              </a:uFill>
-              <a:latin typeface="Arial"/>
-            </a:endParaRPr>
-          </a:p>
-        </p:txBody>
-      </p:sp>
-      <p:sp>
-        <p:nvSpPr>
-          <p:cNvPr id="52" name="CustomShape 8"/>
-          <p:cNvSpPr/>
-          <p:nvPr/>
-        </p:nvSpPr>
-        <p:spPr>
-          <a:xfrm>
             <a:off x="30866040" y="16152120"/>
-            <a:ext cx="10577880" cy="8832240"/>
+            <a:ext cx="10577520" cy="8831880"/>
           </a:xfrm>
           <a:prstGeom prst="rect">
             <a:avLst/>
@@ -3742,7 +3549,7 @@
               </a:lnSpc>
             </a:pPr>
             <a:r>
-              <a:rPr b="1" lang="en-US" sz="2800" spc="-1" strike="noStrike">
+              <a:rPr b="1" lang="de-DE" sz="2800" spc="-1" strike="noStrike">
                 <a:solidFill>
                   <a:srgbClr val="000000"/>
                 </a:solidFill>
@@ -3756,7 +3563,7 @@
               </a:rPr>
               <a:t>Temporal Analysis with SVM</a:t>
             </a:r>
-            <a:endParaRPr b="0" lang="en-US" sz="1800" spc="-1" strike="noStrike">
+            <a:endParaRPr b="0" lang="de-DE" sz="1800" spc="-1" strike="noStrike">
               <a:solidFill>
                 <a:srgbClr val="000000"/>
               </a:solidFill>
@@ -3774,7 +3581,7 @@
                 <a:spcPct val="125000"/>
               </a:lnSpc>
             </a:pPr>
-            <a:endParaRPr b="0" lang="en-US" sz="1800" spc="-1" strike="noStrike">
+            <a:endParaRPr b="0" lang="de-DE" sz="1800" spc="-1" strike="noStrike">
               <a:solidFill>
                 <a:srgbClr val="000000"/>
               </a:solidFill>
@@ -3790,14 +3597,14 @@
       </p:sp>
       <p:sp>
         <p:nvSpPr>
-          <p:cNvPr id="53" name="CustomShape 9"/>
+          <p:cNvPr id="52" name="CustomShape 8"/>
           <p:cNvSpPr/>
           <p:nvPr/>
         </p:nvSpPr>
         <p:spPr>
           <a:xfrm>
             <a:off x="1584000" y="23841360"/>
-            <a:ext cx="10552320" cy="854640"/>
+            <a:ext cx="10551960" cy="854280"/>
           </a:xfrm>
           <a:prstGeom prst="rect">
             <a:avLst/>
@@ -3811,7 +3618,7 @@
                 <a:srgbClr val="009999"/>
               </a:gs>
             </a:gsLst>
-            <a:path path="circle"/>
+            <a:lin ang="0"/>
           </a:gradFill>
           <a:ln w="19080">
             <a:noFill/>
@@ -3832,7 +3639,7 @@
               </a:lnSpc>
             </a:pPr>
             <a:r>
-              <a:rPr b="1" lang="en-US" sz="4400" spc="-1" strike="noStrike">
+              <a:rPr b="1" lang="de-DE" sz="4400" spc="-1" strike="noStrike">
                 <a:solidFill>
                   <a:srgbClr val="ffffff"/>
                 </a:solidFill>
@@ -3846,7 +3653,7 @@
               </a:rPr>
               <a:t>References</a:t>
             </a:r>
-            <a:endParaRPr b="0" lang="en-US" sz="1800" spc="-1" strike="noStrike">
+            <a:endParaRPr b="0" lang="de-DE" sz="1800" spc="-1" strike="noStrike">
               <a:solidFill>
                 <a:srgbClr val="000000"/>
               </a:solidFill>
@@ -3862,14 +3669,14 @@
       </p:sp>
       <p:sp>
         <p:nvSpPr>
-          <p:cNvPr id="54" name="CustomShape 10"/>
+          <p:cNvPr id="53" name="CustomShape 9"/>
           <p:cNvSpPr/>
           <p:nvPr/>
         </p:nvSpPr>
         <p:spPr>
           <a:xfrm>
             <a:off x="13178880" y="5628960"/>
-            <a:ext cx="16819560" cy="854640"/>
+            <a:ext cx="16819200" cy="854280"/>
           </a:xfrm>
           <a:prstGeom prst="rect">
             <a:avLst/>
@@ -3883,7 +3690,7 @@
                 <a:srgbClr val="009999"/>
               </a:gs>
             </a:gsLst>
-            <a:path path="circle"/>
+            <a:lin ang="0"/>
           </a:gradFill>
           <a:ln w="19080">
             <a:noFill/>
@@ -3904,7 +3711,7 @@
               </a:lnSpc>
             </a:pPr>
             <a:r>
-              <a:rPr b="1" lang="en-US" sz="4400" spc="-1" strike="noStrike">
+              <a:rPr b="1" lang="de-DE" sz="4400" spc="-1" strike="noStrike">
                 <a:solidFill>
                   <a:srgbClr val="ffffff"/>
                 </a:solidFill>
@@ -3918,7 +3725,7 @@
               </a:rPr>
               <a:t>Materials and Methods                </a:t>
             </a:r>
-            <a:endParaRPr b="0" lang="en-US" sz="1800" spc="-1" strike="noStrike">
+            <a:endParaRPr b="0" lang="de-DE" sz="1800" spc="-1" strike="noStrike">
               <a:solidFill>
                 <a:srgbClr val="000000"/>
               </a:solidFill>
@@ -3934,14 +3741,14 @@
       </p:sp>
       <p:sp>
         <p:nvSpPr>
-          <p:cNvPr id="55" name="CustomShape 11"/>
+          <p:cNvPr id="54" name="CustomShape 10"/>
           <p:cNvSpPr/>
           <p:nvPr/>
         </p:nvSpPr>
         <p:spPr>
           <a:xfrm>
             <a:off x="30868200" y="5624280"/>
-            <a:ext cx="10563840" cy="854640"/>
+            <a:ext cx="10563480" cy="854280"/>
           </a:xfrm>
           <a:prstGeom prst="rect">
             <a:avLst/>
@@ -3955,7 +3762,7 @@
                 <a:srgbClr val="009999"/>
               </a:gs>
             </a:gsLst>
-            <a:path path="circle"/>
+            <a:lin ang="0"/>
           </a:gradFill>
           <a:ln w="19080">
             <a:noFill/>
@@ -3976,7 +3783,7 @@
               </a:lnSpc>
             </a:pPr>
             <a:r>
-              <a:rPr b="1" lang="en-US" sz="4400" spc="-1" strike="noStrike">
+              <a:rPr b="1" lang="de-DE" sz="4400" spc="-1" strike="noStrike">
                 <a:solidFill>
                   <a:srgbClr val="ffffff"/>
                 </a:solidFill>
@@ -3990,7 +3797,7 @@
               </a:rPr>
               <a:t>Results</a:t>
             </a:r>
-            <a:endParaRPr b="0" lang="en-US" sz="1800" spc="-1" strike="noStrike">
+            <a:endParaRPr b="0" lang="de-DE" sz="1800" spc="-1" strike="noStrike">
               <a:solidFill>
                 <a:srgbClr val="000000"/>
               </a:solidFill>
@@ -4006,13 +3813,13 @@
       </p:sp>
       <p:graphicFrame>
         <p:nvGraphicFramePr>
-          <p:cNvPr id="56" name="Table 12"/>
+          <p:cNvPr id="55" name="Table 11"/>
           <p:cNvGraphicFramePr/>
           <p:nvPr/>
         </p:nvGraphicFramePr>
         <p:xfrm>
           <a:off x="31165200" y="17183880"/>
-          <a:ext cx="9969120" cy="1830240"/>
+          <a:ext cx="9969120" cy="1829880"/>
         </p:xfrm>
         <a:graphic>
           <a:graphicData uri="http://schemas.openxmlformats.org/drawingml/2006/table">
@@ -4061,7 +3868,7 @@
                         </a:lnSpc>
                       </a:pPr>
                       <a:r>
-                        <a:rPr b="1" lang="en-US" sz="1800" spc="-1" strike="noStrike">
+                        <a:rPr b="1" lang="de-DE" sz="1800" spc="-1" strike="noStrike">
                           <a:solidFill>
                             <a:srgbClr val="ffffff"/>
                           </a:solidFill>
@@ -4075,7 +3882,7 @@
                         </a:rPr>
                         <a:t>Training Accuracy</a:t>
                       </a:r>
-                      <a:endParaRPr b="0" lang="en-US" sz="1800" spc="-1" strike="noStrike">
+                      <a:endParaRPr b="0" lang="de-DE" sz="1800" spc="-1" strike="noStrike">
                         <a:solidFill>
                           <a:srgbClr val="000000"/>
                         </a:solidFill>
@@ -4124,7 +3931,7 @@
                         </a:lnSpc>
                       </a:pPr>
                       <a:r>
-                        <a:rPr b="1" lang="en-US" sz="1800" spc="-1" strike="noStrike">
+                        <a:rPr b="1" lang="de-DE" sz="1800" spc="-1" strike="noStrike">
                           <a:solidFill>
                             <a:srgbClr val="ffffff"/>
                           </a:solidFill>
@@ -4138,7 +3945,7 @@
                         </a:rPr>
                         <a:t>Testing accuracy</a:t>
                       </a:r>
-                      <a:endParaRPr b="0" lang="en-US" sz="1800" spc="-1" strike="noStrike">
+                      <a:endParaRPr b="0" lang="de-DE" sz="1800" spc="-1" strike="noStrike">
                         <a:solidFill>
                           <a:srgbClr val="000000"/>
                         </a:solidFill>
@@ -4189,7 +3996,7 @@
                         </a:lnSpc>
                       </a:pPr>
                       <a:r>
-                        <a:rPr b="0" lang="en-US" sz="1800" spc="-1" strike="noStrike">
+                        <a:rPr b="0" lang="de-DE" sz="1800" spc="-1" strike="noStrike">
                           <a:solidFill>
                             <a:srgbClr val="000000"/>
                           </a:solidFill>
@@ -4203,7 +4010,7 @@
                         </a:rPr>
                         <a:t>3 frames with spacing 5</a:t>
                       </a:r>
-                      <a:endParaRPr b="0" lang="en-US" sz="1800" spc="-1" strike="noStrike">
+                      <a:endParaRPr b="0" lang="de-DE" sz="1800" spc="-1" strike="noStrike">
                         <a:solidFill>
                           <a:srgbClr val="000000"/>
                         </a:solidFill>
@@ -4252,7 +4059,7 @@
                         </a:lnSpc>
                       </a:pPr>
                       <a:r>
-                        <a:rPr b="0" lang="en-US" sz="1800" spc="-1" strike="noStrike">
+                        <a:rPr b="0" lang="de-DE" sz="1800" spc="-1" strike="noStrike">
                           <a:solidFill>
                             <a:srgbClr val="000000"/>
                           </a:solidFill>
@@ -4266,7 +4073,7 @@
                         </a:rPr>
                         <a:t>77.6%</a:t>
                       </a:r>
-                      <a:endParaRPr b="0" lang="en-US" sz="1800" spc="-1" strike="noStrike">
+                      <a:endParaRPr b="0" lang="de-DE" sz="1800" spc="-1" strike="noStrike">
                         <a:solidFill>
                           <a:srgbClr val="000000"/>
                         </a:solidFill>
@@ -4315,7 +4122,7 @@
                         </a:lnSpc>
                       </a:pPr>
                       <a:r>
-                        <a:rPr b="0" lang="en-US" sz="1800" spc="-1" strike="noStrike">
+                        <a:rPr b="0" lang="de-DE" sz="1800" spc="-1" strike="noStrike">
                           <a:solidFill>
                             <a:srgbClr val="000000"/>
                           </a:solidFill>
@@ -4329,7 +4136,7 @@
                         </a:rPr>
                         <a:t>47.4%</a:t>
                       </a:r>
-                      <a:endParaRPr b="0" lang="en-US" sz="1800" spc="-1" strike="noStrike">
+                      <a:endParaRPr b="0" lang="de-DE" sz="1800" spc="-1" strike="noStrike">
                         <a:solidFill>
                           <a:srgbClr val="000000"/>
                         </a:solidFill>
@@ -4380,7 +4187,7 @@
                         </a:lnSpc>
                       </a:pPr>
                       <a:r>
-                        <a:rPr b="0" lang="en-US" sz="1800" spc="-1" strike="noStrike">
+                        <a:rPr b="0" lang="de-DE" sz="1800" spc="-1" strike="noStrike">
                           <a:solidFill>
                             <a:srgbClr val="000000"/>
                           </a:solidFill>
@@ -4394,7 +4201,7 @@
                         </a:rPr>
                         <a:t>5 frames with spacing 5</a:t>
                       </a:r>
-                      <a:endParaRPr b="0" lang="en-US" sz="1800" spc="-1" strike="noStrike">
+                      <a:endParaRPr b="0" lang="de-DE" sz="1800" spc="-1" strike="noStrike">
                         <a:solidFill>
                           <a:srgbClr val="000000"/>
                         </a:solidFill>
@@ -4443,7 +4250,7 @@
                         </a:lnSpc>
                       </a:pPr>
                       <a:r>
-                        <a:rPr b="0" lang="en-US" sz="1800" spc="-1" strike="noStrike">
+                        <a:rPr b="0" lang="de-DE" sz="1800" spc="-1" strike="noStrike">
                           <a:solidFill>
                             <a:srgbClr val="000000"/>
                           </a:solidFill>
@@ -4457,7 +4264,7 @@
                         </a:rPr>
                         <a:t>88.9%</a:t>
                       </a:r>
-                      <a:endParaRPr b="0" lang="en-US" sz="1800" spc="-1" strike="noStrike">
+                      <a:endParaRPr b="0" lang="de-DE" sz="1800" spc="-1" strike="noStrike">
                         <a:solidFill>
                           <a:srgbClr val="000000"/>
                         </a:solidFill>
@@ -4506,7 +4313,7 @@
                         </a:lnSpc>
                       </a:pPr>
                       <a:r>
-                        <a:rPr b="0" lang="en-US" sz="1800" spc="-1" strike="noStrike">
+                        <a:rPr b="0" lang="de-DE" sz="1800" spc="-1" strike="noStrike">
                           <a:solidFill>
                             <a:srgbClr val="000000"/>
                           </a:solidFill>
@@ -4520,7 +4327,7 @@
                         </a:rPr>
                         <a:t>48.4%</a:t>
                       </a:r>
-                      <a:endParaRPr b="0" lang="en-US" sz="1800" spc="-1" strike="noStrike">
+                      <a:endParaRPr b="0" lang="de-DE" sz="1800" spc="-1" strike="noStrike">
                         <a:solidFill>
                           <a:srgbClr val="000000"/>
                         </a:solidFill>
@@ -4571,7 +4378,7 @@
                         </a:lnSpc>
                       </a:pPr>
                       <a:r>
-                        <a:rPr b="0" lang="en-US" sz="1800" spc="-1" strike="noStrike">
+                        <a:rPr b="0" lang="de-DE" sz="1800" spc="-1" strike="noStrike">
                           <a:solidFill>
                             <a:srgbClr val="000000"/>
                           </a:solidFill>
@@ -4585,7 +4392,7 @@
                         </a:rPr>
                         <a:t>7 frames with spacing 5</a:t>
                       </a:r>
-                      <a:endParaRPr b="0" lang="en-US" sz="1800" spc="-1" strike="noStrike">
+                      <a:endParaRPr b="0" lang="de-DE" sz="1800" spc="-1" strike="noStrike">
                         <a:solidFill>
                           <a:srgbClr val="000000"/>
                         </a:solidFill>
@@ -4634,7 +4441,7 @@
                         </a:lnSpc>
                       </a:pPr>
                       <a:r>
-                        <a:rPr b="0" lang="en-US" sz="1800" spc="-1" strike="noStrike">
+                        <a:rPr b="0" lang="de-DE" sz="1800" spc="-1" strike="noStrike">
                           <a:solidFill>
                             <a:srgbClr val="000000"/>
                           </a:solidFill>
@@ -4648,7 +4455,7 @@
                         </a:rPr>
                         <a:t>95.2%</a:t>
                       </a:r>
-                      <a:endParaRPr b="0" lang="en-US" sz="1800" spc="-1" strike="noStrike">
+                      <a:endParaRPr b="0" lang="de-DE" sz="1800" spc="-1" strike="noStrike">
                         <a:solidFill>
                           <a:srgbClr val="000000"/>
                         </a:solidFill>
@@ -4697,7 +4504,7 @@
                         </a:lnSpc>
                       </a:pPr>
                       <a:r>
-                        <a:rPr b="0" lang="en-US" sz="1800" spc="-1" strike="noStrike">
+                        <a:rPr b="0" lang="de-DE" sz="1800" spc="-1" strike="noStrike">
                           <a:solidFill>
                             <a:srgbClr val="000000"/>
                           </a:solidFill>
@@ -4711,7 +4518,7 @@
                         </a:rPr>
                         <a:t>52.6%</a:t>
                       </a:r>
-                      <a:endParaRPr b="0" lang="en-US" sz="1800" spc="-1" strike="noStrike">
+                      <a:endParaRPr b="0" lang="de-DE" sz="1800" spc="-1" strike="noStrike">
                         <a:solidFill>
                           <a:srgbClr val="000000"/>
                         </a:solidFill>
@@ -4751,7 +4558,7 @@
                   </a:tcPr>
                 </a:tc>
               </a:tr>
-              <a:tr h="367200">
+              <a:tr h="366840">
                 <a:tc>
                   <a:txBody>
                     <a:bodyPr/>
@@ -4762,7 +4569,7 @@
                         </a:lnSpc>
                       </a:pPr>
                       <a:r>
-                        <a:rPr b="0" lang="en-US" sz="1800" spc="-1" strike="noStrike">
+                        <a:rPr b="0" lang="de-DE" sz="1800" spc="-1" strike="noStrike">
                           <a:solidFill>
                             <a:srgbClr val="000000"/>
                           </a:solidFill>
@@ -4776,7 +4583,7 @@
                         </a:rPr>
                         <a:t>9 frames with spacing 4</a:t>
                       </a:r>
-                      <a:endParaRPr b="0" lang="en-US" sz="1800" spc="-1" strike="noStrike">
+                      <a:endParaRPr b="0" lang="de-DE" sz="1800" spc="-1" strike="noStrike">
                         <a:solidFill>
                           <a:srgbClr val="000000"/>
                         </a:solidFill>
@@ -4825,7 +4632,7 @@
                         </a:lnSpc>
                       </a:pPr>
                       <a:r>
-                        <a:rPr b="0" lang="en-US" sz="1800" spc="-1" strike="noStrike">
+                        <a:rPr b="0" lang="de-DE" sz="1800" spc="-1" strike="noStrike">
                           <a:solidFill>
                             <a:srgbClr val="000000"/>
                           </a:solidFill>
@@ -4839,7 +4646,7 @@
                         </a:rPr>
                         <a:t>97.3%</a:t>
                       </a:r>
-                      <a:endParaRPr b="0" lang="en-US" sz="1800" spc="-1" strike="noStrike">
+                      <a:endParaRPr b="0" lang="de-DE" sz="1800" spc="-1" strike="noStrike">
                         <a:solidFill>
                           <a:srgbClr val="000000"/>
                         </a:solidFill>
@@ -4888,7 +4695,7 @@
                         </a:lnSpc>
                       </a:pPr>
                       <a:r>
-                        <a:rPr b="0" lang="en-US" sz="1800" spc="-1" strike="noStrike">
+                        <a:rPr b="0" lang="de-DE" sz="1800" spc="-1" strike="noStrike">
                           <a:solidFill>
                             <a:srgbClr val="000000"/>
                           </a:solidFill>
@@ -4902,7 +4709,7 @@
                         </a:rPr>
                         <a:t>50.3%</a:t>
                       </a:r>
-                      <a:endParaRPr b="0" lang="en-US" sz="1800" spc="-1" strike="noStrike">
+                      <a:endParaRPr b="0" lang="de-DE" sz="1800" spc="-1" strike="noStrike">
                         <a:solidFill>
                           <a:srgbClr val="000000"/>
                         </a:solidFill>
@@ -4948,7 +4755,7 @@
       </p:graphicFrame>
       <p:pic>
         <p:nvPicPr>
-          <p:cNvPr id="57" name="Grafik 9" descr=""/>
+          <p:cNvPr id="56" name="Grafik 9" descr=""/>
           <p:cNvPicPr/>
           <p:nvPr/>
         </p:nvPicPr>
@@ -4959,7 +4766,7 @@
         <p:spPr>
           <a:xfrm>
             <a:off x="33384600" y="19202760"/>
-            <a:ext cx="5531040" cy="3268440"/>
+            <a:ext cx="5530680" cy="3268080"/>
           </a:xfrm>
           <a:prstGeom prst="rect">
             <a:avLst/>
@@ -4971,14 +4778,14 @@
       </p:pic>
       <p:sp>
         <p:nvSpPr>
-          <p:cNvPr id="58" name="CustomShape 13"/>
+          <p:cNvPr id="57" name="CustomShape 12"/>
           <p:cNvSpPr/>
           <p:nvPr/>
         </p:nvSpPr>
         <p:spPr>
           <a:xfrm>
             <a:off x="30866040" y="23263560"/>
-            <a:ext cx="10577880" cy="943560"/>
+            <a:ext cx="10577520" cy="943200"/>
           </a:xfrm>
           <a:prstGeom prst="rect">
             <a:avLst/>
@@ -4997,7 +4804,7 @@
         <p:txBody>
           <a:bodyPr lIns="90000" rIns="90000" tIns="45000" bIns="45000"/>
           <a:p>
-            <a:pPr marL="285840" indent="-285480">
+            <a:pPr marL="285840" indent="-285120">
               <a:lnSpc>
                 <a:spcPct val="100000"/>
               </a:lnSpc>
@@ -5008,7 +4815,7 @@
               <a:buChar char="•"/>
             </a:pPr>
             <a:r>
-              <a:rPr b="0" lang="en-US" sz="2800" spc="-1" strike="noStrike">
+              <a:rPr b="0" lang="de-DE" sz="2800" spc="-1" strike="noStrike">
                 <a:solidFill>
                   <a:srgbClr val="000000"/>
                 </a:solidFill>
@@ -5022,7 +4829,7 @@
               </a:rPr>
               <a:t>The accuracy is increasing with more temporal information</a:t>
             </a:r>
-            <a:endParaRPr b="0" lang="en-US" sz="1800" spc="-1" strike="noStrike">
+            <a:endParaRPr b="0" lang="de-DE" sz="1800" spc="-1" strike="noStrike">
               <a:solidFill>
                 <a:srgbClr val="000000"/>
               </a:solidFill>
@@ -5040,7 +4847,7 @@
                 <a:spcPct val="100000"/>
               </a:lnSpc>
             </a:pPr>
-            <a:endParaRPr b="0" lang="en-US" sz="1800" spc="-1" strike="noStrike">
+            <a:endParaRPr b="0" lang="de-DE" sz="1800" spc="-1" strike="noStrike">
               <a:solidFill>
                 <a:srgbClr val="000000"/>
               </a:solidFill>
@@ -5056,7 +4863,7 @@
       </p:sp>
       <p:pic>
         <p:nvPicPr>
-          <p:cNvPr id="59" name="Grafik 3" descr=""/>
+          <p:cNvPr id="58" name="Grafik 3" descr=""/>
           <p:cNvPicPr/>
           <p:nvPr/>
         </p:nvPicPr>
@@ -5067,7 +4874,7 @@
         <p:spPr>
           <a:xfrm>
             <a:off x="22406760" y="23847120"/>
-            <a:ext cx="7617240" cy="5384880"/>
+            <a:ext cx="7616880" cy="5384520"/>
           </a:xfrm>
           <a:prstGeom prst="rect">
             <a:avLst/>
@@ -5079,14 +4886,14 @@
       </p:pic>
       <p:sp>
         <p:nvSpPr>
-          <p:cNvPr id="60" name="CustomShape 14"/>
+          <p:cNvPr id="59" name="CustomShape 13"/>
           <p:cNvSpPr/>
           <p:nvPr/>
         </p:nvSpPr>
         <p:spPr>
           <a:xfrm>
-            <a:off x="12960000" y="24552000"/>
-            <a:ext cx="9201960" cy="4675680"/>
+            <a:off x="12960000" y="24048000"/>
+            <a:ext cx="9201600" cy="4675320"/>
           </a:xfrm>
           <a:prstGeom prst="rect">
             <a:avLst/>
@@ -5111,7 +4918,7 @@
               </a:lnSpc>
             </a:pPr>
             <a:r>
-              <a:rPr b="1" lang="en-US" sz="2800" spc="-1" strike="noStrike">
+              <a:rPr b="1" lang="de-DE" sz="2800" spc="-1" strike="noStrike">
                 <a:solidFill>
                   <a:srgbClr val="000000"/>
                 </a:solidFill>
@@ -5125,20 +4932,20 @@
               </a:rPr>
               <a:t>Temporal Analysis with SVM</a:t>
             </a:r>
-            <a:endParaRPr b="0" lang="en-US" sz="1800" spc="-1" strike="noStrike">
-              <a:solidFill>
-                <a:srgbClr val="000000"/>
-              </a:solidFill>
-              <a:uFill>
-                <a:solidFill>
-                  <a:srgbClr val="ffffff"/>
-                </a:solidFill>
-              </a:uFill>
-              <a:latin typeface="Arial"/>
-            </a:endParaRPr>
-          </a:p>
-          <a:p>
-            <a:pPr marL="343080" indent="-342720">
+            <a:endParaRPr b="0" lang="de-DE" sz="1800" spc="-1" strike="noStrike">
+              <a:solidFill>
+                <a:srgbClr val="000000"/>
+              </a:solidFill>
+              <a:uFill>
+                <a:solidFill>
+                  <a:srgbClr val="ffffff"/>
+                </a:solidFill>
+              </a:uFill>
+              <a:latin typeface="Arial"/>
+            </a:endParaRPr>
+          </a:p>
+          <a:p>
+            <a:pPr marL="343080" indent="-342360">
               <a:lnSpc>
                 <a:spcPct val="125000"/>
               </a:lnSpc>
@@ -5149,7 +4956,7 @@
               <a:buChar char="•"/>
             </a:pPr>
             <a:r>
-              <a:rPr b="0" lang="en-US" sz="2800" spc="-1" strike="noStrike">
+              <a:rPr b="0" lang="de-DE" sz="2800" spc="-1" strike="noStrike">
                 <a:solidFill>
                   <a:srgbClr val="000000"/>
                 </a:solidFill>
@@ -5163,20 +4970,20 @@
               </a:rPr>
               <a:t>We use 3, 5, 7 or 9 frames with a distance of 5 frames (For 9 frames, 4 frames distance is used)</a:t>
             </a:r>
-            <a:endParaRPr b="0" lang="en-US" sz="1800" spc="-1" strike="noStrike">
-              <a:solidFill>
-                <a:srgbClr val="000000"/>
-              </a:solidFill>
-              <a:uFill>
-                <a:solidFill>
-                  <a:srgbClr val="ffffff"/>
-                </a:solidFill>
-              </a:uFill>
-              <a:latin typeface="Arial"/>
-            </a:endParaRPr>
-          </a:p>
-          <a:p>
-            <a:pPr marL="343080" indent="-342720">
+            <a:endParaRPr b="0" lang="de-DE" sz="1800" spc="-1" strike="noStrike">
+              <a:solidFill>
+                <a:srgbClr val="000000"/>
+              </a:solidFill>
+              <a:uFill>
+                <a:solidFill>
+                  <a:srgbClr val="ffffff"/>
+                </a:solidFill>
+              </a:uFill>
+              <a:latin typeface="Arial"/>
+            </a:endParaRPr>
+          </a:p>
+          <a:p>
+            <a:pPr marL="343080" indent="-342360">
               <a:lnSpc>
                 <a:spcPct val="125000"/>
               </a:lnSpc>
@@ -5187,7 +4994,7 @@
               <a:buChar char="•"/>
             </a:pPr>
             <a:r>
-              <a:rPr b="0" lang="en-US" sz="2800" spc="-1" strike="noStrike">
+              <a:rPr b="0" lang="de-DE" sz="2800" spc="-1" strike="noStrike">
                 <a:solidFill>
                   <a:srgbClr val="000000"/>
                 </a:solidFill>
@@ -5201,20 +5008,20 @@
               </a:rPr>
               <a:t>Every frame gets processed through the GoogLeNet until the last hidden layer</a:t>
             </a:r>
-            <a:endParaRPr b="0" lang="en-US" sz="1800" spc="-1" strike="noStrike">
-              <a:solidFill>
-                <a:srgbClr val="000000"/>
-              </a:solidFill>
-              <a:uFill>
-                <a:solidFill>
-                  <a:srgbClr val="ffffff"/>
-                </a:solidFill>
-              </a:uFill>
-              <a:latin typeface="Arial"/>
-            </a:endParaRPr>
-          </a:p>
-          <a:p>
-            <a:pPr marL="343080" indent="-342720">
+            <a:endParaRPr b="0" lang="de-DE" sz="1800" spc="-1" strike="noStrike">
+              <a:solidFill>
+                <a:srgbClr val="000000"/>
+              </a:solidFill>
+              <a:uFill>
+                <a:solidFill>
+                  <a:srgbClr val="ffffff"/>
+                </a:solidFill>
+              </a:uFill>
+              <a:latin typeface="Arial"/>
+            </a:endParaRPr>
+          </a:p>
+          <a:p>
+            <a:pPr marL="343080" indent="-342360">
               <a:lnSpc>
                 <a:spcPct val="125000"/>
               </a:lnSpc>
@@ -5225,7 +5032,7 @@
               <a:buChar char="•"/>
             </a:pPr>
             <a:r>
-              <a:rPr b="0" lang="en-US" sz="2800" spc="-1" strike="noStrike">
+              <a:rPr b="0" lang="de-DE" sz="2800" spc="-1" strike="noStrike">
                 <a:solidFill>
                   <a:srgbClr val="000000"/>
                 </a:solidFill>
@@ -5239,20 +5046,20 @@
               </a:rPr>
               <a:t>The output is a feature vector</a:t>
             </a:r>
-            <a:endParaRPr b="0" lang="en-US" sz="1800" spc="-1" strike="noStrike">
-              <a:solidFill>
-                <a:srgbClr val="000000"/>
-              </a:solidFill>
-              <a:uFill>
-                <a:solidFill>
-                  <a:srgbClr val="ffffff"/>
-                </a:solidFill>
-              </a:uFill>
-              <a:latin typeface="Arial"/>
-            </a:endParaRPr>
-          </a:p>
-          <a:p>
-            <a:pPr marL="343080" indent="-342720">
+            <a:endParaRPr b="0" lang="de-DE" sz="1800" spc="-1" strike="noStrike">
+              <a:solidFill>
+                <a:srgbClr val="000000"/>
+              </a:solidFill>
+              <a:uFill>
+                <a:solidFill>
+                  <a:srgbClr val="ffffff"/>
+                </a:solidFill>
+              </a:uFill>
+              <a:latin typeface="Arial"/>
+            </a:endParaRPr>
+          </a:p>
+          <a:p>
+            <a:pPr marL="343080" indent="-342360">
               <a:lnSpc>
                 <a:spcPct val="125000"/>
               </a:lnSpc>
@@ -5263,7 +5070,7 @@
               <a:buChar char="•"/>
             </a:pPr>
             <a:r>
-              <a:rPr b="0" lang="en-US" sz="2800" spc="-1" strike="noStrike">
+              <a:rPr b="0" lang="de-DE" sz="2800" spc="-1" strike="noStrike">
                 <a:solidFill>
                   <a:srgbClr val="000000"/>
                 </a:solidFill>
@@ -5277,7 +5084,7 @@
               </a:rPr>
               <a:t>All of them get concatenated and the final array is one instance for the SVM</a:t>
             </a:r>
-            <a:endParaRPr b="0" lang="en-US" sz="1800" spc="-1" strike="noStrike">
+            <a:endParaRPr b="0" lang="de-DE" sz="1800" spc="-1" strike="noStrike">
               <a:solidFill>
                 <a:srgbClr val="000000"/>
               </a:solidFill>
@@ -5295,7 +5102,7 @@
                 <a:spcPct val="100000"/>
               </a:lnSpc>
             </a:pPr>
-            <a:endParaRPr b="0" lang="en-US" sz="1800" spc="-1" strike="noStrike">
+            <a:endParaRPr b="0" lang="de-DE" sz="1800" spc="-1" strike="noStrike">
               <a:solidFill>
                 <a:srgbClr val="000000"/>
               </a:solidFill>
@@ -5311,14 +5118,14 @@
       </p:sp>
       <p:sp>
         <p:nvSpPr>
-          <p:cNvPr id="61" name="TextShape 15"/>
-          <p:cNvSpPr txBox="1"/>
+          <p:cNvPr id="60" name="CustomShape 14"/>
+          <p:cNvSpPr/>
           <p:nvPr/>
         </p:nvSpPr>
         <p:spPr>
           <a:xfrm>
-            <a:off x="22104000" y="9613080"/>
-            <a:ext cx="7857720" cy="4066920"/>
+            <a:off x="21888000" y="7957440"/>
+            <a:ext cx="7857360" cy="4066560"/>
           </a:xfrm>
           <a:prstGeom prst="rect">
             <a:avLst/>
@@ -5333,250 +5140,328 @@
             <a:noFill/>
           </a:ln>
         </p:spPr>
+        <p:style>
+          <a:lnRef idx="0"/>
+          <a:fillRef idx="0"/>
+          <a:effectRef idx="0"/>
+          <a:fontRef idx="minor"/>
+        </p:style>
         <p:txBody>
           <a:bodyPr lIns="90000" rIns="90000" tIns="45000" bIns="45000" anchor="ctr"/>
           <a:p>
-            <a:pPr algn="ctr"/>
-            <a:endParaRPr b="0" lang="en-US" sz="1800" spc="-1" strike="noStrike">
-              <a:solidFill>
-                <a:srgbClr val="000000"/>
-              </a:solidFill>
-              <a:uFill>
-                <a:solidFill>
-                  <a:srgbClr val="ffffff"/>
-                </a:solidFill>
-              </a:uFill>
-              <a:latin typeface="Arial"/>
-            </a:endParaRPr>
-          </a:p>
-          <a:p>
-            <a:pPr algn="ctr"/>
-            <a:endParaRPr b="0" lang="en-US" sz="1800" spc="-1" strike="noStrike">
-              <a:solidFill>
-                <a:srgbClr val="000000"/>
-              </a:solidFill>
-              <a:uFill>
-                <a:solidFill>
-                  <a:srgbClr val="ffffff"/>
-                </a:solidFill>
-              </a:uFill>
-              <a:latin typeface="Arial"/>
-            </a:endParaRPr>
-          </a:p>
-          <a:p>
-            <a:pPr algn="ctr"/>
-            <a:endParaRPr b="0" lang="en-US" sz="1800" spc="-1" strike="noStrike">
-              <a:solidFill>
-                <a:srgbClr val="000000"/>
-              </a:solidFill>
-              <a:uFill>
-                <a:solidFill>
-                  <a:srgbClr val="ffffff"/>
-                </a:solidFill>
-              </a:uFill>
-              <a:latin typeface="Arial"/>
-            </a:endParaRPr>
-          </a:p>
-          <a:p>
-            <a:pPr algn="ctr"/>
-            <a:endParaRPr b="0" lang="en-US" sz="1800" spc="-1" strike="noStrike">
-              <a:solidFill>
-                <a:srgbClr val="000000"/>
-              </a:solidFill>
-              <a:uFill>
-                <a:solidFill>
-                  <a:srgbClr val="ffffff"/>
-                </a:solidFill>
-              </a:uFill>
-              <a:latin typeface="Arial"/>
-            </a:endParaRPr>
-          </a:p>
-          <a:p>
-            <a:pPr algn="ctr"/>
-            <a:endParaRPr b="0" lang="en-US" sz="1800" spc="-1" strike="noStrike">
-              <a:solidFill>
-                <a:srgbClr val="000000"/>
-              </a:solidFill>
-              <a:uFill>
-                <a:solidFill>
-                  <a:srgbClr val="ffffff"/>
-                </a:solidFill>
-              </a:uFill>
-              <a:latin typeface="Arial"/>
-            </a:endParaRPr>
-          </a:p>
-          <a:p>
-            <a:pPr algn="ctr"/>
-            <a:endParaRPr b="0" lang="en-US" sz="1800" spc="-1" strike="noStrike">
-              <a:solidFill>
-                <a:srgbClr val="000000"/>
-              </a:solidFill>
-              <a:uFill>
-                <a:solidFill>
-                  <a:srgbClr val="ffffff"/>
-                </a:solidFill>
-              </a:uFill>
-              <a:latin typeface="Arial"/>
-            </a:endParaRPr>
-          </a:p>
-          <a:p>
-            <a:pPr algn="ctr"/>
-            <a:endParaRPr b="0" lang="en-US" sz="1800" spc="-1" strike="noStrike">
-              <a:solidFill>
-                <a:srgbClr val="000000"/>
-              </a:solidFill>
-              <a:uFill>
-                <a:solidFill>
-                  <a:srgbClr val="ffffff"/>
-                </a:solidFill>
-              </a:uFill>
-              <a:latin typeface="Arial"/>
-            </a:endParaRPr>
-          </a:p>
-          <a:p>
-            <a:pPr algn="ctr"/>
-            <a:endParaRPr b="0" lang="en-US" sz="1800" spc="-1" strike="noStrike">
-              <a:solidFill>
-                <a:srgbClr val="000000"/>
-              </a:solidFill>
-              <a:uFill>
-                <a:solidFill>
-                  <a:srgbClr val="ffffff"/>
-                </a:solidFill>
-              </a:uFill>
-              <a:latin typeface="Arial"/>
-            </a:endParaRPr>
-          </a:p>
-          <a:p>
-            <a:pPr algn="ctr"/>
-            <a:endParaRPr b="0" lang="en-US" sz="1800" spc="-1" strike="noStrike">
-              <a:solidFill>
-                <a:srgbClr val="000000"/>
-              </a:solidFill>
-              <a:uFill>
-                <a:solidFill>
-                  <a:srgbClr val="ffffff"/>
-                </a:solidFill>
-              </a:uFill>
-              <a:latin typeface="Arial"/>
-            </a:endParaRPr>
-          </a:p>
-          <a:p>
-            <a:pPr algn="ctr"/>
-            <a:endParaRPr b="0" lang="en-US" sz="1800" spc="-1" strike="noStrike">
-              <a:solidFill>
-                <a:srgbClr val="000000"/>
-              </a:solidFill>
-              <a:uFill>
-                <a:solidFill>
-                  <a:srgbClr val="ffffff"/>
-                </a:solidFill>
-              </a:uFill>
-              <a:latin typeface="Arial"/>
-            </a:endParaRPr>
-          </a:p>
-          <a:p>
-            <a:pPr algn="ctr"/>
-            <a:endParaRPr b="0" lang="en-US" sz="1800" spc="-1" strike="noStrike">
-              <a:solidFill>
-                <a:srgbClr val="000000"/>
-              </a:solidFill>
-              <a:uFill>
-                <a:solidFill>
-                  <a:srgbClr val="ffffff"/>
-                </a:solidFill>
-              </a:uFill>
-              <a:latin typeface="Arial"/>
-            </a:endParaRPr>
-          </a:p>
-          <a:p>
-            <a:pPr algn="ctr"/>
-            <a:endParaRPr b="0" lang="en-US" sz="1800" spc="-1" strike="noStrike">
-              <a:solidFill>
-                <a:srgbClr val="000000"/>
-              </a:solidFill>
-              <a:uFill>
-                <a:solidFill>
-                  <a:srgbClr val="ffffff"/>
-                </a:solidFill>
-              </a:uFill>
-              <a:latin typeface="Arial"/>
-            </a:endParaRPr>
-          </a:p>
-          <a:p>
-            <a:pPr algn="ctr"/>
-            <a:endParaRPr b="0" lang="en-US" sz="1800" spc="-1" strike="noStrike">
-              <a:solidFill>
-                <a:srgbClr val="000000"/>
-              </a:solidFill>
-              <a:uFill>
-                <a:solidFill>
-                  <a:srgbClr val="ffffff"/>
-                </a:solidFill>
-              </a:uFill>
-              <a:latin typeface="Arial"/>
-            </a:endParaRPr>
-          </a:p>
-          <a:p>
-            <a:pPr algn="ctr"/>
-            <a:endParaRPr b="0" lang="en-US" sz="1800" spc="-1" strike="noStrike">
-              <a:solidFill>
-                <a:srgbClr val="000000"/>
-              </a:solidFill>
-              <a:uFill>
-                <a:solidFill>
-                  <a:srgbClr val="ffffff"/>
-                </a:solidFill>
-              </a:uFill>
-              <a:latin typeface="Arial"/>
-            </a:endParaRPr>
-          </a:p>
-          <a:p>
-            <a:pPr algn="ctr"/>
-            <a:endParaRPr b="0" lang="en-US" sz="1800" spc="-1" strike="noStrike">
-              <a:solidFill>
-                <a:srgbClr val="000000"/>
-              </a:solidFill>
-              <a:uFill>
-                <a:solidFill>
-                  <a:srgbClr val="ffffff"/>
-                </a:solidFill>
-              </a:uFill>
-              <a:latin typeface="Arial"/>
-            </a:endParaRPr>
-          </a:p>
-          <a:p>
-            <a:pPr algn="ctr"/>
-            <a:endParaRPr b="0" lang="en-US" sz="1800" spc="-1" strike="noStrike">
-              <a:solidFill>
-                <a:srgbClr val="000000"/>
-              </a:solidFill>
-              <a:uFill>
-                <a:solidFill>
-                  <a:srgbClr val="ffffff"/>
-                </a:solidFill>
-              </a:uFill>
-              <a:latin typeface="Arial"/>
-            </a:endParaRPr>
-          </a:p>
-          <a:p>
-            <a:pPr algn="ctr"/>
-            <a:endParaRPr b="0" lang="en-US" sz="1800" spc="-1" strike="noStrike">
-              <a:solidFill>
-                <a:srgbClr val="000000"/>
-              </a:solidFill>
-              <a:uFill>
-                <a:solidFill>
-                  <a:srgbClr val="ffffff"/>
-                </a:solidFill>
-              </a:uFill>
-              <a:latin typeface="Arial"/>
-            </a:endParaRPr>
-          </a:p>
-          <a:p>
-            <a:pPr algn="ctr"/>
+            <a:pPr algn="ctr">
+              <a:lnSpc>
+                <a:spcPct val="100000"/>
+              </a:lnSpc>
+            </a:pPr>
+            <a:endParaRPr b="0" lang="de-DE" sz="1800" spc="-1" strike="noStrike">
+              <a:solidFill>
+                <a:srgbClr val="000000"/>
+              </a:solidFill>
+              <a:uFill>
+                <a:solidFill>
+                  <a:srgbClr val="ffffff"/>
+                </a:solidFill>
+              </a:uFill>
+              <a:latin typeface="Arial"/>
+            </a:endParaRPr>
+          </a:p>
+          <a:p>
+            <a:pPr algn="ctr">
+              <a:lnSpc>
+                <a:spcPct val="100000"/>
+              </a:lnSpc>
+            </a:pPr>
+            <a:endParaRPr b="0" lang="de-DE" sz="1800" spc="-1" strike="noStrike">
+              <a:solidFill>
+                <a:srgbClr val="000000"/>
+              </a:solidFill>
+              <a:uFill>
+                <a:solidFill>
+                  <a:srgbClr val="ffffff"/>
+                </a:solidFill>
+              </a:uFill>
+              <a:latin typeface="Arial"/>
+            </a:endParaRPr>
+          </a:p>
+          <a:p>
+            <a:pPr algn="ctr">
+              <a:lnSpc>
+                <a:spcPct val="100000"/>
+              </a:lnSpc>
+            </a:pPr>
+            <a:endParaRPr b="0" lang="de-DE" sz="1800" spc="-1" strike="noStrike">
+              <a:solidFill>
+                <a:srgbClr val="000000"/>
+              </a:solidFill>
+              <a:uFill>
+                <a:solidFill>
+                  <a:srgbClr val="ffffff"/>
+                </a:solidFill>
+              </a:uFill>
+              <a:latin typeface="Arial"/>
+            </a:endParaRPr>
+          </a:p>
+          <a:p>
+            <a:pPr algn="ctr">
+              <a:lnSpc>
+                <a:spcPct val="100000"/>
+              </a:lnSpc>
+            </a:pPr>
+            <a:endParaRPr b="0" lang="de-DE" sz="1800" spc="-1" strike="noStrike">
+              <a:solidFill>
+                <a:srgbClr val="000000"/>
+              </a:solidFill>
+              <a:uFill>
+                <a:solidFill>
+                  <a:srgbClr val="ffffff"/>
+                </a:solidFill>
+              </a:uFill>
+              <a:latin typeface="Arial"/>
+            </a:endParaRPr>
+          </a:p>
+          <a:p>
+            <a:pPr algn="ctr">
+              <a:lnSpc>
+                <a:spcPct val="100000"/>
+              </a:lnSpc>
+            </a:pPr>
+            <a:endParaRPr b="0" lang="de-DE" sz="1800" spc="-1" strike="noStrike">
+              <a:solidFill>
+                <a:srgbClr val="000000"/>
+              </a:solidFill>
+              <a:uFill>
+                <a:solidFill>
+                  <a:srgbClr val="ffffff"/>
+                </a:solidFill>
+              </a:uFill>
+              <a:latin typeface="Arial"/>
+            </a:endParaRPr>
+          </a:p>
+          <a:p>
+            <a:pPr algn="ctr">
+              <a:lnSpc>
+                <a:spcPct val="100000"/>
+              </a:lnSpc>
+            </a:pPr>
+            <a:endParaRPr b="0" lang="de-DE" sz="1800" spc="-1" strike="noStrike">
+              <a:solidFill>
+                <a:srgbClr val="000000"/>
+              </a:solidFill>
+              <a:uFill>
+                <a:solidFill>
+                  <a:srgbClr val="ffffff"/>
+                </a:solidFill>
+              </a:uFill>
+              <a:latin typeface="Arial"/>
+            </a:endParaRPr>
+          </a:p>
+          <a:p>
+            <a:pPr algn="ctr">
+              <a:lnSpc>
+                <a:spcPct val="100000"/>
+              </a:lnSpc>
+            </a:pPr>
+            <a:endParaRPr b="0" lang="de-DE" sz="1800" spc="-1" strike="noStrike">
+              <a:solidFill>
+                <a:srgbClr val="000000"/>
+              </a:solidFill>
+              <a:uFill>
+                <a:solidFill>
+                  <a:srgbClr val="ffffff"/>
+                </a:solidFill>
+              </a:uFill>
+              <a:latin typeface="Arial"/>
+            </a:endParaRPr>
+          </a:p>
+          <a:p>
+            <a:pPr algn="ctr">
+              <a:lnSpc>
+                <a:spcPct val="100000"/>
+              </a:lnSpc>
+            </a:pPr>
+            <a:endParaRPr b="0" lang="de-DE" sz="1800" spc="-1" strike="noStrike">
+              <a:solidFill>
+                <a:srgbClr val="000000"/>
+              </a:solidFill>
+              <a:uFill>
+                <a:solidFill>
+                  <a:srgbClr val="ffffff"/>
+                </a:solidFill>
+              </a:uFill>
+              <a:latin typeface="Arial"/>
+            </a:endParaRPr>
+          </a:p>
+          <a:p>
+            <a:pPr algn="ctr">
+              <a:lnSpc>
+                <a:spcPct val="100000"/>
+              </a:lnSpc>
+            </a:pPr>
+            <a:endParaRPr b="0" lang="de-DE" sz="1800" spc="-1" strike="noStrike">
+              <a:solidFill>
+                <a:srgbClr val="000000"/>
+              </a:solidFill>
+              <a:uFill>
+                <a:solidFill>
+                  <a:srgbClr val="ffffff"/>
+                </a:solidFill>
+              </a:uFill>
+              <a:latin typeface="Arial"/>
+            </a:endParaRPr>
+          </a:p>
+          <a:p>
+            <a:pPr algn="ctr">
+              <a:lnSpc>
+                <a:spcPct val="100000"/>
+              </a:lnSpc>
+            </a:pPr>
+            <a:endParaRPr b="0" lang="de-DE" sz="1800" spc="-1" strike="noStrike">
+              <a:solidFill>
+                <a:srgbClr val="000000"/>
+              </a:solidFill>
+              <a:uFill>
+                <a:solidFill>
+                  <a:srgbClr val="ffffff"/>
+                </a:solidFill>
+              </a:uFill>
+              <a:latin typeface="Arial"/>
+            </a:endParaRPr>
+          </a:p>
+          <a:p>
+            <a:pPr algn="ctr">
+              <a:lnSpc>
+                <a:spcPct val="100000"/>
+              </a:lnSpc>
+            </a:pPr>
+            <a:endParaRPr b="0" lang="de-DE" sz="1800" spc="-1" strike="noStrike">
+              <a:solidFill>
+                <a:srgbClr val="000000"/>
+              </a:solidFill>
+              <a:uFill>
+                <a:solidFill>
+                  <a:srgbClr val="ffffff"/>
+                </a:solidFill>
+              </a:uFill>
+              <a:latin typeface="Arial"/>
+            </a:endParaRPr>
+          </a:p>
+          <a:p>
+            <a:pPr algn="ctr">
+              <a:lnSpc>
+                <a:spcPct val="100000"/>
+              </a:lnSpc>
+            </a:pPr>
+            <a:endParaRPr b="0" lang="de-DE" sz="1800" spc="-1" strike="noStrike">
+              <a:solidFill>
+                <a:srgbClr val="000000"/>
+              </a:solidFill>
+              <a:uFill>
+                <a:solidFill>
+                  <a:srgbClr val="ffffff"/>
+                </a:solidFill>
+              </a:uFill>
+              <a:latin typeface="Arial"/>
+            </a:endParaRPr>
+          </a:p>
+          <a:p>
+            <a:pPr algn="ctr">
+              <a:lnSpc>
+                <a:spcPct val="100000"/>
+              </a:lnSpc>
+            </a:pPr>
+            <a:endParaRPr b="0" lang="de-DE" sz="1800" spc="-1" strike="noStrike">
+              <a:solidFill>
+                <a:srgbClr val="000000"/>
+              </a:solidFill>
+              <a:uFill>
+                <a:solidFill>
+                  <a:srgbClr val="ffffff"/>
+                </a:solidFill>
+              </a:uFill>
+              <a:latin typeface="Arial"/>
+            </a:endParaRPr>
+          </a:p>
+          <a:p>
+            <a:pPr algn="ctr">
+              <a:lnSpc>
+                <a:spcPct val="100000"/>
+              </a:lnSpc>
+            </a:pPr>
+            <a:endParaRPr b="0" lang="de-DE" sz="1800" spc="-1" strike="noStrike">
+              <a:solidFill>
+                <a:srgbClr val="000000"/>
+              </a:solidFill>
+              <a:uFill>
+                <a:solidFill>
+                  <a:srgbClr val="ffffff"/>
+                </a:solidFill>
+              </a:uFill>
+              <a:latin typeface="Arial"/>
+            </a:endParaRPr>
+          </a:p>
+          <a:p>
+            <a:pPr algn="ctr">
+              <a:lnSpc>
+                <a:spcPct val="100000"/>
+              </a:lnSpc>
+            </a:pPr>
+            <a:endParaRPr b="0" lang="de-DE" sz="1800" spc="-1" strike="noStrike">
+              <a:solidFill>
+                <a:srgbClr val="000000"/>
+              </a:solidFill>
+              <a:uFill>
+                <a:solidFill>
+                  <a:srgbClr val="ffffff"/>
+                </a:solidFill>
+              </a:uFill>
+              <a:latin typeface="Arial"/>
+            </a:endParaRPr>
+          </a:p>
+          <a:p>
+            <a:pPr algn="ctr">
+              <a:lnSpc>
+                <a:spcPct val="100000"/>
+              </a:lnSpc>
+            </a:pPr>
+            <a:endParaRPr b="0" lang="de-DE" sz="1800" spc="-1" strike="noStrike">
+              <a:solidFill>
+                <a:srgbClr val="000000"/>
+              </a:solidFill>
+              <a:uFill>
+                <a:solidFill>
+                  <a:srgbClr val="ffffff"/>
+                </a:solidFill>
+              </a:uFill>
+              <a:latin typeface="Arial"/>
+            </a:endParaRPr>
+          </a:p>
+          <a:p>
+            <a:pPr algn="ctr">
+              <a:lnSpc>
+                <a:spcPct val="100000"/>
+              </a:lnSpc>
+            </a:pPr>
+            <a:endParaRPr b="0" lang="de-DE" sz="1800" spc="-1" strike="noStrike">
+              <a:solidFill>
+                <a:srgbClr val="000000"/>
+              </a:solidFill>
+              <a:uFill>
+                <a:solidFill>
+                  <a:srgbClr val="ffffff"/>
+                </a:solidFill>
+              </a:uFill>
+              <a:latin typeface="Arial"/>
+            </a:endParaRPr>
+          </a:p>
+          <a:p>
+            <a:pPr algn="ctr">
+              <a:lnSpc>
+                <a:spcPct val="100000"/>
+              </a:lnSpc>
+            </a:pPr>
             <a:r>
-              <a:rPr b="0" lang="en-US" sz="1800" spc="-1" strike="noStrike">
+              <a:rPr b="0" lang="de-DE" sz="1800" spc="-1" strike="noStrike">
                 <a:solidFill>
                   <a:srgbClr val="000000"/>
                 </a:solidFill>
@@ -5589,7 +5474,7 @@
               </a:rPr>
               <a:t>Inception module</a:t>
             </a:r>
-            <a:endParaRPr b="0" lang="en-US" sz="1800" spc="-1" strike="noStrike">
+            <a:endParaRPr b="0" lang="de-DE" sz="1800" spc="-1" strike="noStrike">
               <a:solidFill>
                 <a:srgbClr val="000000"/>
               </a:solidFill>
@@ -5605,14 +5490,14 @@
       </p:sp>
       <p:sp>
         <p:nvSpPr>
-          <p:cNvPr id="62" name="TextShape 16"/>
-          <p:cNvSpPr txBox="1"/>
+          <p:cNvPr id="61" name="CustomShape 15"/>
+          <p:cNvSpPr/>
           <p:nvPr/>
         </p:nvSpPr>
         <p:spPr>
           <a:xfrm>
-            <a:off x="16776000" y="19954440"/>
-            <a:ext cx="7953120" cy="3733560"/>
+            <a:off x="15552000" y="17496000"/>
+            <a:ext cx="11088000" cy="4968000"/>
           </a:xfrm>
           <a:prstGeom prst="rect">
             <a:avLst/>
@@ -5627,236 +5512,364 @@
             <a:noFill/>
           </a:ln>
         </p:spPr>
+        <p:style>
+          <a:lnRef idx="0"/>
+          <a:fillRef idx="0"/>
+          <a:effectRef idx="0"/>
+          <a:fontRef idx="minor"/>
+        </p:style>
         <p:txBody>
           <a:bodyPr lIns="90000" rIns="90000" tIns="45000" bIns="45000" anchor="ctr"/>
           <a:p>
-            <a:pPr algn="ctr"/>
-            <a:endParaRPr b="0" lang="en-US" sz="1800" spc="-1" strike="noStrike">
-              <a:solidFill>
-                <a:srgbClr val="000000"/>
-              </a:solidFill>
-              <a:uFill>
-                <a:solidFill>
-                  <a:srgbClr val="ffffff"/>
-                </a:solidFill>
-              </a:uFill>
-              <a:latin typeface="Arial"/>
-            </a:endParaRPr>
-          </a:p>
-          <a:p>
-            <a:pPr algn="ctr"/>
-            <a:endParaRPr b="0" lang="en-US" sz="1800" spc="-1" strike="noStrike">
-              <a:solidFill>
-                <a:srgbClr val="000000"/>
-              </a:solidFill>
-              <a:uFill>
-                <a:solidFill>
-                  <a:srgbClr val="ffffff"/>
-                </a:solidFill>
-              </a:uFill>
-              <a:latin typeface="Arial"/>
-            </a:endParaRPr>
-          </a:p>
-          <a:p>
-            <a:pPr algn="ctr"/>
-            <a:endParaRPr b="0" lang="en-US" sz="1800" spc="-1" strike="noStrike">
-              <a:solidFill>
-                <a:srgbClr val="000000"/>
-              </a:solidFill>
-              <a:uFill>
-                <a:solidFill>
-                  <a:srgbClr val="ffffff"/>
-                </a:solidFill>
-              </a:uFill>
-              <a:latin typeface="Arial"/>
-            </a:endParaRPr>
-          </a:p>
-          <a:p>
-            <a:pPr algn="ctr"/>
-            <a:endParaRPr b="0" lang="en-US" sz="1800" spc="-1" strike="noStrike">
-              <a:solidFill>
-                <a:srgbClr val="000000"/>
-              </a:solidFill>
-              <a:uFill>
-                <a:solidFill>
-                  <a:srgbClr val="ffffff"/>
-                </a:solidFill>
-              </a:uFill>
-              <a:latin typeface="Arial"/>
-            </a:endParaRPr>
-          </a:p>
-          <a:p>
-            <a:pPr algn="ctr"/>
-            <a:endParaRPr b="0" lang="en-US" sz="1800" spc="-1" strike="noStrike">
-              <a:solidFill>
-                <a:srgbClr val="000000"/>
-              </a:solidFill>
-              <a:uFill>
-                <a:solidFill>
-                  <a:srgbClr val="ffffff"/>
-                </a:solidFill>
-              </a:uFill>
-              <a:latin typeface="Arial"/>
-            </a:endParaRPr>
-          </a:p>
-          <a:p>
-            <a:pPr algn="ctr"/>
-            <a:endParaRPr b="0" lang="en-US" sz="1800" spc="-1" strike="noStrike">
-              <a:solidFill>
-                <a:srgbClr val="000000"/>
-              </a:solidFill>
-              <a:uFill>
-                <a:solidFill>
-                  <a:srgbClr val="ffffff"/>
-                </a:solidFill>
-              </a:uFill>
-              <a:latin typeface="Arial"/>
-            </a:endParaRPr>
-          </a:p>
-          <a:p>
-            <a:pPr algn="ctr"/>
-            <a:endParaRPr b="0" lang="en-US" sz="1800" spc="-1" strike="noStrike">
-              <a:solidFill>
-                <a:srgbClr val="000000"/>
-              </a:solidFill>
-              <a:uFill>
-                <a:solidFill>
-                  <a:srgbClr val="ffffff"/>
-                </a:solidFill>
-              </a:uFill>
-              <a:latin typeface="Arial"/>
-            </a:endParaRPr>
-          </a:p>
-          <a:p>
-            <a:pPr algn="ctr"/>
-            <a:endParaRPr b="0" lang="en-US" sz="1800" spc="-1" strike="noStrike">
-              <a:solidFill>
-                <a:srgbClr val="000000"/>
-              </a:solidFill>
-              <a:uFill>
-                <a:solidFill>
-                  <a:srgbClr val="ffffff"/>
-                </a:solidFill>
-              </a:uFill>
-              <a:latin typeface="Arial"/>
-            </a:endParaRPr>
-          </a:p>
-          <a:p>
-            <a:pPr algn="ctr"/>
-            <a:endParaRPr b="0" lang="en-US" sz="1800" spc="-1" strike="noStrike">
-              <a:solidFill>
-                <a:srgbClr val="000000"/>
-              </a:solidFill>
-              <a:uFill>
-                <a:solidFill>
-                  <a:srgbClr val="ffffff"/>
-                </a:solidFill>
-              </a:uFill>
-              <a:latin typeface="Arial"/>
-            </a:endParaRPr>
-          </a:p>
-          <a:p>
-            <a:pPr algn="ctr"/>
-            <a:endParaRPr b="0" lang="en-US" sz="1800" spc="-1" strike="noStrike">
-              <a:solidFill>
-                <a:srgbClr val="000000"/>
-              </a:solidFill>
-              <a:uFill>
-                <a:solidFill>
-                  <a:srgbClr val="ffffff"/>
-                </a:solidFill>
-              </a:uFill>
-              <a:latin typeface="Arial"/>
-            </a:endParaRPr>
-          </a:p>
-          <a:p>
-            <a:pPr algn="ctr"/>
-            <a:endParaRPr b="0" lang="en-US" sz="1800" spc="-1" strike="noStrike">
-              <a:solidFill>
-                <a:srgbClr val="000000"/>
-              </a:solidFill>
-              <a:uFill>
-                <a:solidFill>
-                  <a:srgbClr val="ffffff"/>
-                </a:solidFill>
-              </a:uFill>
-              <a:latin typeface="Arial"/>
-            </a:endParaRPr>
-          </a:p>
-          <a:p>
-            <a:pPr algn="ctr"/>
-            <a:endParaRPr b="0" lang="en-US" sz="1800" spc="-1" strike="noStrike">
-              <a:solidFill>
-                <a:srgbClr val="000000"/>
-              </a:solidFill>
-              <a:uFill>
-                <a:solidFill>
-                  <a:srgbClr val="ffffff"/>
-                </a:solidFill>
-              </a:uFill>
-              <a:latin typeface="Arial"/>
-            </a:endParaRPr>
-          </a:p>
-          <a:p>
-            <a:pPr algn="ctr"/>
-            <a:endParaRPr b="0" lang="en-US" sz="1800" spc="-1" strike="noStrike">
-              <a:solidFill>
-                <a:srgbClr val="000000"/>
-              </a:solidFill>
-              <a:uFill>
-                <a:solidFill>
-                  <a:srgbClr val="ffffff"/>
-                </a:solidFill>
-              </a:uFill>
-              <a:latin typeface="Arial"/>
-            </a:endParaRPr>
-          </a:p>
-          <a:p>
-            <a:pPr algn="ctr"/>
-            <a:endParaRPr b="0" lang="en-US" sz="1800" spc="-1" strike="noStrike">
-              <a:solidFill>
-                <a:srgbClr val="000000"/>
-              </a:solidFill>
-              <a:uFill>
-                <a:solidFill>
-                  <a:srgbClr val="ffffff"/>
-                </a:solidFill>
-              </a:uFill>
-              <a:latin typeface="Arial"/>
-            </a:endParaRPr>
-          </a:p>
-          <a:p>
-            <a:pPr algn="ctr"/>
-            <a:endParaRPr b="0" lang="en-US" sz="1800" spc="-1" strike="noStrike">
-              <a:solidFill>
-                <a:srgbClr val="000000"/>
-              </a:solidFill>
-              <a:uFill>
-                <a:solidFill>
-                  <a:srgbClr val="ffffff"/>
-                </a:solidFill>
-              </a:uFill>
-              <a:latin typeface="Arial"/>
-            </a:endParaRPr>
-          </a:p>
-          <a:p>
-            <a:pPr algn="ctr"/>
-            <a:endParaRPr b="0" lang="en-US" sz="1800" spc="-1" strike="noStrike">
-              <a:solidFill>
-                <a:srgbClr val="000000"/>
-              </a:solidFill>
-              <a:uFill>
-                <a:solidFill>
-                  <a:srgbClr val="ffffff"/>
-                </a:solidFill>
-              </a:uFill>
-              <a:latin typeface="Arial"/>
-            </a:endParaRPr>
-          </a:p>
-          <a:p>
-            <a:pPr algn="ctr"/>
+            <a:pPr algn="ctr">
+              <a:lnSpc>
+                <a:spcPct val="100000"/>
+              </a:lnSpc>
+            </a:pPr>
+            <a:endParaRPr b="0" lang="de-DE" sz="1800" spc="-1" strike="noStrike">
+              <a:solidFill>
+                <a:srgbClr val="000000"/>
+              </a:solidFill>
+              <a:uFill>
+                <a:solidFill>
+                  <a:srgbClr val="ffffff"/>
+                </a:solidFill>
+              </a:uFill>
+              <a:latin typeface="Arial"/>
+            </a:endParaRPr>
+          </a:p>
+          <a:p>
+            <a:pPr algn="ctr">
+              <a:lnSpc>
+                <a:spcPct val="100000"/>
+              </a:lnSpc>
+            </a:pPr>
+            <a:endParaRPr b="0" lang="de-DE" sz="1800" spc="-1" strike="noStrike">
+              <a:solidFill>
+                <a:srgbClr val="000000"/>
+              </a:solidFill>
+              <a:uFill>
+                <a:solidFill>
+                  <a:srgbClr val="ffffff"/>
+                </a:solidFill>
+              </a:uFill>
+              <a:latin typeface="Arial"/>
+            </a:endParaRPr>
+          </a:p>
+          <a:p>
+            <a:pPr algn="ctr">
+              <a:lnSpc>
+                <a:spcPct val="100000"/>
+              </a:lnSpc>
+            </a:pPr>
+            <a:endParaRPr b="0" lang="de-DE" sz="1800" spc="-1" strike="noStrike">
+              <a:solidFill>
+                <a:srgbClr val="000000"/>
+              </a:solidFill>
+              <a:uFill>
+                <a:solidFill>
+                  <a:srgbClr val="ffffff"/>
+                </a:solidFill>
+              </a:uFill>
+              <a:latin typeface="Arial"/>
+            </a:endParaRPr>
+          </a:p>
+          <a:p>
+            <a:pPr algn="ctr">
+              <a:lnSpc>
+                <a:spcPct val="100000"/>
+              </a:lnSpc>
+            </a:pPr>
+            <a:endParaRPr b="0" lang="de-DE" sz="1800" spc="-1" strike="noStrike">
+              <a:solidFill>
+                <a:srgbClr val="000000"/>
+              </a:solidFill>
+              <a:uFill>
+                <a:solidFill>
+                  <a:srgbClr val="ffffff"/>
+                </a:solidFill>
+              </a:uFill>
+              <a:latin typeface="Arial"/>
+            </a:endParaRPr>
+          </a:p>
+          <a:p>
+            <a:pPr algn="ctr">
+              <a:lnSpc>
+                <a:spcPct val="100000"/>
+              </a:lnSpc>
+            </a:pPr>
+            <a:endParaRPr b="0" lang="de-DE" sz="1800" spc="-1" strike="noStrike">
+              <a:solidFill>
+                <a:srgbClr val="000000"/>
+              </a:solidFill>
+              <a:uFill>
+                <a:solidFill>
+                  <a:srgbClr val="ffffff"/>
+                </a:solidFill>
+              </a:uFill>
+              <a:latin typeface="Arial"/>
+            </a:endParaRPr>
+          </a:p>
+          <a:p>
+            <a:pPr algn="ctr">
+              <a:lnSpc>
+                <a:spcPct val="100000"/>
+              </a:lnSpc>
+            </a:pPr>
+            <a:endParaRPr b="0" lang="de-DE" sz="1800" spc="-1" strike="noStrike">
+              <a:solidFill>
+                <a:srgbClr val="000000"/>
+              </a:solidFill>
+              <a:uFill>
+                <a:solidFill>
+                  <a:srgbClr val="ffffff"/>
+                </a:solidFill>
+              </a:uFill>
+              <a:latin typeface="Arial"/>
+            </a:endParaRPr>
+          </a:p>
+          <a:p>
+            <a:pPr algn="ctr">
+              <a:lnSpc>
+                <a:spcPct val="100000"/>
+              </a:lnSpc>
+            </a:pPr>
+            <a:endParaRPr b="0" lang="de-DE" sz="1800" spc="-1" strike="noStrike">
+              <a:solidFill>
+                <a:srgbClr val="000000"/>
+              </a:solidFill>
+              <a:uFill>
+                <a:solidFill>
+                  <a:srgbClr val="ffffff"/>
+                </a:solidFill>
+              </a:uFill>
+              <a:latin typeface="Arial"/>
+            </a:endParaRPr>
+          </a:p>
+          <a:p>
+            <a:pPr algn="ctr">
+              <a:lnSpc>
+                <a:spcPct val="100000"/>
+              </a:lnSpc>
+            </a:pPr>
+            <a:endParaRPr b="0" lang="de-DE" sz="1800" spc="-1" strike="noStrike">
+              <a:solidFill>
+                <a:srgbClr val="000000"/>
+              </a:solidFill>
+              <a:uFill>
+                <a:solidFill>
+                  <a:srgbClr val="ffffff"/>
+                </a:solidFill>
+              </a:uFill>
+              <a:latin typeface="Arial"/>
+            </a:endParaRPr>
+          </a:p>
+          <a:p>
+            <a:pPr algn="ctr">
+              <a:lnSpc>
+                <a:spcPct val="100000"/>
+              </a:lnSpc>
+            </a:pPr>
+            <a:endParaRPr b="0" lang="de-DE" sz="1800" spc="-1" strike="noStrike">
+              <a:solidFill>
+                <a:srgbClr val="000000"/>
+              </a:solidFill>
+              <a:uFill>
+                <a:solidFill>
+                  <a:srgbClr val="ffffff"/>
+                </a:solidFill>
+              </a:uFill>
+              <a:latin typeface="Arial"/>
+            </a:endParaRPr>
+          </a:p>
+          <a:p>
+            <a:pPr algn="ctr">
+              <a:lnSpc>
+                <a:spcPct val="100000"/>
+              </a:lnSpc>
+            </a:pPr>
+            <a:endParaRPr b="0" lang="de-DE" sz="1800" spc="-1" strike="noStrike">
+              <a:solidFill>
+                <a:srgbClr val="000000"/>
+              </a:solidFill>
+              <a:uFill>
+                <a:solidFill>
+                  <a:srgbClr val="ffffff"/>
+                </a:solidFill>
+              </a:uFill>
+              <a:latin typeface="Arial"/>
+            </a:endParaRPr>
+          </a:p>
+          <a:p>
+            <a:pPr algn="ctr">
+              <a:lnSpc>
+                <a:spcPct val="100000"/>
+              </a:lnSpc>
+            </a:pPr>
+            <a:endParaRPr b="0" lang="de-DE" sz="1800" spc="-1" strike="noStrike">
+              <a:solidFill>
+                <a:srgbClr val="000000"/>
+              </a:solidFill>
+              <a:uFill>
+                <a:solidFill>
+                  <a:srgbClr val="ffffff"/>
+                </a:solidFill>
+              </a:uFill>
+              <a:latin typeface="Arial"/>
+            </a:endParaRPr>
+          </a:p>
+          <a:p>
+            <a:pPr algn="ctr">
+              <a:lnSpc>
+                <a:spcPct val="100000"/>
+              </a:lnSpc>
+            </a:pPr>
+            <a:endParaRPr b="0" lang="de-DE" sz="1800" spc="-1" strike="noStrike">
+              <a:solidFill>
+                <a:srgbClr val="000000"/>
+              </a:solidFill>
+              <a:uFill>
+                <a:solidFill>
+                  <a:srgbClr val="ffffff"/>
+                </a:solidFill>
+              </a:uFill>
+              <a:latin typeface="Arial"/>
+            </a:endParaRPr>
+          </a:p>
+          <a:p>
+            <a:pPr algn="ctr">
+              <a:lnSpc>
+                <a:spcPct val="100000"/>
+              </a:lnSpc>
+            </a:pPr>
+            <a:endParaRPr b="0" lang="de-DE" sz="1800" spc="-1" strike="noStrike">
+              <a:solidFill>
+                <a:srgbClr val="000000"/>
+              </a:solidFill>
+              <a:uFill>
+                <a:solidFill>
+                  <a:srgbClr val="ffffff"/>
+                </a:solidFill>
+              </a:uFill>
+              <a:latin typeface="Arial"/>
+            </a:endParaRPr>
+          </a:p>
+          <a:p>
+            <a:pPr algn="ctr">
+              <a:lnSpc>
+                <a:spcPct val="100000"/>
+              </a:lnSpc>
+            </a:pPr>
+            <a:endParaRPr b="0" lang="de-DE" sz="1800" spc="-1" strike="noStrike">
+              <a:solidFill>
+                <a:srgbClr val="000000"/>
+              </a:solidFill>
+              <a:uFill>
+                <a:solidFill>
+                  <a:srgbClr val="ffffff"/>
+                </a:solidFill>
+              </a:uFill>
+              <a:latin typeface="Arial"/>
+            </a:endParaRPr>
+          </a:p>
+          <a:p>
+            <a:pPr algn="ctr">
+              <a:lnSpc>
+                <a:spcPct val="100000"/>
+              </a:lnSpc>
+            </a:pPr>
+            <a:endParaRPr b="0" lang="de-DE" sz="1800" spc="-1" strike="noStrike">
+              <a:solidFill>
+                <a:srgbClr val="000000"/>
+              </a:solidFill>
+              <a:uFill>
+                <a:solidFill>
+                  <a:srgbClr val="ffffff"/>
+                </a:solidFill>
+              </a:uFill>
+              <a:latin typeface="Arial"/>
+            </a:endParaRPr>
+          </a:p>
+          <a:p>
+            <a:pPr algn="ctr">
+              <a:lnSpc>
+                <a:spcPct val="100000"/>
+              </a:lnSpc>
+            </a:pPr>
+            <a:endParaRPr b="0" lang="de-DE" sz="1800" spc="-1" strike="noStrike">
+              <a:solidFill>
+                <a:srgbClr val="000000"/>
+              </a:solidFill>
+              <a:uFill>
+                <a:solidFill>
+                  <a:srgbClr val="ffffff"/>
+                </a:solidFill>
+              </a:uFill>
+              <a:latin typeface="Arial"/>
+            </a:endParaRPr>
+          </a:p>
+          <a:p>
+            <a:pPr algn="ctr">
+              <a:lnSpc>
+                <a:spcPct val="100000"/>
+              </a:lnSpc>
+            </a:pPr>
+            <a:endParaRPr b="0" lang="de-DE" sz="1800" spc="-1" strike="noStrike">
+              <a:solidFill>
+                <a:srgbClr val="000000"/>
+              </a:solidFill>
+              <a:uFill>
+                <a:solidFill>
+                  <a:srgbClr val="ffffff"/>
+                </a:solidFill>
+              </a:uFill>
+              <a:latin typeface="Arial"/>
+            </a:endParaRPr>
+          </a:p>
+          <a:p>
+            <a:pPr algn="ctr">
+              <a:lnSpc>
+                <a:spcPct val="100000"/>
+              </a:lnSpc>
+            </a:pPr>
+            <a:endParaRPr b="0" lang="de-DE" sz="1800" spc="-1" strike="noStrike">
+              <a:solidFill>
+                <a:srgbClr val="000000"/>
+              </a:solidFill>
+              <a:uFill>
+                <a:solidFill>
+                  <a:srgbClr val="ffffff"/>
+                </a:solidFill>
+              </a:uFill>
+              <a:latin typeface="Arial"/>
+            </a:endParaRPr>
+          </a:p>
+          <a:p>
+            <a:pPr algn="ctr">
+              <a:lnSpc>
+                <a:spcPct val="100000"/>
+              </a:lnSpc>
+            </a:pPr>
+            <a:endParaRPr b="0" lang="de-DE" sz="1800" spc="-1" strike="noStrike">
+              <a:solidFill>
+                <a:srgbClr val="000000"/>
+              </a:solidFill>
+              <a:uFill>
+                <a:solidFill>
+                  <a:srgbClr val="ffffff"/>
+                </a:solidFill>
+              </a:uFill>
+              <a:latin typeface="Arial"/>
+            </a:endParaRPr>
+          </a:p>
+          <a:p>
+            <a:pPr algn="ctr">
+              <a:lnSpc>
+                <a:spcPct val="100000"/>
+              </a:lnSpc>
+            </a:pPr>
             <a:r>
-              <a:rPr b="0" lang="en-US" sz="1800" spc="-1" strike="noStrike">
+              <a:rPr b="0" lang="de-DE" sz="1800" spc="-1" strike="noStrike">
                 <a:solidFill>
                   <a:srgbClr val="000000"/>
                 </a:solidFill>
@@ -5869,7 +5882,7 @@
               </a:rPr>
               <a:t>Class Activation Mapping</a:t>
             </a:r>
-            <a:endParaRPr b="0" lang="en-US" sz="1800" spc="-1" strike="noStrike">
+            <a:endParaRPr b="0" lang="de-DE" sz="1800" spc="-1" strike="noStrike">
               <a:solidFill>
                 <a:srgbClr val="000000"/>
               </a:solidFill>
@@ -5885,14 +5898,14 @@
       </p:sp>
       <p:sp>
         <p:nvSpPr>
-          <p:cNvPr id="63" name="CustomShape 17"/>
+          <p:cNvPr id="62" name="CustomShape 16"/>
           <p:cNvSpPr/>
           <p:nvPr/>
         </p:nvSpPr>
         <p:spPr>
           <a:xfrm>
             <a:off x="30960000" y="6937200"/>
-            <a:ext cx="10440000" cy="8254800"/>
+            <a:ext cx="10439640" cy="8254440"/>
           </a:xfrm>
           <a:prstGeom prst="rect">
             <a:avLst/>
@@ -5919,7 +5932,7 @@
               </a:lnSpc>
             </a:pPr>
             <a:r>
-              <a:rPr b="1" lang="en-US" sz="2800" spc="-1" strike="noStrike">
+              <a:rPr b="1" lang="de-DE" sz="2800" spc="-1" strike="noStrike">
                 <a:solidFill>
                   <a:srgbClr val="404040"/>
                 </a:solidFill>
@@ -5933,20 +5946,20 @@
               </a:rPr>
               <a:t>Classification with GoogLeNet</a:t>
             </a:r>
-            <a:endParaRPr b="0" lang="en-US" sz="1800" spc="-1" strike="noStrike">
-              <a:solidFill>
-                <a:srgbClr val="000000"/>
-              </a:solidFill>
-              <a:uFill>
-                <a:solidFill>
-                  <a:srgbClr val="ffffff"/>
-                </a:solidFill>
-              </a:uFill>
-              <a:latin typeface="Arial"/>
-            </a:endParaRPr>
-          </a:p>
-          <a:p>
-            <a:pPr marL="228600" indent="-227880" algn="just">
+            <a:endParaRPr b="0" lang="de-DE" sz="1800" spc="-1" strike="noStrike">
+              <a:solidFill>
+                <a:srgbClr val="000000"/>
+              </a:solidFill>
+              <a:uFill>
+                <a:solidFill>
+                  <a:srgbClr val="ffffff"/>
+                </a:solidFill>
+              </a:uFill>
+              <a:latin typeface="Arial"/>
+            </a:endParaRPr>
+          </a:p>
+          <a:p>
+            <a:pPr marL="228600" indent="-227520" algn="just">
               <a:lnSpc>
                 <a:spcPct val="120000"/>
               </a:lnSpc>
@@ -5957,7 +5970,7 @@
               <a:buChar char=""/>
             </a:pPr>
             <a:r>
-              <a:rPr b="0" lang="en-US" sz="2800" spc="-1" strike="noStrike">
+              <a:rPr b="0" lang="de-DE" sz="2800" spc="-1" strike="noStrike">
                 <a:solidFill>
                   <a:srgbClr val="404040"/>
                 </a:solidFill>
@@ -5971,20 +5984,20 @@
               </a:rPr>
               <a:t>TODO: Graph for Train and Validation accuracy</a:t>
             </a:r>
-            <a:endParaRPr b="0" lang="en-US" sz="1800" spc="-1" strike="noStrike">
-              <a:solidFill>
-                <a:srgbClr val="000000"/>
-              </a:solidFill>
-              <a:uFill>
-                <a:solidFill>
-                  <a:srgbClr val="ffffff"/>
-                </a:solidFill>
-              </a:uFill>
-              <a:latin typeface="Arial"/>
-            </a:endParaRPr>
-          </a:p>
-          <a:p>
-            <a:pPr marL="228600" indent="-227880" algn="just">
+            <a:endParaRPr b="0" lang="de-DE" sz="1800" spc="-1" strike="noStrike">
+              <a:solidFill>
+                <a:srgbClr val="000000"/>
+              </a:solidFill>
+              <a:uFill>
+                <a:solidFill>
+                  <a:srgbClr val="ffffff"/>
+                </a:solidFill>
+              </a:uFill>
+              <a:latin typeface="Arial"/>
+            </a:endParaRPr>
+          </a:p>
+          <a:p>
+            <a:pPr marL="228600" indent="-227520" algn="just">
               <a:lnSpc>
                 <a:spcPct val="120000"/>
               </a:lnSpc>
@@ -5995,7 +6008,7 @@
               <a:buChar char=""/>
             </a:pPr>
             <a:r>
-              <a:rPr b="0" lang="en-US" sz="2800" spc="-1" strike="noStrike">
+              <a:rPr b="0" lang="de-DE" sz="2800" spc="-1" strike="noStrike">
                 <a:solidFill>
                   <a:srgbClr val="404040"/>
                 </a:solidFill>
@@ -6009,7 +6022,7 @@
               </a:rPr>
               <a:t>Class Activation Mapping</a:t>
             </a:r>
-            <a:endParaRPr b="0" lang="en-US" sz="1800" spc="-1" strike="noStrike">
+            <a:endParaRPr b="0" lang="de-DE" sz="1800" spc="-1" strike="noStrike">
               <a:solidFill>
                 <a:srgbClr val="000000"/>
               </a:solidFill>
@@ -6027,7 +6040,7 @@
                 <a:spcPct val="120000"/>
               </a:lnSpc>
             </a:pPr>
-            <a:endParaRPr b="0" lang="en-US" sz="1800" spc="-1" strike="noStrike">
+            <a:endParaRPr b="0" lang="de-DE" sz="1800" spc="-1" strike="noStrike">
               <a:solidFill>
                 <a:srgbClr val="000000"/>
               </a:solidFill>
@@ -6045,7 +6058,7 @@
                 <a:spcPct val="120000"/>
               </a:lnSpc>
             </a:pPr>
-            <a:endParaRPr b="0" lang="en-US" sz="1800" spc="-1" strike="noStrike">
+            <a:endParaRPr b="0" lang="de-DE" sz="1800" spc="-1" strike="noStrike">
               <a:solidFill>
                 <a:srgbClr val="000000"/>
               </a:solidFill>
@@ -6063,7 +6076,7 @@
                 <a:spcPct val="120000"/>
               </a:lnSpc>
             </a:pPr>
-            <a:endParaRPr b="0" lang="en-US" sz="1800" spc="-1" strike="noStrike">
+            <a:endParaRPr b="0" lang="de-DE" sz="1800" spc="-1" strike="noStrike">
               <a:solidFill>
                 <a:srgbClr val="000000"/>
               </a:solidFill>
@@ -6081,7 +6094,7 @@
                 <a:spcPct val="120000"/>
               </a:lnSpc>
             </a:pPr>
-            <a:endParaRPr b="0" lang="en-US" sz="1800" spc="-1" strike="noStrike">
+            <a:endParaRPr b="0" lang="de-DE" sz="1800" spc="-1" strike="noStrike">
               <a:solidFill>
                 <a:srgbClr val="000000"/>
               </a:solidFill>
@@ -6099,7 +6112,7 @@
                 <a:spcPct val="120000"/>
               </a:lnSpc>
             </a:pPr>
-            <a:endParaRPr b="0" lang="en-US" sz="1800" spc="-1" strike="noStrike">
+            <a:endParaRPr b="0" lang="de-DE" sz="1800" spc="-1" strike="noStrike">
               <a:solidFill>
                 <a:srgbClr val="000000"/>
               </a:solidFill>
@@ -6117,7 +6130,7 @@
                 <a:spcPct val="120000"/>
               </a:lnSpc>
             </a:pPr>
-            <a:endParaRPr b="0" lang="en-US" sz="1800" spc="-1" strike="noStrike">
+            <a:endParaRPr b="0" lang="de-DE" sz="1800" spc="-1" strike="noStrike">
               <a:solidFill>
                 <a:srgbClr val="000000"/>
               </a:solidFill>
@@ -6135,7 +6148,7 @@
                 <a:spcPct val="120000"/>
               </a:lnSpc>
             </a:pPr>
-            <a:endParaRPr b="0" lang="en-US" sz="1800" spc="-1" strike="noStrike">
+            <a:endParaRPr b="0" lang="de-DE" sz="1800" spc="-1" strike="noStrike">
               <a:solidFill>
                 <a:srgbClr val="000000"/>
               </a:solidFill>
@@ -6153,7 +6166,7 @@
                 <a:spcPct val="120000"/>
               </a:lnSpc>
             </a:pPr>
-            <a:endParaRPr b="0" lang="en-US" sz="1800" spc="-1" strike="noStrike">
+            <a:endParaRPr b="0" lang="de-DE" sz="1800" spc="-1" strike="noStrike">
               <a:solidFill>
                 <a:srgbClr val="000000"/>
               </a:solidFill>
@@ -6171,7 +6184,7 @@
                 <a:spcPct val="120000"/>
               </a:lnSpc>
             </a:pPr>
-            <a:endParaRPr b="0" lang="en-US" sz="1800" spc="-1" strike="noStrike">
+            <a:endParaRPr b="0" lang="de-DE" sz="1800" spc="-1" strike="noStrike">
               <a:solidFill>
                 <a:srgbClr val="000000"/>
               </a:solidFill>
@@ -6189,7 +6202,7 @@
                 <a:spcPct val="120000"/>
               </a:lnSpc>
             </a:pPr>
-            <a:endParaRPr b="0" lang="en-US" sz="1800" spc="-1" strike="noStrike">
+            <a:endParaRPr b="0" lang="de-DE" sz="1800" spc="-1" strike="noStrike">
               <a:solidFill>
                 <a:srgbClr val="000000"/>
               </a:solidFill>
@@ -6207,7 +6220,7 @@
                 <a:spcPct val="120000"/>
               </a:lnSpc>
             </a:pPr>
-            <a:endParaRPr b="0" lang="en-US" sz="1800" spc="-1" strike="noStrike">
+            <a:endParaRPr b="0" lang="de-DE" sz="1800" spc="-1" strike="noStrike">
               <a:solidFill>
                 <a:srgbClr val="000000"/>
               </a:solidFill>
@@ -6225,7 +6238,7 @@
                 <a:spcPct val="120000"/>
               </a:lnSpc>
             </a:pPr>
-            <a:endParaRPr b="0" lang="en-US" sz="1800" spc="-1" strike="noStrike">
+            <a:endParaRPr b="0" lang="de-DE" sz="1800" spc="-1" strike="noStrike">
               <a:solidFill>
                 <a:srgbClr val="000000"/>
               </a:solidFill>
@@ -6243,7 +6256,7 @@
                 <a:spcPct val="120000"/>
               </a:lnSpc>
             </a:pPr>
-            <a:endParaRPr b="0" lang="en-US" sz="1800" spc="-1" strike="noStrike">
+            <a:endParaRPr b="0" lang="de-DE" sz="1800" spc="-1" strike="noStrike">
               <a:solidFill>
                 <a:srgbClr val="000000"/>
               </a:solidFill>
@@ -6261,8 +6274,134 @@
                 <a:spcPct val="120000"/>
               </a:lnSpc>
             </a:pPr>
+            <a:endParaRPr b="0" lang="de-DE" sz="1800" spc="-1" strike="noStrike">
+              <a:solidFill>
+                <a:srgbClr val="000000"/>
+              </a:solidFill>
+              <a:uFill>
+                <a:solidFill>
+                  <a:srgbClr val="ffffff"/>
+                </a:solidFill>
+              </a:uFill>
+              <a:latin typeface="Arial"/>
+            </a:endParaRPr>
+          </a:p>
+          <a:p>
+            <a:pPr algn="ctr">
+              <a:lnSpc>
+                <a:spcPct val="120000"/>
+              </a:lnSpc>
+            </a:pPr>
+            <a:endParaRPr b="0" lang="de-DE" sz="1800" spc="-1" strike="noStrike">
+              <a:solidFill>
+                <a:srgbClr val="000000"/>
+              </a:solidFill>
+              <a:uFill>
+                <a:solidFill>
+                  <a:srgbClr val="ffffff"/>
+                </a:solidFill>
+              </a:uFill>
+              <a:latin typeface="Arial"/>
+            </a:endParaRPr>
+          </a:p>
+          <a:p>
+            <a:pPr algn="ctr">
+              <a:lnSpc>
+                <a:spcPct val="120000"/>
+              </a:lnSpc>
+            </a:pPr>
+            <a:endParaRPr b="0" lang="de-DE" sz="1800" spc="-1" strike="noStrike">
+              <a:solidFill>
+                <a:srgbClr val="000000"/>
+              </a:solidFill>
+              <a:uFill>
+                <a:solidFill>
+                  <a:srgbClr val="ffffff"/>
+                </a:solidFill>
+              </a:uFill>
+              <a:latin typeface="Arial"/>
+            </a:endParaRPr>
+          </a:p>
+          <a:p>
+            <a:pPr algn="ctr">
+              <a:lnSpc>
+                <a:spcPct val="120000"/>
+              </a:lnSpc>
+            </a:pPr>
+            <a:endParaRPr b="0" lang="de-DE" sz="1800" spc="-1" strike="noStrike">
+              <a:solidFill>
+                <a:srgbClr val="000000"/>
+              </a:solidFill>
+              <a:uFill>
+                <a:solidFill>
+                  <a:srgbClr val="ffffff"/>
+                </a:solidFill>
+              </a:uFill>
+              <a:latin typeface="Arial"/>
+            </a:endParaRPr>
+          </a:p>
+          <a:p>
+            <a:pPr algn="ctr">
+              <a:lnSpc>
+                <a:spcPct val="120000"/>
+              </a:lnSpc>
+            </a:pPr>
+            <a:endParaRPr b="0" lang="de-DE" sz="1800" spc="-1" strike="noStrike">
+              <a:solidFill>
+                <a:srgbClr val="000000"/>
+              </a:solidFill>
+              <a:uFill>
+                <a:solidFill>
+                  <a:srgbClr val="ffffff"/>
+                </a:solidFill>
+              </a:uFill>
+              <a:latin typeface="Arial"/>
+            </a:endParaRPr>
+          </a:p>
+          <a:p>
+            <a:pPr algn="ctr">
+              <a:lnSpc>
+                <a:spcPct val="120000"/>
+              </a:lnSpc>
+            </a:pPr>
+            <a:endParaRPr b="0" lang="de-DE" sz="1800" spc="-1" strike="noStrike">
+              <a:solidFill>
+                <a:srgbClr val="000000"/>
+              </a:solidFill>
+              <a:uFill>
+                <a:solidFill>
+                  <a:srgbClr val="ffffff"/>
+                </a:solidFill>
+              </a:uFill>
+              <a:latin typeface="Arial"/>
+            </a:endParaRPr>
+          </a:p>
+          <a:p>
+            <a:pPr algn="ctr">
+              <a:lnSpc>
+                <a:spcPct val="120000"/>
+              </a:lnSpc>
+            </a:pPr>
+            <a:endParaRPr b="0" lang="de-DE" sz="1800" spc="-1" strike="noStrike">
+              <a:solidFill>
+                <a:srgbClr val="000000"/>
+              </a:solidFill>
+              <a:uFill>
+                <a:solidFill>
+                  <a:srgbClr val="ffffff"/>
+                </a:solidFill>
+              </a:uFill>
+              <a:latin typeface="Arial"/>
+            </a:endParaRPr>
+          </a:p>
+          <a:p>
+            <a:pPr algn="ctr">
+              <a:lnSpc>
+                <a:spcPct val="120000"/>
+              </a:lnSpc>
+            </a:pPr>
             <a:r>
-              <a:rPr b="0" lang="en-US" sz="1800" spc="-1" strike="noStrike">
+              <a:rPr b="0" lang="de-DE" sz="1800" spc="-1" strike="noStrike">
                 <a:solidFill>
                   <a:srgbClr val="404040"/>
                 </a:solidFill>
@@ -6276,7 +6415,7 @@
               </a:rPr>
               <a:t>Four examples of the Class Activation Mapping results</a:t>
             </a:r>
-            <a:endParaRPr b="0" lang="en-US" sz="1800" spc="-1" strike="noStrike">
+            <a:endParaRPr b="0" lang="de-DE" sz="1800" spc="-1" strike="noStrike">
               <a:solidFill>
                 <a:srgbClr val="000000"/>
               </a:solidFill>
@@ -6295,7 +6434,7 @@
               </a:lnSpc>
             </a:pPr>
             <a:r>
-              <a:rPr b="0" lang="en-US" sz="2800" spc="-1" strike="noStrike">
+              <a:rPr b="0" lang="de-DE" sz="2800" spc="-1" strike="noStrike">
                 <a:solidFill>
                   <a:srgbClr val="404040"/>
                 </a:solidFill>
@@ -6309,7 +6448,7 @@
               </a:rPr>
               <a:t>.  </a:t>
             </a:r>
-            <a:endParaRPr b="0" lang="en-US" sz="1800" spc="-1" strike="noStrike">
+            <a:endParaRPr b="0" lang="de-DE" sz="1800" spc="-1" strike="noStrike">
               <a:solidFill>
                 <a:srgbClr val="000000"/>
               </a:solidFill>
@@ -6325,14 +6464,14 @@
       </p:sp>
       <p:sp>
         <p:nvSpPr>
-          <p:cNvPr id="64" name="CustomShape 18"/>
+          <p:cNvPr id="63" name="CustomShape 17"/>
           <p:cNvSpPr/>
           <p:nvPr/>
         </p:nvSpPr>
         <p:spPr>
           <a:xfrm>
             <a:off x="1470240" y="6840000"/>
-            <a:ext cx="10553760" cy="12718800"/>
+            <a:ext cx="10553400" cy="6624000"/>
           </a:xfrm>
           <a:prstGeom prst="rect">
             <a:avLst/>
@@ -6353,7 +6492,7 @@
         <p:txBody>
           <a:bodyPr lIns="182880" rIns="182880" tIns="91440" bIns="182880"/>
           <a:p>
-            <a:pPr marL="228600" indent="-227880">
+            <a:pPr marL="228600" indent="-227520">
               <a:lnSpc>
                 <a:spcPct val="120000"/>
               </a:lnSpc>
@@ -6364,7 +6503,7 @@
               <a:buChar char=""/>
             </a:pPr>
             <a:r>
-              <a:rPr b="0" lang="en-US" sz="2800" spc="-1" strike="noStrike">
+              <a:rPr b="0" lang="de-DE" sz="2800" spc="-1" strike="noStrike">
                 <a:solidFill>
                   <a:srgbClr val="404040"/>
                 </a:solidFill>
@@ -6378,20 +6517,20 @@
               </a:rPr>
               <a:t>Due to the increasing amount of image and video data automatic classification is an important task in searching and summarization  </a:t>
             </a:r>
-            <a:endParaRPr b="0" lang="en-US" sz="1800" spc="-1" strike="noStrike">
-              <a:solidFill>
-                <a:srgbClr val="000000"/>
-              </a:solidFill>
-              <a:uFill>
-                <a:solidFill>
-                  <a:srgbClr val="ffffff"/>
-                </a:solidFill>
-              </a:uFill>
-              <a:latin typeface="Arial"/>
-            </a:endParaRPr>
-          </a:p>
-          <a:p>
-            <a:pPr marL="228600" indent="-227880">
+            <a:endParaRPr b="0" lang="de-DE" sz="1800" spc="-1" strike="noStrike">
+              <a:solidFill>
+                <a:srgbClr val="000000"/>
+              </a:solidFill>
+              <a:uFill>
+                <a:solidFill>
+                  <a:srgbClr val="ffffff"/>
+                </a:solidFill>
+              </a:uFill>
+              <a:latin typeface="Arial"/>
+            </a:endParaRPr>
+          </a:p>
+          <a:p>
+            <a:pPr marL="228600" indent="-227520">
               <a:lnSpc>
                 <a:spcPct val="120000"/>
               </a:lnSpc>
@@ -6402,7 +6541,7 @@
               <a:buChar char=""/>
             </a:pPr>
             <a:r>
-              <a:rPr b="0" lang="en-US" sz="2800" spc="-1" strike="noStrike">
+              <a:rPr b="0" lang="de-DE" sz="2800" spc="-1" strike="noStrike">
                 <a:solidFill>
                   <a:srgbClr val="404040"/>
                 </a:solidFill>
@@ -6416,20 +6555,20 @@
               </a:rPr>
               <a:t>Most classification tasks don’t include sports, therefore it will be interesting to see the performance of a common CNN on this challenge</a:t>
             </a:r>
-            <a:endParaRPr b="0" lang="en-US" sz="1800" spc="-1" strike="noStrike">
-              <a:solidFill>
-                <a:srgbClr val="000000"/>
-              </a:solidFill>
-              <a:uFill>
-                <a:solidFill>
-                  <a:srgbClr val="ffffff"/>
-                </a:solidFill>
-              </a:uFill>
-              <a:latin typeface="Arial"/>
-            </a:endParaRPr>
-          </a:p>
-          <a:p>
-            <a:pPr marL="228600" indent="-227880">
+            <a:endParaRPr b="0" lang="de-DE" sz="1800" spc="-1" strike="noStrike">
+              <a:solidFill>
+                <a:srgbClr val="000000"/>
+              </a:solidFill>
+              <a:uFill>
+                <a:solidFill>
+                  <a:srgbClr val="ffffff"/>
+                </a:solidFill>
+              </a:uFill>
+              <a:latin typeface="Arial"/>
+            </a:endParaRPr>
+          </a:p>
+          <a:p>
+            <a:pPr marL="228600" indent="-227520">
               <a:lnSpc>
                 <a:spcPct val="120000"/>
               </a:lnSpc>
@@ -6440,7 +6579,7 @@
               <a:buChar char=""/>
             </a:pPr>
             <a:r>
-              <a:rPr b="0" lang="en-US" sz="2800" spc="-1" strike="noStrike">
+              <a:rPr b="0" lang="de-DE" sz="2800" spc="-1" strike="noStrike">
                 <a:solidFill>
                   <a:srgbClr val="404040"/>
                 </a:solidFill>
@@ -6454,7 +6593,83 @@
               </a:rPr>
               <a:t>Additionally investigate which image regions are important for the CNN’s prediction</a:t>
             </a:r>
-            <a:endParaRPr b="0" lang="en-US" sz="1800" spc="-1" strike="noStrike">
+            <a:endParaRPr b="0" lang="de-DE" sz="1800" spc="-1" strike="noStrike">
+              <a:solidFill>
+                <a:srgbClr val="000000"/>
+              </a:solidFill>
+              <a:uFill>
+                <a:solidFill>
+                  <a:srgbClr val="ffffff"/>
+                </a:solidFill>
+              </a:uFill>
+              <a:latin typeface="Arial"/>
+            </a:endParaRPr>
+          </a:p>
+          <a:p>
+            <a:pPr marL="228600" indent="-227520">
+              <a:lnSpc>
+                <a:spcPct val="120000"/>
+              </a:lnSpc>
+              <a:buClr>
+                <a:srgbClr val="404040"/>
+              </a:buClr>
+              <a:buFont typeface="Symbol"/>
+              <a:buChar char=""/>
+            </a:pPr>
+            <a:r>
+              <a:rPr b="0" lang="de-DE" sz="2800" spc="-1" strike="noStrike">
+                <a:solidFill>
+                  <a:srgbClr val="404040"/>
+                </a:solidFill>
+                <a:uFill>
+                  <a:solidFill>
+                    <a:srgbClr val="ffffff"/>
+                  </a:solidFill>
+                </a:uFill>
+                <a:latin typeface="Arial"/>
+                <a:ea typeface="ＭＳ Ｐゴシック"/>
+              </a:rPr>
+              <a:t>Sport actions contain a lot of movement and for that reason the temporal information could be important in classification</a:t>
+            </a:r>
+            <a:endParaRPr b="0" lang="de-DE" sz="1800" spc="-1" strike="noStrike">
+              <a:solidFill>
+                <a:srgbClr val="000000"/>
+              </a:solidFill>
+              <a:uFill>
+                <a:solidFill>
+                  <a:srgbClr val="ffffff"/>
+                </a:solidFill>
+              </a:uFill>
+              <a:latin typeface="Arial"/>
+            </a:endParaRPr>
+          </a:p>
+          <a:p>
+            <a:pPr marL="228600" indent="-227520">
+              <a:lnSpc>
+                <a:spcPct val="120000"/>
+              </a:lnSpc>
+              <a:buClr>
+                <a:srgbClr val="404040"/>
+              </a:buClr>
+              <a:buFont typeface="Symbol"/>
+              <a:buChar char=""/>
+            </a:pPr>
+            <a:r>
+              <a:rPr b="0" lang="de-DE" sz="2800" spc="-1" strike="noStrike">
+                <a:solidFill>
+                  <a:srgbClr val="404040"/>
+                </a:solidFill>
+                <a:uFill>
+                  <a:solidFill>
+                    <a:srgbClr val="ffffff"/>
+                  </a:solidFill>
+                </a:uFill>
+                <a:latin typeface="Arial"/>
+                <a:ea typeface="ＭＳ Ｐゴシック"/>
+              </a:rPr>
+              <a:t>One approach is to use adjacent frames of a video sequence as one single instance</a:t>
+            </a:r>
+            <a:endParaRPr b="0" lang="de-DE" sz="1800" spc="-1" strike="noStrike">
               <a:solidFill>
                 <a:srgbClr val="000000"/>
               </a:solidFill>
@@ -6470,7 +6685,7 @@
       </p:sp>
       <p:pic>
         <p:nvPicPr>
-          <p:cNvPr id="65" name="" descr=""/>
+          <p:cNvPr id="64" name="" descr=""/>
           <p:cNvPicPr/>
           <p:nvPr/>
         </p:nvPicPr>
@@ -6481,7 +6696,30 @@
         <p:spPr>
           <a:xfrm>
             <a:off x="31178160" y="8843760"/>
-            <a:ext cx="4993920" cy="2748240"/>
+            <a:ext cx="4993560" cy="2747880"/>
+          </a:xfrm>
+          <a:prstGeom prst="rect">
+            <a:avLst/>
+          </a:prstGeom>
+          <a:ln>
+            <a:noFill/>
+          </a:ln>
+        </p:spPr>
+      </p:pic>
+      <p:pic>
+        <p:nvPicPr>
+          <p:cNvPr id="65" name="" descr=""/>
+          <p:cNvPicPr/>
+          <p:nvPr/>
+        </p:nvPicPr>
+        <p:blipFill>
+          <a:blip r:embed="rId6"/>
+          <a:stretch/>
+        </p:blipFill>
+        <p:spPr>
+          <a:xfrm>
+            <a:off x="36493920" y="8843760"/>
+            <a:ext cx="4867560" cy="2737800"/>
           </a:xfrm>
           <a:prstGeom prst="rect">
             <a:avLst/>
@@ -6498,13 +6736,13 @@
           <p:nvPr/>
         </p:nvPicPr>
         <p:blipFill>
-          <a:blip r:embed="rId6"/>
+          <a:blip r:embed="rId7"/>
           <a:stretch/>
         </p:blipFill>
         <p:spPr>
           <a:xfrm>
-            <a:off x="36493920" y="8843760"/>
-            <a:ext cx="4867920" cy="2738160"/>
+            <a:off x="31248000" y="12096000"/>
+            <a:ext cx="4863240" cy="2735640"/>
           </a:xfrm>
           <a:prstGeom prst="rect">
             <a:avLst/>
@@ -6521,13 +6759,13 @@
           <p:nvPr/>
         </p:nvPicPr>
         <p:blipFill>
-          <a:blip r:embed="rId7"/>
+          <a:blip r:embed="rId8"/>
           <a:stretch/>
         </p:blipFill>
         <p:spPr>
           <a:xfrm>
-            <a:off x="31248000" y="12096000"/>
-            <a:ext cx="4863600" cy="2736000"/>
+            <a:off x="36533520" y="12094560"/>
+            <a:ext cx="4866120" cy="2737080"/>
           </a:xfrm>
           <a:prstGeom prst="rect">
             <a:avLst/>
@@ -6537,29 +6775,228 @@
           </a:ln>
         </p:spPr>
       </p:pic>
-      <p:pic>
-        <p:nvPicPr>
-          <p:cNvPr id="68" name="" descr=""/>
-          <p:cNvPicPr/>
+      <p:sp>
+        <p:nvSpPr>
+          <p:cNvPr id="68" name="CustomShape 18"/>
+          <p:cNvSpPr/>
           <p:nvPr/>
-        </p:nvPicPr>
-        <p:blipFill>
-          <a:blip r:embed="rId8"/>
-          <a:stretch/>
-        </p:blipFill>
+        </p:nvSpPr>
         <p:spPr>
           <a:xfrm>
-            <a:off x="36533520" y="12094560"/>
-            <a:ext cx="4866480" cy="2737440"/>
+            <a:off x="1472040" y="13617720"/>
+            <a:ext cx="10551960" cy="854280"/>
           </a:xfrm>
           <a:prstGeom prst="rect">
             <a:avLst/>
           </a:prstGeom>
+          <a:gradFill>
+            <a:gsLst>
+              <a:gs pos="0">
+                <a:srgbClr val="003333"/>
+              </a:gs>
+              <a:gs pos="100000">
+                <a:srgbClr val="009999"/>
+              </a:gs>
+            </a:gsLst>
+            <a:lin ang="0"/>
+          </a:gradFill>
+          <a:ln w="19080">
+            <a:noFill/>
+          </a:ln>
+        </p:spPr>
+        <p:style>
+          <a:lnRef idx="0"/>
+          <a:fillRef idx="0"/>
+          <a:effectRef idx="0"/>
+          <a:fontRef idx="minor"/>
+        </p:style>
+        <p:txBody>
+          <a:bodyPr lIns="90000" rIns="90000" tIns="45000" bIns="45000"/>
+          <a:p>
+            <a:pPr>
+              <a:lnSpc>
+                <a:spcPct val="100000"/>
+              </a:lnSpc>
+            </a:pPr>
+            <a:r>
+              <a:rPr b="1" lang="de-DE" sz="4400" spc="-1" strike="noStrike">
+                <a:solidFill>
+                  <a:srgbClr val="ffffff"/>
+                </a:solidFill>
+                <a:uFill>
+                  <a:solidFill>
+                    <a:srgbClr val="ffffff"/>
+                  </a:solidFill>
+                </a:uFill>
+                <a:latin typeface="Lucida Sans"/>
+                <a:ea typeface="SimSun"/>
+              </a:rPr>
+              <a:t>Materials</a:t>
+            </a:r>
+            <a:endParaRPr b="0" lang="de-DE" sz="1800" spc="-1" strike="noStrike">
+              <a:solidFill>
+                <a:srgbClr val="000000"/>
+              </a:solidFill>
+              <a:uFill>
+                <a:solidFill>
+                  <a:srgbClr val="ffffff"/>
+                </a:solidFill>
+              </a:uFill>
+              <a:latin typeface="Arial"/>
+            </a:endParaRPr>
+          </a:p>
+        </p:txBody>
+      </p:sp>
+      <p:sp>
+        <p:nvSpPr>
+          <p:cNvPr id="69" name="TextShape 19"/>
+          <p:cNvSpPr txBox="1"/>
+          <p:nvPr/>
+        </p:nvSpPr>
+        <p:spPr>
+          <a:xfrm>
+            <a:off x="1703880" y="15120000"/>
+            <a:ext cx="10320120" cy="7848000"/>
+          </a:xfrm>
+          <a:prstGeom prst="rect">
+            <a:avLst/>
+          </a:prstGeom>
+          <a:noFill/>
           <a:ln>
             <a:noFill/>
           </a:ln>
         </p:spPr>
-      </p:pic>
+        <p:txBody>
+          <a:bodyPr lIns="90000" rIns="90000" tIns="45000" bIns="45000"/>
+          <a:p>
+            <a:pPr>
+              <a:lnSpc>
+                <a:spcPct val="125000"/>
+              </a:lnSpc>
+            </a:pPr>
+            <a:r>
+              <a:rPr b="1" lang="de-DE" sz="2800" spc="-1" strike="noStrike">
+                <a:solidFill>
+                  <a:srgbClr val="000000"/>
+                </a:solidFill>
+                <a:uFill>
+                  <a:solidFill>
+                    <a:srgbClr val="ffffff"/>
+                  </a:solidFill>
+                </a:uFill>
+                <a:latin typeface="Arial"/>
+                <a:ea typeface="ＭＳ Ｐゴシック"/>
+              </a:rPr>
+              <a:t>Data Set</a:t>
+            </a:r>
+            <a:endParaRPr b="0" lang="de-DE" sz="1800" spc="-1" strike="noStrike">
+              <a:solidFill>
+                <a:srgbClr val="000000"/>
+              </a:solidFill>
+              <a:uFill>
+                <a:solidFill>
+                  <a:srgbClr val="ffffff"/>
+                </a:solidFill>
+              </a:uFill>
+              <a:latin typeface="Arial"/>
+            </a:endParaRPr>
+          </a:p>
+          <a:p>
+            <a:pPr marL="216000" indent="-215640">
+              <a:lnSpc>
+                <a:spcPct val="125000"/>
+              </a:lnSpc>
+              <a:buClr>
+                <a:srgbClr val="000000"/>
+              </a:buClr>
+              <a:buFont typeface="Symbol"/>
+              <a:buChar char=""/>
+            </a:pPr>
+            <a:r>
+              <a:rPr b="0" lang="de-DE" sz="2800" spc="-1" strike="noStrike">
+                <a:solidFill>
+                  <a:srgbClr val="000000"/>
+                </a:solidFill>
+                <a:uFill>
+                  <a:solidFill>
+                    <a:srgbClr val="ffffff"/>
+                  </a:solidFill>
+                </a:uFill>
+                <a:latin typeface="Arial"/>
+                <a:ea typeface="ＭＳ Ｐゴシック"/>
+              </a:rPr>
+              <a:t>Subset of MPII Human Pose Dataset → 10 sports: Basketball, Horseback riding, Martial Arts, Paddelball, Rock climbing, Rope skipping, Skateboarding, Softball, Tennis, Golf</a:t>
+            </a:r>
+            <a:endParaRPr b="0" lang="de-DE" sz="1800" spc="-1" strike="noStrike">
+              <a:solidFill>
+                <a:srgbClr val="000000"/>
+              </a:solidFill>
+              <a:uFill>
+                <a:solidFill>
+                  <a:srgbClr val="ffffff"/>
+                </a:solidFill>
+              </a:uFill>
+              <a:latin typeface="Arial"/>
+            </a:endParaRPr>
+          </a:p>
+          <a:p>
+            <a:pPr marL="216000" indent="-215640">
+              <a:lnSpc>
+                <a:spcPct val="125000"/>
+              </a:lnSpc>
+              <a:buClr>
+                <a:srgbClr val="000000"/>
+              </a:buClr>
+              <a:buFont typeface="Symbol"/>
+              <a:buChar char=""/>
+            </a:pPr>
+            <a:r>
+              <a:rPr b="0" lang="de-DE" sz="2800" spc="-1" strike="noStrike">
+                <a:solidFill>
+                  <a:srgbClr val="000000"/>
+                </a:solidFill>
+                <a:uFill>
+                  <a:solidFill>
+                    <a:srgbClr val="ffffff"/>
+                  </a:solidFill>
+                </a:uFill>
+                <a:latin typeface="Arial"/>
+                <a:ea typeface="ＭＳ Ｐゴシック"/>
+              </a:rPr>
+              <a:t>1576 images total, 1266 training images, 310 test images</a:t>
+            </a:r>
+            <a:endParaRPr b="0" lang="de-DE" sz="1800" spc="-1" strike="noStrike">
+              <a:solidFill>
+                <a:srgbClr val="000000"/>
+              </a:solidFill>
+              <a:uFill>
+                <a:solidFill>
+                  <a:srgbClr val="ffffff"/>
+                </a:solidFill>
+              </a:uFill>
+              <a:latin typeface="Arial"/>
+            </a:endParaRPr>
+          </a:p>
+          <a:p>
+            <a:pPr>
+              <a:lnSpc>
+                <a:spcPct val="125000"/>
+              </a:lnSpc>
+            </a:pPr>
+            <a:endParaRPr b="0" lang="de-DE" sz="1800" spc="-1" strike="noStrike">
+              <a:solidFill>
+                <a:srgbClr val="000000"/>
+              </a:solidFill>
+              <a:uFill>
+                <a:solidFill>
+                  <a:srgbClr val="ffffff"/>
+                </a:solidFill>
+              </a:uFill>
+              <a:latin typeface="Arial"/>
+            </a:endParaRPr>
+          </a:p>
+        </p:txBody>
+      </p:sp>
     </p:spTree>
   </p:cSld>
   <p:timing>
